--- a/Journal-Club-2015-01-20.pptx
+++ b/Journal-Club-2015-01-20.pptx
@@ -5,16 +5,18 @@
     <p:sldMasterId id="2147483648" r:id="rId1"/>
   </p:sldMasterIdLst>
   <p:notesMasterIdLst>
-    <p:notesMasterId r:id="rId6"/>
+    <p:notesMasterId r:id="rId8"/>
   </p:notesMasterIdLst>
   <p:handoutMasterIdLst>
-    <p:handoutMasterId r:id="rId7"/>
+    <p:handoutMasterId r:id="rId9"/>
   </p:handoutMasterIdLst>
   <p:sldIdLst>
     <p:sldId id="256" r:id="rId2"/>
-    <p:sldId id="261" r:id="rId3"/>
-    <p:sldId id="259" r:id="rId4"/>
+    <p:sldId id="263" r:id="rId3"/>
+    <p:sldId id="261" r:id="rId4"/>
     <p:sldId id="260" r:id="rId5"/>
+    <p:sldId id="262" r:id="rId6"/>
+    <p:sldId id="264" r:id="rId7"/>
   </p:sldIdLst>
   <p:sldSz cx="9144000" cy="6858000" type="screen4x3"/>
   <p:notesSz cx="6858000" cy="9144000"/>
@@ -198,7 +200,7 @@
           <a:p>
             <a:fld id="{4CDDBA77-01D7-1C43-82C0-A821478FEEB3}" type="datetime1">
               <a:rPr lang="en-US" smtClean="0"/>
-              <a:t>1/18/15</a:t>
+              <a:t>1/19/15</a:t>
             </a:fld>
             <a:endParaRPr lang="en-US"/>
           </a:p>
@@ -369,7 +371,7 @@
           <a:p>
             <a:fld id="{1069A9F4-2EA0-D642-BC14-6E31C5CCD8DC}" type="datetime1">
               <a:rPr lang="en-US" smtClean="0"/>
-              <a:t>1/18/15</a:t>
+              <a:t>1/19/15</a:t>
             </a:fld>
             <a:endParaRPr lang="en-US"/>
           </a:p>
@@ -692,6 +694,34 @@
           <a:bodyPr/>
           <a:lstStyle/>
           <a:p>
+            <a:r>
+              <a:rPr lang="en-US" dirty="0" err="1" smtClean="0"/>
+              <a:t>Heng</a:t>
+            </a:r>
+            <a:r>
+              <a:rPr lang="en-US" dirty="0" smtClean="0"/>
+              <a:t> Li is the creator of</a:t>
+            </a:r>
+            <a:r>
+              <a:rPr lang="en-US" baseline="0" dirty="0" smtClean="0"/>
+              <a:t> many bioinformatics tools for next-gen sequencing, including</a:t>
+            </a:r>
+            <a:r>
+              <a:rPr lang="en-US" dirty="0" smtClean="0"/>
+              <a:t> </a:t>
+            </a:r>
+            <a:r>
+              <a:rPr lang="en-US" dirty="0" err="1" smtClean="0"/>
+              <a:t>samtools</a:t>
+            </a:r>
+            <a:r>
+              <a:rPr lang="en-US" dirty="0" smtClean="0"/>
+              <a:t>,</a:t>
+            </a:r>
+            <a:r>
+              <a:rPr lang="en-US" baseline="0" dirty="0" smtClean="0"/>
+              <a:t> BWA, and MAQ.  He’s widely regarded as an expert on the analysis of sequences.  I came across this paper while working on a data analysis pipeline for the drug-resistance project Ross is working on in Lisa’s lab.</a:t>
+            </a:r>
             <a:endParaRPr lang="en-US" dirty="0"/>
           </a:p>
         </p:txBody>
@@ -783,12 +813,7 @@
             <p:ph type="sldImg"/>
           </p:nvPr>
         </p:nvSpPr>
-        <p:spPr>
-          <a:xfrm>
-            <a:off x="1143000" y="685800"/>
-            <a:ext cx="4572000" cy="3429000"/>
-          </a:xfrm>
-        </p:spPr>
+        <p:spPr/>
       </p:sp>
       <p:sp>
         <p:nvSpPr>
@@ -806,21 +831,73 @@
           <a:lstStyle/>
           <a:p>
             <a:r>
+              <a:rPr lang="en-US" dirty="0" smtClean="0"/>
+              <a:t>For NGS data, the</a:t>
+            </a:r>
+            <a:r>
               <a:rPr lang="en-US" baseline="0" dirty="0" smtClean="0"/>
-              <a:t>No unbiased, well-known “truth set” for calibrating variant callers or pipelines that’s general enough for all or even most data.</a:t>
-            </a:r>
+              <a:t> total error rate of SNP/SNV call is</a:t>
+            </a:r>
+            <a:r>
+              <a:rPr lang="en-US" dirty="0" smtClean="0"/>
+              <a:t> pretty unclear.</a:t>
+            </a:r>
+            <a:r>
+              <a:rPr lang="en-US" baseline="0" dirty="0" smtClean="0"/>
+              <a:t>  Additionally, there are many possible sources of error, and it’s unclear which are the leading causes of error in calls.  There’s no good, standardized, general-purpose “truth set” for calibration of SNP calls.  The lack of both of these make it hard to determine “good” from “bad” SNP calls, or assign a probability of correctness.</a:t>
+            </a:r>
+          </a:p>
+          <a:p>
             <a:endParaRPr lang="en-US" baseline="0" dirty="0" smtClean="0"/>
           </a:p>
-        </p:txBody>
-      </p:sp>
-      <p:sp>
-        <p:nvSpPr>
-          <p:cNvPr id="4" name="Slide Number Placeholder 3"/>
-          <p:cNvSpPr>
-            <a:spLocks noGrp="1"/>
-          </p:cNvSpPr>
-          <p:nvPr>
-            <p:ph type="sldNum" sz="quarter" idx="10"/>
+          <a:p>
+            <a:r>
+              <a:rPr lang="en-US" baseline="0" dirty="0" smtClean="0"/>
+              <a:t>That said, being able to detect low-level variation reliably is useful in innumerable contexts, so we try to do this anyway with all sorts of conservative filtering and </a:t>
+            </a:r>
+            <a:r>
+              <a:rPr lang="en-US" baseline="0" dirty="0" err="1" smtClean="0"/>
+              <a:t>thresholding</a:t>
+            </a:r>
+            <a:r>
+              <a:rPr lang="en-US" baseline="0" dirty="0" smtClean="0"/>
+              <a:t>.</a:t>
+            </a:r>
+            <a:endParaRPr lang="en-US" dirty="0"/>
+          </a:p>
+        </p:txBody>
+      </p:sp>
+      <p:sp>
+        <p:nvSpPr>
+          <p:cNvPr id="4" name="Footer Placeholder 3"/>
+          <p:cNvSpPr>
+            <a:spLocks noGrp="1"/>
+          </p:cNvSpPr>
+          <p:nvPr>
+            <p:ph type="ftr" sz="quarter" idx="10"/>
+          </p:nvPr>
+        </p:nvSpPr>
+        <p:spPr/>
+        <p:txBody>
+          <a:bodyPr/>
+          <a:lstStyle/>
+          <a:p>
+            <a:r>
+              <a:rPr lang="en-US" smtClean="0"/>
+              <a:t>Thomas Sibley - 21 May 2014</a:t>
+            </a:r>
+            <a:endParaRPr lang="en-US"/>
+          </a:p>
+        </p:txBody>
+      </p:sp>
+      <p:sp>
+        <p:nvSpPr>
+          <p:cNvPr id="5" name="Slide Number Placeholder 4"/>
+          <p:cNvSpPr>
+            <a:spLocks noGrp="1"/>
+          </p:cNvSpPr>
+          <p:nvPr>
+            <p:ph type="sldNum" sz="quarter" idx="11"/>
           </p:nvPr>
         </p:nvSpPr>
         <p:spPr/>
@@ -837,33 +914,392 @@
           </a:p>
         </p:txBody>
       </p:sp>
-      <p:sp>
-        <p:nvSpPr>
-          <p:cNvPr id="5" name="Footer Placeholder 4"/>
-          <p:cNvSpPr>
-            <a:spLocks noGrp="1"/>
-          </p:cNvSpPr>
-          <p:nvPr>
-            <p:ph type="ftr" sz="quarter" idx="11"/>
-          </p:nvPr>
-        </p:nvSpPr>
-        <p:spPr/>
-        <p:txBody>
-          <a:bodyPr/>
-          <a:lstStyle/>
-          <a:p>
-            <a:r>
-              <a:rPr lang="en-US" smtClean="0"/>
-              <a:t>Thomas Sibley - 21 May 2014</a:t>
-            </a:r>
-            <a:endParaRPr lang="en-US"/>
-          </a:p>
-        </p:txBody>
-      </p:sp>
     </p:spTree>
     <p:extLst>
       <p:ext uri="{BB962C8B-B14F-4D97-AF65-F5344CB8AC3E}">
-        <p14:creationId xmlns:p14="http://schemas.microsoft.com/office/powerpoint/2010/main" val="528165026"/>
+        <p14:creationId xmlns:p14="http://schemas.microsoft.com/office/powerpoint/2010/main" val="382456250"/>
+      </p:ext>
+    </p:extLst>
+  </p:cSld>
+  <p:clrMapOvr>
+    <a:masterClrMapping/>
+  </p:clrMapOvr>
+</p:notes>
+</file>
+
+<file path=ppt/notesSlides/notesSlide3.xml><?xml version="1.0" encoding="utf-8"?>
+<p:notes xmlns:a="http://schemas.openxmlformats.org/drawingml/2006/main" xmlns:r="http://schemas.openxmlformats.org/officeDocument/2006/relationships" xmlns:p="http://schemas.openxmlformats.org/presentationml/2006/main">
+  <p:cSld>
+    <p:spTree>
+      <p:nvGrpSpPr>
+        <p:cNvPr id="1" name=""/>
+        <p:cNvGrpSpPr/>
+        <p:nvPr/>
+      </p:nvGrpSpPr>
+      <p:grpSpPr>
+        <a:xfrm>
+          <a:off x="0" y="0"/>
+          <a:ext cx="0" cy="0"/>
+          <a:chOff x="0" y="0"/>
+          <a:chExt cx="0" cy="0"/>
+        </a:xfrm>
+      </p:grpSpPr>
+      <p:sp>
+        <p:nvSpPr>
+          <p:cNvPr id="2" name="Slide Image Placeholder 1"/>
+          <p:cNvSpPr>
+            <a:spLocks noGrp="1" noRot="1" noChangeAspect="1"/>
+          </p:cNvSpPr>
+          <p:nvPr>
+            <p:ph type="sldImg"/>
+          </p:nvPr>
+        </p:nvSpPr>
+        <p:spPr/>
+      </p:sp>
+      <p:sp>
+        <p:nvSpPr>
+          <p:cNvPr id="3" name="Notes Placeholder 2"/>
+          <p:cNvSpPr>
+            <a:spLocks noGrp="1"/>
+          </p:cNvSpPr>
+          <p:nvPr>
+            <p:ph type="body" idx="1"/>
+          </p:nvPr>
+        </p:nvSpPr>
+        <p:spPr/>
+        <p:txBody>
+          <a:bodyPr/>
+          <a:lstStyle/>
+          <a:p>
+            <a:r>
+              <a:rPr lang="en-US" dirty="0" smtClean="0"/>
+              <a:t>Simulation of NGS</a:t>
+            </a:r>
+            <a:r>
+              <a:rPr lang="en-US" baseline="0" dirty="0" smtClean="0"/>
+              <a:t> data</a:t>
+            </a:r>
+            <a:r>
+              <a:rPr lang="en-US" dirty="0" smtClean="0"/>
+              <a:t> is one potential means of calibrating</a:t>
+            </a:r>
+            <a:r>
+              <a:rPr lang="en-US" baseline="0" dirty="0" smtClean="0"/>
+              <a:t> SNP callers, but it suffers from a number of intractable problems causing diminishing returns that make it less appealing.</a:t>
+            </a:r>
+          </a:p>
+          <a:p>
+            <a:endParaRPr lang="en-US" baseline="0" dirty="0" smtClean="0"/>
+          </a:p>
+          <a:p>
+            <a:r>
+              <a:rPr lang="en-US" baseline="0" dirty="0" smtClean="0"/>
+              <a:t>(Describe the problems, briefly.)</a:t>
+            </a:r>
+          </a:p>
+        </p:txBody>
+      </p:sp>
+      <p:sp>
+        <p:nvSpPr>
+          <p:cNvPr id="4" name="Footer Placeholder 3"/>
+          <p:cNvSpPr>
+            <a:spLocks noGrp="1"/>
+          </p:cNvSpPr>
+          <p:nvPr>
+            <p:ph type="ftr" sz="quarter" idx="10"/>
+          </p:nvPr>
+        </p:nvSpPr>
+        <p:spPr/>
+        <p:txBody>
+          <a:bodyPr/>
+          <a:lstStyle/>
+          <a:p>
+            <a:r>
+              <a:rPr lang="en-US" smtClean="0"/>
+              <a:t>Thomas Sibley - 21 May 2014</a:t>
+            </a:r>
+            <a:endParaRPr lang="en-US"/>
+          </a:p>
+        </p:txBody>
+      </p:sp>
+      <p:sp>
+        <p:nvSpPr>
+          <p:cNvPr id="5" name="Slide Number Placeholder 4"/>
+          <p:cNvSpPr>
+            <a:spLocks noGrp="1"/>
+          </p:cNvSpPr>
+          <p:nvPr>
+            <p:ph type="sldNum" sz="quarter" idx="11"/>
+          </p:nvPr>
+        </p:nvSpPr>
+        <p:spPr/>
+        <p:txBody>
+          <a:bodyPr/>
+          <a:lstStyle/>
+          <a:p>
+            <a:fld id="{F18F993B-D9A3-E546-AE3F-4D3986D8AE1D}" type="slidenum">
+              <a:rPr lang="en-US" smtClean="0"/>
+              <a:pPr/>
+              <a:t>4</a:t>
+            </a:fld>
+            <a:endParaRPr lang="en-US"/>
+          </a:p>
+        </p:txBody>
+      </p:sp>
+    </p:spTree>
+    <p:extLst>
+      <p:ext uri="{BB962C8B-B14F-4D97-AF65-F5344CB8AC3E}">
+        <p14:creationId xmlns:p14="http://schemas.microsoft.com/office/powerpoint/2010/main" val="1631735853"/>
+      </p:ext>
+    </p:extLst>
+  </p:cSld>
+  <p:clrMapOvr>
+    <a:masterClrMapping/>
+  </p:clrMapOvr>
+</p:notes>
+</file>
+
+<file path=ppt/notesSlides/notesSlide4.xml><?xml version="1.0" encoding="utf-8"?>
+<p:notes xmlns:a="http://schemas.openxmlformats.org/drawingml/2006/main" xmlns:r="http://schemas.openxmlformats.org/officeDocument/2006/relationships" xmlns:p="http://schemas.openxmlformats.org/presentationml/2006/main">
+  <p:cSld>
+    <p:spTree>
+      <p:nvGrpSpPr>
+        <p:cNvPr id="1" name=""/>
+        <p:cNvGrpSpPr/>
+        <p:nvPr/>
+      </p:nvGrpSpPr>
+      <p:grpSpPr>
+        <a:xfrm>
+          <a:off x="0" y="0"/>
+          <a:ext cx="0" cy="0"/>
+          <a:chOff x="0" y="0"/>
+          <a:chExt cx="0" cy="0"/>
+        </a:xfrm>
+      </p:grpSpPr>
+      <p:sp>
+        <p:nvSpPr>
+          <p:cNvPr id="2" name="Slide Image Placeholder 1"/>
+          <p:cNvSpPr>
+            <a:spLocks noGrp="1" noRot="1" noChangeAspect="1"/>
+          </p:cNvSpPr>
+          <p:nvPr>
+            <p:ph type="sldImg"/>
+          </p:nvPr>
+        </p:nvSpPr>
+        <p:spPr/>
+      </p:sp>
+      <p:sp>
+        <p:nvSpPr>
+          <p:cNvPr id="3" name="Notes Placeholder 2"/>
+          <p:cNvSpPr>
+            <a:spLocks noGrp="1"/>
+          </p:cNvSpPr>
+          <p:nvPr>
+            <p:ph type="body" idx="1"/>
+          </p:nvPr>
+        </p:nvSpPr>
+        <p:spPr/>
+        <p:txBody>
+          <a:bodyPr/>
+          <a:lstStyle/>
+          <a:p>
+            <a:r>
+              <a:rPr lang="en-US" dirty="0" smtClean="0"/>
+              <a:t>Real data is an</a:t>
+            </a:r>
+            <a:r>
+              <a:rPr lang="en-US" baseline="0" dirty="0" smtClean="0"/>
+              <a:t> improvement in terms of a calibration truth set, but it too has issues which are hard to resolve. Using real variant data hides systematic error. Comparison methods operating on real data, either via experimental genotyping of select sites or comparing against other tools/pipelines, only produces a relative accuracy without any grounding point.  False-negatives are hard to ascertain since they require some level of ground-truth, and comparison methods which only look at existing data don’t necessarily tell the full story on these type II errors.  Experimental validation using microarrays tends towards easier regions, and so doesn’t necessarily provide an unbiased look across all regions.</a:t>
+            </a:r>
+          </a:p>
+          <a:p>
+            <a:endParaRPr lang="en-US" baseline="0" dirty="0" smtClean="0"/>
+          </a:p>
+          <a:p>
+            <a:endParaRPr lang="en-US" dirty="0"/>
+          </a:p>
+        </p:txBody>
+      </p:sp>
+      <p:sp>
+        <p:nvSpPr>
+          <p:cNvPr id="4" name="Footer Placeholder 3"/>
+          <p:cNvSpPr>
+            <a:spLocks noGrp="1"/>
+          </p:cNvSpPr>
+          <p:nvPr>
+            <p:ph type="ftr" sz="quarter" idx="10"/>
+          </p:nvPr>
+        </p:nvSpPr>
+        <p:spPr/>
+        <p:txBody>
+          <a:bodyPr/>
+          <a:lstStyle/>
+          <a:p>
+            <a:r>
+              <a:rPr lang="en-US" smtClean="0"/>
+              <a:t>Thomas Sibley - 21 May 2014</a:t>
+            </a:r>
+            <a:endParaRPr lang="en-US"/>
+          </a:p>
+        </p:txBody>
+      </p:sp>
+      <p:sp>
+        <p:nvSpPr>
+          <p:cNvPr id="5" name="Slide Number Placeholder 4"/>
+          <p:cNvSpPr>
+            <a:spLocks noGrp="1"/>
+          </p:cNvSpPr>
+          <p:nvPr>
+            <p:ph type="sldNum" sz="quarter" idx="11"/>
+          </p:nvPr>
+        </p:nvSpPr>
+        <p:spPr/>
+        <p:txBody>
+          <a:bodyPr/>
+          <a:lstStyle/>
+          <a:p>
+            <a:fld id="{F18F993B-D9A3-E546-AE3F-4D3986D8AE1D}" type="slidenum">
+              <a:rPr lang="en-US" smtClean="0"/>
+              <a:pPr/>
+              <a:t>5</a:t>
+            </a:fld>
+            <a:endParaRPr lang="en-US"/>
+          </a:p>
+        </p:txBody>
+      </p:sp>
+    </p:spTree>
+    <p:extLst>
+      <p:ext uri="{BB962C8B-B14F-4D97-AF65-F5344CB8AC3E}">
+        <p14:creationId xmlns:p14="http://schemas.microsoft.com/office/powerpoint/2010/main" val="677737137"/>
+      </p:ext>
+    </p:extLst>
+  </p:cSld>
+  <p:clrMapOvr>
+    <a:masterClrMapping/>
+  </p:clrMapOvr>
+</p:notes>
+</file>
+
+<file path=ppt/notesSlides/notesSlide5.xml><?xml version="1.0" encoding="utf-8"?>
+<p:notes xmlns:a="http://schemas.openxmlformats.org/drawingml/2006/main" xmlns:r="http://schemas.openxmlformats.org/officeDocument/2006/relationships" xmlns:p="http://schemas.openxmlformats.org/presentationml/2006/main">
+  <p:cSld>
+    <p:spTree>
+      <p:nvGrpSpPr>
+        <p:cNvPr id="1" name=""/>
+        <p:cNvGrpSpPr/>
+        <p:nvPr/>
+      </p:nvGrpSpPr>
+      <p:grpSpPr>
+        <a:xfrm>
+          <a:off x="0" y="0"/>
+          <a:ext cx="0" cy="0"/>
+          <a:chOff x="0" y="0"/>
+          <a:chExt cx="0" cy="0"/>
+        </a:xfrm>
+      </p:grpSpPr>
+      <p:sp>
+        <p:nvSpPr>
+          <p:cNvPr id="2" name="Slide Image Placeholder 1"/>
+          <p:cNvSpPr>
+            <a:spLocks noGrp="1" noRot="1" noChangeAspect="1"/>
+          </p:cNvSpPr>
+          <p:nvPr>
+            <p:ph type="sldImg"/>
+          </p:nvPr>
+        </p:nvSpPr>
+        <p:spPr/>
+      </p:sp>
+      <p:sp>
+        <p:nvSpPr>
+          <p:cNvPr id="3" name="Notes Placeholder 2"/>
+          <p:cNvSpPr>
+            <a:spLocks noGrp="1"/>
+          </p:cNvSpPr>
+          <p:nvPr>
+            <p:ph type="body" idx="1"/>
+          </p:nvPr>
+        </p:nvSpPr>
+        <p:spPr/>
+        <p:txBody>
+          <a:bodyPr/>
+          <a:lstStyle/>
+          <a:p>
+            <a:r>
+              <a:rPr lang="en-US" dirty="0" smtClean="0"/>
+              <a:t>The basic idea is to use a haploid human cell line to call variants.</a:t>
+            </a:r>
+            <a:r>
+              <a:rPr lang="en-US" baseline="0" dirty="0" smtClean="0"/>
+              <a:t>  The “vast majority” of heterozygous calls should be errors of some sort.</a:t>
+            </a:r>
+          </a:p>
+          <a:p>
+            <a:endParaRPr lang="en-US" baseline="0" dirty="0" smtClean="0"/>
+          </a:p>
+          <a:p>
+            <a:r>
+              <a:rPr lang="en-US" baseline="0" dirty="0" smtClean="0"/>
+              <a:t>A control cell line is used to parse out some error types.  Unlike other studies, multiple mappers and callers are tested and compared providing relative accuracy in addition to </a:t>
+            </a:r>
+            <a:r>
+              <a:rPr lang="en-US" baseline="0" smtClean="0"/>
+              <a:t>absolute accuracy.</a:t>
+            </a:r>
+            <a:endParaRPr lang="en-US" dirty="0"/>
+          </a:p>
+        </p:txBody>
+      </p:sp>
+      <p:sp>
+        <p:nvSpPr>
+          <p:cNvPr id="4" name="Footer Placeholder 3"/>
+          <p:cNvSpPr>
+            <a:spLocks noGrp="1"/>
+          </p:cNvSpPr>
+          <p:nvPr>
+            <p:ph type="ftr" sz="quarter" idx="10"/>
+          </p:nvPr>
+        </p:nvSpPr>
+        <p:spPr/>
+        <p:txBody>
+          <a:bodyPr/>
+          <a:lstStyle/>
+          <a:p>
+            <a:r>
+              <a:rPr lang="en-US" smtClean="0"/>
+              <a:t>Thomas Sibley - 21 May 2014</a:t>
+            </a:r>
+            <a:endParaRPr lang="en-US"/>
+          </a:p>
+        </p:txBody>
+      </p:sp>
+      <p:sp>
+        <p:nvSpPr>
+          <p:cNvPr id="5" name="Slide Number Placeholder 4"/>
+          <p:cNvSpPr>
+            <a:spLocks noGrp="1"/>
+          </p:cNvSpPr>
+          <p:nvPr>
+            <p:ph type="sldNum" sz="quarter" idx="11"/>
+          </p:nvPr>
+        </p:nvSpPr>
+        <p:spPr/>
+        <p:txBody>
+          <a:bodyPr/>
+          <a:lstStyle/>
+          <a:p>
+            <a:fld id="{F18F993B-D9A3-E546-AE3F-4D3986D8AE1D}" type="slidenum">
+              <a:rPr lang="en-US" smtClean="0"/>
+              <a:pPr/>
+              <a:t>6</a:t>
+            </a:fld>
+            <a:endParaRPr lang="en-US"/>
+          </a:p>
+        </p:txBody>
+      </p:sp>
+    </p:spTree>
+    <p:extLst>
+      <p:ext uri="{BB962C8B-B14F-4D97-AF65-F5344CB8AC3E}">
+        <p14:creationId xmlns:p14="http://schemas.microsoft.com/office/powerpoint/2010/main" val="2242425991"/>
       </p:ext>
     </p:extLst>
   </p:cSld>
@@ -1054,7 +1490,7 @@
           <a:p>
             <a:fld id="{1DF0361B-7C2E-6047-A1C8-975BE1470BC3}" type="datetime1">
               <a:rPr lang="en-US" smtClean="0"/>
-              <a:t>1/18/15</a:t>
+              <a:t>1/19/15</a:t>
             </a:fld>
             <a:endParaRPr lang="en-US"/>
           </a:p>
@@ -1225,7 +1661,7 @@
           <a:p>
             <a:fld id="{ADB5BB77-D485-8D41-BA26-51450E9C5BA1}" type="datetime1">
               <a:rPr lang="en-US" smtClean="0"/>
-              <a:t>1/18/15</a:t>
+              <a:t>1/19/15</a:t>
             </a:fld>
             <a:endParaRPr lang="en-US"/>
           </a:p>
@@ -1406,7 +1842,7 @@
           <a:p>
             <a:fld id="{01F712C4-8E5E-8644-AB2C-3C5E437FC403}" type="datetime1">
               <a:rPr lang="en-US" smtClean="0"/>
-              <a:t>1/18/15</a:t>
+              <a:t>1/19/15</a:t>
             </a:fld>
             <a:endParaRPr lang="en-US"/>
           </a:p>
@@ -1577,7 +2013,7 @@
           <a:p>
             <a:fld id="{33195657-2892-9144-93AC-469120B30FC4}" type="datetime1">
               <a:rPr lang="en-US" smtClean="0"/>
-              <a:t>1/18/15</a:t>
+              <a:t>1/19/15</a:t>
             </a:fld>
             <a:endParaRPr lang="en-US"/>
           </a:p>
@@ -1824,7 +2260,7 @@
           <a:p>
             <a:fld id="{301CBA15-4BCB-EC4E-A6EB-A2A716FAA56B}" type="datetime1">
               <a:rPr lang="en-US" smtClean="0"/>
-              <a:t>1/18/15</a:t>
+              <a:t>1/19/15</a:t>
             </a:fld>
             <a:endParaRPr lang="en-US"/>
           </a:p>
@@ -2113,7 +2549,7 @@
           <a:p>
             <a:fld id="{C481BC48-D683-FD46-9E98-F2497DC9D64E}" type="datetime1">
               <a:rPr lang="en-US" smtClean="0"/>
-              <a:t>1/18/15</a:t>
+              <a:t>1/19/15</a:t>
             </a:fld>
             <a:endParaRPr lang="en-US"/>
           </a:p>
@@ -2536,7 +2972,7 @@
           <a:p>
             <a:fld id="{00BA0914-CE5B-B043-BEBB-F3BCF2C69049}" type="datetime1">
               <a:rPr lang="en-US" smtClean="0"/>
-              <a:t>1/18/15</a:t>
+              <a:t>1/19/15</a:t>
             </a:fld>
             <a:endParaRPr lang="en-US"/>
           </a:p>
@@ -2655,7 +3091,7 @@
           <a:p>
             <a:fld id="{7FFFB979-AAAD-2940-9B04-975854F5AA57}" type="datetime1">
               <a:rPr lang="en-US" smtClean="0"/>
-              <a:t>1/18/15</a:t>
+              <a:t>1/19/15</a:t>
             </a:fld>
             <a:endParaRPr lang="en-US"/>
           </a:p>
@@ -2751,7 +3187,7 @@
           <a:p>
             <a:fld id="{8B7E3E74-C887-E248-B21C-63345BCA29B8}" type="datetime1">
               <a:rPr lang="en-US" smtClean="0"/>
-              <a:t>1/18/15</a:t>
+              <a:t>1/19/15</a:t>
             </a:fld>
             <a:endParaRPr lang="en-US"/>
           </a:p>
@@ -3029,7 +3465,7 @@
           <a:p>
             <a:fld id="{71313091-5EB1-5C4D-8189-536D581B812B}" type="datetime1">
               <a:rPr lang="en-US" smtClean="0"/>
-              <a:t>1/18/15</a:t>
+              <a:t>1/19/15</a:t>
             </a:fld>
             <a:endParaRPr lang="en-US"/>
           </a:p>
@@ -3283,7 +3719,7 @@
           <a:p>
             <a:fld id="{62F41360-92F5-C848-B728-3639E8DF0003}" type="datetime1">
               <a:rPr lang="en-US" smtClean="0"/>
-              <a:t>1/18/15</a:t>
+              <a:t>1/19/15</a:t>
             </a:fld>
             <a:endParaRPr lang="en-US"/>
           </a:p>
@@ -3497,7 +3933,7 @@
           <a:p>
             <a:fld id="{2F30A998-7601-0D4B-A7A1-0375E82ADAB8}" type="datetime1">
               <a:rPr lang="en-US" smtClean="0"/>
-              <a:t>1/18/15</a:t>
+              <a:t>1/19/15</a:t>
             </a:fld>
             <a:endParaRPr lang="en-US"/>
           </a:p>
@@ -3941,11 +4377,7 @@
             </a:r>
             <a:r>
               <a:rPr lang="en-US" sz="1600" dirty="0" smtClean="0"/>
-              <a:t>Lab </a:t>
-            </a:r>
-            <a:r>
-              <a:rPr lang="en-US" sz="1600" dirty="0" smtClean="0"/>
-              <a:t>Journal Club</a:t>
+              <a:t>Lab Journal Club</a:t>
             </a:r>
             <a:endParaRPr lang="en-US" sz="1600" dirty="0"/>
           </a:p>
@@ -3974,6 +4406,36 @@
           </a:p>
         </p:txBody>
       </p:sp>
+      <p:pic>
+        <p:nvPicPr>
+          <p:cNvPr id="5" name="Picture 4"/>
+          <p:cNvPicPr>
+            <a:picLocks noChangeAspect="1"/>
+          </p:cNvPicPr>
+          <p:nvPr/>
+        </p:nvPicPr>
+        <p:blipFill>
+          <a:blip r:embed="rId3">
+            <a:extLst>
+              <a:ext uri="{28A0092B-C50C-407E-A947-70E740481C1C}">
+                <a14:useLocalDpi xmlns:a14="http://schemas.microsoft.com/office/drawing/2010/main" val="0"/>
+              </a:ext>
+            </a:extLst>
+          </a:blip>
+          <a:stretch>
+            <a:fillRect/>
+          </a:stretch>
+        </p:blipFill>
+        <p:spPr>
+          <a:xfrm>
+            <a:off x="111993" y="1831261"/>
+            <a:ext cx="8920015" cy="2717356"/>
+          </a:xfrm>
+          <a:prstGeom prst="rect">
+            <a:avLst/>
+          </a:prstGeom>
+        </p:spPr>
+      </p:pic>
     </p:spTree>
     <p:extLst>
       <p:ext uri="{BB962C8B-B14F-4D97-AF65-F5344CB8AC3E}">
@@ -4028,7 +4490,7 @@
           <a:p>
             <a:r>
               <a:rPr lang="en-US" dirty="0" smtClean="0"/>
-              <a:t>Sanger vs. NGS</a:t>
+              <a:t>Background</a:t>
             </a:r>
             <a:endParaRPr lang="en-US" dirty="0"/>
           </a:p>
@@ -4036,72 +4498,20 @@
       </p:sp>
       <p:sp>
         <p:nvSpPr>
-          <p:cNvPr id="3" name="Content Placeholder 2"/>
-          <p:cNvSpPr>
-            <a:spLocks noGrp="1"/>
-          </p:cNvSpPr>
-          <p:nvPr>
-            <p:ph idx="1"/>
-          </p:nvPr>
-        </p:nvSpPr>
-        <p:spPr/>
-        <p:txBody>
-          <a:bodyPr/>
-          <a:lstStyle/>
-          <a:p>
-            <a:r>
-              <a:rPr lang="en-US" dirty="0" smtClean="0"/>
-              <a:t>Sanger is easier</a:t>
-            </a:r>
-          </a:p>
-          <a:p>
-            <a:pPr lvl="1"/>
-            <a:r>
-              <a:rPr lang="en-US" dirty="0" smtClean="0"/>
-              <a:t>Less data</a:t>
-            </a:r>
-          </a:p>
-          <a:p>
-            <a:pPr lvl="1"/>
-            <a:r>
-              <a:rPr lang="en-US" dirty="0" smtClean="0"/>
-              <a:t>More confidence in sequence alignment</a:t>
-            </a:r>
-          </a:p>
-          <a:p>
-            <a:pPr lvl="1"/>
-            <a:r>
-              <a:rPr lang="en-US" dirty="0" smtClean="0"/>
-              <a:t>Higher variant levels</a:t>
-            </a:r>
-          </a:p>
-          <a:p>
-            <a:r>
-              <a:rPr lang="en-US" dirty="0" smtClean="0"/>
-              <a:t>NGS promises more</a:t>
-            </a:r>
-          </a:p>
-          <a:p>
-            <a:pPr lvl="1"/>
-            <a:r>
-              <a:rPr lang="en-US" dirty="0" smtClean="0"/>
-              <a:t>More data</a:t>
-            </a:r>
-          </a:p>
-          <a:p>
-            <a:pPr lvl="1"/>
-            <a:r>
-              <a:rPr lang="en-US" dirty="0" smtClean="0"/>
-              <a:t>Less confidence in read mapping</a:t>
-            </a:r>
-          </a:p>
-          <a:p>
-            <a:pPr lvl="1"/>
-            <a:r>
-              <a:rPr lang="en-US" dirty="0" smtClean="0"/>
-              <a:t>Lower variant levels</a:t>
-            </a:r>
-            <a:endParaRPr lang="en-US" dirty="0"/>
+          <p:cNvPr id="3" name="Text Placeholder 2"/>
+          <p:cNvSpPr>
+            <a:spLocks noGrp="1"/>
+          </p:cNvSpPr>
+          <p:nvPr>
+            <p:ph type="body" idx="1"/>
+          </p:nvPr>
+        </p:nvSpPr>
+        <p:spPr/>
+        <p:txBody>
+          <a:bodyPr/>
+          <a:lstStyle/>
+          <a:p>
+            <a:endParaRPr lang="en-US"/>
           </a:p>
         </p:txBody>
       </p:sp>
@@ -4132,7 +4542,7 @@
     </p:spTree>
     <p:extLst>
       <p:ext uri="{BB962C8B-B14F-4D97-AF65-F5344CB8AC3E}">
-        <p14:creationId xmlns:p14="http://schemas.microsoft.com/office/powerpoint/2010/main" val="1842995472"/>
+        <p14:creationId xmlns:p14="http://schemas.microsoft.com/office/powerpoint/2010/main" val="2778723650"/>
       </p:ext>
     </p:extLst>
   </p:cSld>
@@ -4171,14 +4581,12 @@
         </p:nvSpPr>
         <p:spPr/>
         <p:txBody>
-          <a:bodyPr>
-            <a:normAutofit/>
-          </a:bodyPr>
+          <a:bodyPr/>
           <a:lstStyle/>
           <a:p>
             <a:r>
               <a:rPr lang="en-US" dirty="0" smtClean="0"/>
-              <a:t>Clear as mud</a:t>
+              <a:t>Sanger vs. NGS</a:t>
             </a:r>
             <a:endParaRPr lang="en-US" dirty="0"/>
           </a:p>
@@ -4201,15 +4609,57 @@
           <a:p>
             <a:r>
               <a:rPr lang="en-US" dirty="0" smtClean="0"/>
-              <a:t>Error rate of calls</a:t>
-            </a:r>
-          </a:p>
-          <a:p>
+              <a:t>Sanger is easier</a:t>
+            </a:r>
+          </a:p>
+          <a:p>
+            <a:pPr lvl="1"/>
             <a:r>
               <a:rPr lang="en-US" dirty="0" smtClean="0"/>
-              <a:t>Causes of error</a:t>
-            </a:r>
-            <a:endParaRPr lang="en-US" dirty="0" smtClean="0"/>
+              <a:t>Less data</a:t>
+            </a:r>
+          </a:p>
+          <a:p>
+            <a:pPr lvl="1"/>
+            <a:r>
+              <a:rPr lang="en-US" dirty="0" smtClean="0"/>
+              <a:t>More confidence in sequence alignment</a:t>
+            </a:r>
+          </a:p>
+          <a:p>
+            <a:pPr lvl="1"/>
+            <a:r>
+              <a:rPr lang="en-US" dirty="0" smtClean="0"/>
+              <a:t>Higher variant levels</a:t>
+            </a:r>
+          </a:p>
+          <a:p>
+            <a:r>
+              <a:rPr lang="en-US" dirty="0" smtClean="0"/>
+              <a:t>NGS promises more</a:t>
+            </a:r>
+          </a:p>
+          <a:p>
+            <a:pPr lvl="1"/>
+            <a:r>
+              <a:rPr lang="en-US" dirty="0" smtClean="0"/>
+              <a:t>More data</a:t>
+            </a:r>
+          </a:p>
+          <a:p>
+            <a:pPr lvl="1"/>
+            <a:r>
+              <a:rPr lang="en-US" dirty="0" smtClean="0"/>
+              <a:t>Less confidence in read mapping</a:t>
+            </a:r>
+          </a:p>
+          <a:p>
+            <a:pPr lvl="1"/>
+            <a:r>
+              <a:rPr lang="en-US" dirty="0" smtClean="0"/>
+              <a:t>Lower variant levels</a:t>
+            </a:r>
+            <a:endParaRPr lang="en-US" dirty="0"/>
           </a:p>
         </p:txBody>
       </p:sp>
@@ -4240,20 +4690,13 @@
     </p:spTree>
     <p:extLst>
       <p:ext uri="{BB962C8B-B14F-4D97-AF65-F5344CB8AC3E}">
-        <p14:creationId xmlns:p14="http://schemas.microsoft.com/office/powerpoint/2010/main" val="1440627094"/>
+        <p14:creationId xmlns:p14="http://schemas.microsoft.com/office/powerpoint/2010/main" val="1842995472"/>
       </p:ext>
     </p:extLst>
   </p:cSld>
   <p:clrMapOvr>
     <a:masterClrMapping/>
   </p:clrMapOvr>
-  <p:timing>
-    <p:tnLst>
-      <p:par>
-        <p:cTn xmlns:p14="http://schemas.microsoft.com/office/powerpoint/2010/main" id="1" dur="indefinite" restart="never" nodeType="tmRoot"/>
-      </p:par>
-    </p:tnLst>
-  </p:timing>
 </p:sld>
 </file>
 
@@ -4291,7 +4734,7 @@
           <a:p>
             <a:r>
               <a:rPr lang="en-US" dirty="0" smtClean="0"/>
-              <a:t>Difficulties</a:t>
+              <a:t>Simulation?</a:t>
             </a:r>
             <a:endParaRPr lang="en-US" dirty="0"/>
           </a:p>
@@ -4314,7 +4757,7 @@
           <a:p>
             <a:r>
               <a:rPr lang="en-US" dirty="0" smtClean="0"/>
-              <a:t>Simulation</a:t>
+              <a:t>Problems modeling:</a:t>
             </a:r>
             <a:endParaRPr lang="en-US" baseline="0" dirty="0" smtClean="0"/>
           </a:p>
@@ -4322,7 +4765,11 @@
             <a:pPr lvl="1"/>
             <a:r>
               <a:rPr lang="en-US" dirty="0" smtClean="0"/>
-              <a:t>non-random distribution</a:t>
+              <a:t>non</a:t>
+            </a:r>
+            <a:r>
+              <a:rPr lang="en-US" dirty="0" smtClean="0"/>
+              <a:t>-random distribution</a:t>
             </a:r>
           </a:p>
           <a:p>
@@ -4331,21 +4778,26 @@
               <a:rPr lang="en-US" dirty="0" smtClean="0"/>
               <a:t>dependent errors</a:t>
             </a:r>
+            <a:endParaRPr lang="en-US" dirty="0" smtClean="0"/>
           </a:p>
           <a:p>
             <a:pPr lvl="1"/>
             <a:r>
               <a:rPr lang="en-US" dirty="0" smtClean="0"/>
-              <a:t>incomplete reference</a:t>
-            </a:r>
+              <a:t>incomplete references</a:t>
+            </a:r>
+            <a:endParaRPr lang="en-US" dirty="0" smtClean="0"/>
           </a:p>
           <a:p>
             <a:pPr lvl="1"/>
             <a:r>
               <a:rPr lang="en-US" dirty="0" smtClean="0"/>
-              <a:t>copy number variation</a:t>
-            </a:r>
-            <a:endParaRPr lang="en-US" dirty="0"/>
+              <a:t>copy number </a:t>
+            </a:r>
+            <a:r>
+              <a:rPr lang="en-US" dirty="0" smtClean="0"/>
+              <a:t>variation</a:t>
+            </a:r>
           </a:p>
           <a:p>
             <a:endParaRPr lang="en-US" dirty="0" smtClean="0"/>
@@ -4380,6 +4832,237 @@
     <p:extLst>
       <p:ext uri="{BB962C8B-B14F-4D97-AF65-F5344CB8AC3E}">
         <p14:creationId xmlns:p14="http://schemas.microsoft.com/office/powerpoint/2010/main" val="1794851016"/>
+      </p:ext>
+    </p:extLst>
+  </p:cSld>
+  <p:clrMapOvr>
+    <a:masterClrMapping/>
+  </p:clrMapOvr>
+</p:sld>
+</file>
+
+<file path=ppt/slides/slide5.xml><?xml version="1.0" encoding="utf-8"?>
+<p:sld xmlns:a="http://schemas.openxmlformats.org/drawingml/2006/main" xmlns:r="http://schemas.openxmlformats.org/officeDocument/2006/relationships" xmlns:p="http://schemas.openxmlformats.org/presentationml/2006/main">
+  <p:cSld>
+    <p:spTree>
+      <p:nvGrpSpPr>
+        <p:cNvPr id="1" name=""/>
+        <p:cNvGrpSpPr/>
+        <p:nvPr/>
+      </p:nvGrpSpPr>
+      <p:grpSpPr>
+        <a:xfrm>
+          <a:off x="0" y="0"/>
+          <a:ext cx="0" cy="0"/>
+          <a:chOff x="0" y="0"/>
+          <a:chExt cx="0" cy="0"/>
+        </a:xfrm>
+      </p:grpSpPr>
+      <p:sp>
+        <p:nvSpPr>
+          <p:cNvPr id="2" name="Title 1"/>
+          <p:cNvSpPr>
+            <a:spLocks noGrp="1"/>
+          </p:cNvSpPr>
+          <p:nvPr>
+            <p:ph type="title"/>
+          </p:nvPr>
+        </p:nvSpPr>
+        <p:spPr/>
+        <p:txBody>
+          <a:bodyPr/>
+          <a:lstStyle/>
+          <a:p>
+            <a:r>
+              <a:rPr lang="en-US" dirty="0" smtClean="0"/>
+              <a:t>Real data?</a:t>
+            </a:r>
+            <a:endParaRPr lang="en-US" dirty="0"/>
+          </a:p>
+        </p:txBody>
+      </p:sp>
+      <p:sp>
+        <p:nvSpPr>
+          <p:cNvPr id="3" name="Content Placeholder 2"/>
+          <p:cNvSpPr>
+            <a:spLocks noGrp="1"/>
+          </p:cNvSpPr>
+          <p:nvPr>
+            <p:ph idx="1"/>
+          </p:nvPr>
+        </p:nvSpPr>
+        <p:spPr/>
+        <p:txBody>
+          <a:bodyPr/>
+          <a:lstStyle/>
+          <a:p>
+            <a:r>
+              <a:rPr lang="en-US" dirty="0" smtClean="0"/>
+              <a:t>Can’t see large-scale systematic errors</a:t>
+            </a:r>
+          </a:p>
+          <a:p>
+            <a:r>
+              <a:rPr lang="en-US" dirty="0" smtClean="0"/>
+              <a:t>“Relative accuracy”</a:t>
+            </a:r>
+          </a:p>
+          <a:p>
+            <a:r>
+              <a:rPr lang="en-US" dirty="0" smtClean="0"/>
+              <a:t>Often ignores false-negatives (type II)</a:t>
+            </a:r>
+          </a:p>
+          <a:p>
+            <a:endParaRPr lang="en-US" dirty="0" smtClean="0"/>
+          </a:p>
+        </p:txBody>
+      </p:sp>
+      <p:sp>
+        <p:nvSpPr>
+          <p:cNvPr id="4" name="Slide Number Placeholder 3"/>
+          <p:cNvSpPr>
+            <a:spLocks noGrp="1"/>
+          </p:cNvSpPr>
+          <p:nvPr>
+            <p:ph type="sldNum" sz="quarter" idx="12"/>
+          </p:nvPr>
+        </p:nvSpPr>
+        <p:spPr/>
+        <p:txBody>
+          <a:bodyPr/>
+          <a:lstStyle/>
+          <a:p>
+            <a:fld id="{0A1B865D-3DF9-0645-8011-9936F226B8ED}" type="slidenum">
+              <a:rPr lang="en-US" smtClean="0"/>
+              <a:pPr/>
+              <a:t>5</a:t>
+            </a:fld>
+            <a:endParaRPr lang="en-US"/>
+          </a:p>
+        </p:txBody>
+      </p:sp>
+    </p:spTree>
+    <p:extLst>
+      <p:ext uri="{BB962C8B-B14F-4D97-AF65-F5344CB8AC3E}">
+        <p14:creationId xmlns:p14="http://schemas.microsoft.com/office/powerpoint/2010/main" val="3531654883"/>
+      </p:ext>
+    </p:extLst>
+  </p:cSld>
+  <p:clrMapOvr>
+    <a:masterClrMapping/>
+  </p:clrMapOvr>
+</p:sld>
+</file>
+
+<file path=ppt/slides/slide6.xml><?xml version="1.0" encoding="utf-8"?>
+<p:sld xmlns:a="http://schemas.openxmlformats.org/drawingml/2006/main" xmlns:r="http://schemas.openxmlformats.org/officeDocument/2006/relationships" xmlns:p="http://schemas.openxmlformats.org/presentationml/2006/main">
+  <p:cSld>
+    <p:spTree>
+      <p:nvGrpSpPr>
+        <p:cNvPr id="1" name=""/>
+        <p:cNvGrpSpPr/>
+        <p:nvPr/>
+      </p:nvGrpSpPr>
+      <p:grpSpPr>
+        <a:xfrm>
+          <a:off x="0" y="0"/>
+          <a:ext cx="0" cy="0"/>
+          <a:chOff x="0" y="0"/>
+          <a:chExt cx="0" cy="0"/>
+        </a:xfrm>
+      </p:grpSpPr>
+      <p:sp>
+        <p:nvSpPr>
+          <p:cNvPr id="2" name="Title 1"/>
+          <p:cNvSpPr>
+            <a:spLocks noGrp="1"/>
+          </p:cNvSpPr>
+          <p:nvPr>
+            <p:ph type="title"/>
+          </p:nvPr>
+        </p:nvSpPr>
+        <p:spPr/>
+        <p:txBody>
+          <a:bodyPr/>
+          <a:lstStyle/>
+          <a:p>
+            <a:r>
+              <a:rPr lang="en-US" dirty="0" smtClean="0"/>
+              <a:t>Solution</a:t>
+            </a:r>
+            <a:endParaRPr lang="en-US" dirty="0"/>
+          </a:p>
+        </p:txBody>
+      </p:sp>
+      <p:sp>
+        <p:nvSpPr>
+          <p:cNvPr id="3" name="Content Placeholder 2"/>
+          <p:cNvSpPr>
+            <a:spLocks noGrp="1"/>
+          </p:cNvSpPr>
+          <p:nvPr>
+            <p:ph idx="1"/>
+          </p:nvPr>
+        </p:nvSpPr>
+        <p:spPr/>
+        <p:txBody>
+          <a:bodyPr/>
+          <a:lstStyle/>
+          <a:p>
+            <a:r>
+              <a:rPr lang="en-US" dirty="0" smtClean="0"/>
+              <a:t>A haploid human cell line (CHM1hTERT)</a:t>
+            </a:r>
+          </a:p>
+          <a:p>
+            <a:r>
+              <a:rPr lang="en-US" dirty="0" smtClean="0"/>
+              <a:t>A control cell line (NA12878)</a:t>
+            </a:r>
+          </a:p>
+          <a:p>
+            <a:r>
+              <a:rPr lang="en-US" dirty="0" smtClean="0"/>
+              <a:t>Test and compare multiple mappers and callers</a:t>
+            </a:r>
+          </a:p>
+          <a:p>
+            <a:r>
+              <a:rPr lang="en-US" dirty="0" smtClean="0"/>
+              <a:t>Independent filtering</a:t>
+            </a:r>
+          </a:p>
+        </p:txBody>
+      </p:sp>
+      <p:sp>
+        <p:nvSpPr>
+          <p:cNvPr id="4" name="Slide Number Placeholder 3"/>
+          <p:cNvSpPr>
+            <a:spLocks noGrp="1"/>
+          </p:cNvSpPr>
+          <p:nvPr>
+            <p:ph type="sldNum" sz="quarter" idx="12"/>
+          </p:nvPr>
+        </p:nvSpPr>
+        <p:spPr/>
+        <p:txBody>
+          <a:bodyPr/>
+          <a:lstStyle/>
+          <a:p>
+            <a:fld id="{0A1B865D-3DF9-0645-8011-9936F226B8ED}" type="slidenum">
+              <a:rPr lang="en-US" smtClean="0"/>
+              <a:pPr/>
+              <a:t>6</a:t>
+            </a:fld>
+            <a:endParaRPr lang="en-US"/>
+          </a:p>
+        </p:txBody>
+      </p:sp>
+    </p:spTree>
+    <p:extLst>
+      <p:ext uri="{BB962C8B-B14F-4D97-AF65-F5344CB8AC3E}">
+        <p14:creationId xmlns:p14="http://schemas.microsoft.com/office/powerpoint/2010/main" val="2206626270"/>
       </p:ext>
     </p:extLst>
   </p:cSld>

--- a/Journal-Club-2015-01-20.pptx
+++ b/Journal-Club-2015-01-20.pptx
@@ -5,18 +5,26 @@
     <p:sldMasterId id="2147483648" r:id="rId1"/>
   </p:sldMasterIdLst>
   <p:notesMasterIdLst>
-    <p:notesMasterId r:id="rId8"/>
+    <p:notesMasterId r:id="rId16"/>
   </p:notesMasterIdLst>
   <p:handoutMasterIdLst>
-    <p:handoutMasterId r:id="rId9"/>
+    <p:handoutMasterId r:id="rId17"/>
   </p:handoutMasterIdLst>
   <p:sldIdLst>
     <p:sldId id="256" r:id="rId2"/>
-    <p:sldId id="263" r:id="rId3"/>
-    <p:sldId id="261" r:id="rId4"/>
-    <p:sldId id="260" r:id="rId5"/>
-    <p:sldId id="262" r:id="rId6"/>
-    <p:sldId id="264" r:id="rId7"/>
+    <p:sldId id="261" r:id="rId3"/>
+    <p:sldId id="260" r:id="rId4"/>
+    <p:sldId id="262" r:id="rId5"/>
+    <p:sldId id="264" r:id="rId6"/>
+    <p:sldId id="265" r:id="rId7"/>
+    <p:sldId id="267" r:id="rId8"/>
+    <p:sldId id="268" r:id="rId9"/>
+    <p:sldId id="269" r:id="rId10"/>
+    <p:sldId id="270" r:id="rId11"/>
+    <p:sldId id="271" r:id="rId12"/>
+    <p:sldId id="272" r:id="rId13"/>
+    <p:sldId id="273" r:id="rId14"/>
+    <p:sldId id="274" r:id="rId15"/>
   </p:sldIdLst>
   <p:sldSz cx="9144000" cy="6858000" type="screen4x3"/>
   <p:notesSz cx="6858000" cy="9144000"/>
@@ -722,7 +730,6 @@
               <a:rPr lang="en-US" baseline="0" dirty="0" smtClean="0"/>
               <a:t> BWA, and MAQ.  He’s widely regarded as an expert on the analysis of sequences.  I came across this paper while working on a data analysis pipeline for the drug-resistance project Ross is working on in Lisa’s lab.</a:t>
             </a:r>
-            <a:endParaRPr lang="en-US" dirty="0"/>
           </a:p>
         </p:txBody>
       </p:sp>
@@ -777,6 +784,418 @@
     <p:extLst>
       <p:ext uri="{BB962C8B-B14F-4D97-AF65-F5344CB8AC3E}">
         <p14:creationId xmlns:p14="http://schemas.microsoft.com/office/powerpoint/2010/main" val="3819383451"/>
+      </p:ext>
+    </p:extLst>
+  </p:cSld>
+  <p:clrMapOvr>
+    <a:masterClrMapping/>
+  </p:clrMapOvr>
+</p:notes>
+</file>
+
+<file path=ppt/notesSlides/notesSlide10.xml><?xml version="1.0" encoding="utf-8"?>
+<p:notes xmlns:a="http://schemas.openxmlformats.org/drawingml/2006/main" xmlns:r="http://schemas.openxmlformats.org/officeDocument/2006/relationships" xmlns:p="http://schemas.openxmlformats.org/presentationml/2006/main">
+  <p:cSld>
+    <p:spTree>
+      <p:nvGrpSpPr>
+        <p:cNvPr id="1" name=""/>
+        <p:cNvGrpSpPr/>
+        <p:nvPr/>
+      </p:nvGrpSpPr>
+      <p:grpSpPr>
+        <a:xfrm>
+          <a:off x="0" y="0"/>
+          <a:ext cx="0" cy="0"/>
+          <a:chOff x="0" y="0"/>
+          <a:chExt cx="0" cy="0"/>
+        </a:xfrm>
+      </p:grpSpPr>
+      <p:sp>
+        <p:nvSpPr>
+          <p:cNvPr id="2" name="Slide Image Placeholder 1"/>
+          <p:cNvSpPr>
+            <a:spLocks noGrp="1" noRot="1" noChangeAspect="1"/>
+          </p:cNvSpPr>
+          <p:nvPr>
+            <p:ph type="sldImg"/>
+          </p:nvPr>
+        </p:nvSpPr>
+        <p:spPr/>
+      </p:sp>
+      <p:sp>
+        <p:nvSpPr>
+          <p:cNvPr id="3" name="Notes Placeholder 2"/>
+          <p:cNvSpPr>
+            <a:spLocks noGrp="1"/>
+          </p:cNvSpPr>
+          <p:nvPr>
+            <p:ph type="body" idx="1"/>
+          </p:nvPr>
+        </p:nvSpPr>
+        <p:spPr/>
+        <p:txBody>
+          <a:bodyPr/>
+          <a:lstStyle/>
+          <a:p>
+            <a:r>
+              <a:rPr lang="en-US" dirty="0" smtClean="0"/>
+              <a:t>The paper gives the following</a:t>
+            </a:r>
+            <a:r>
+              <a:rPr lang="en-US" baseline="0" dirty="0" smtClean="0"/>
+              <a:t> options for possible sources of heterozygotes.  Obviously the paper thinks, or hopes, 1 and 2 are minimal and that 3 and 4 are the vast majority of sources.  In particular, the premise is that the mappers and callers should take 3 into account, and so error rate estimations lump the last two sources together.</a:t>
+            </a:r>
+            <a:endParaRPr lang="en-US" dirty="0" smtClean="0"/>
+          </a:p>
+          <a:p>
+            <a:endParaRPr lang="en-US" dirty="0" smtClean="0"/>
+          </a:p>
+          <a:p>
+            <a:r>
+              <a:rPr lang="en-US" dirty="0" smtClean="0"/>
+              <a:t>The author seems to be convinced that CHM1 is effectively haploid</a:t>
+            </a:r>
+            <a:r>
+              <a:rPr lang="en-US" baseline="0" dirty="0" smtClean="0"/>
+              <a:t> due to the a) small overlap of heterozygous </a:t>
+            </a:r>
+            <a:r>
+              <a:rPr lang="en-US" baseline="0" dirty="0" err="1" smtClean="0"/>
+              <a:t>callsets</a:t>
+            </a:r>
+            <a:r>
+              <a:rPr lang="en-US" baseline="0" dirty="0" smtClean="0"/>
+              <a:t> in figure 2 (suggesting sequencing error and/or algorithm artifacts as causes) and b) that there is an order of magnitude difference between the raw calls against the positive control vs. the haploid line (the implication being that there should be 10x more if it wasn’t haploid).  However, Li speculates after a perusal of other datasets that “there may be 5-20k heterozygotes in CHM1 with strong alignment support from multiple </a:t>
+            </a:r>
+            <a:r>
+              <a:rPr lang="en-US" baseline="0" dirty="0" err="1" smtClean="0"/>
+              <a:t>Illumina</a:t>
+            </a:r>
+            <a:r>
+              <a:rPr lang="en-US" baseline="0" dirty="0" smtClean="0"/>
+              <a:t> libraries,” but that “it is hard to get a more accurate estimate … with the data we are using.”  … which isn’t exactly confidence enhancing.</a:t>
+            </a:r>
+          </a:p>
+          <a:p>
+            <a:endParaRPr lang="en-US" baseline="0" dirty="0" smtClean="0"/>
+          </a:p>
+          <a:p>
+            <a:r>
+              <a:rPr lang="en-US" dirty="0" smtClean="0"/>
+              <a:t>However, the argument goes, even if the 3-way intersections</a:t>
+            </a:r>
+            <a:r>
+              <a:rPr lang="en-US" baseline="0" dirty="0" smtClean="0"/>
+              <a:t> of figure 2 are treated as real heterozygotes, then it only places a lower bound of error rate estimation at 17.7k per genome, or about 1 per 170k.  The rest of the heterozygous calls made in CHM1 by callers can be used to calculate an error rate at least above that lower bound </a:t>
+            </a:r>
+            <a:r>
+              <a:rPr lang="en-US" baseline="0" smtClean="0"/>
+              <a:t>of accuracy.</a:t>
+            </a:r>
+            <a:endParaRPr lang="en-US" dirty="0"/>
+          </a:p>
+        </p:txBody>
+      </p:sp>
+      <p:sp>
+        <p:nvSpPr>
+          <p:cNvPr id="4" name="Footer Placeholder 3"/>
+          <p:cNvSpPr>
+            <a:spLocks noGrp="1"/>
+          </p:cNvSpPr>
+          <p:nvPr>
+            <p:ph type="ftr" sz="quarter" idx="10"/>
+          </p:nvPr>
+        </p:nvSpPr>
+        <p:spPr/>
+        <p:txBody>
+          <a:bodyPr/>
+          <a:lstStyle/>
+          <a:p>
+            <a:r>
+              <a:rPr lang="en-US" smtClean="0"/>
+              <a:t>Thomas Sibley - 21 May 2014</a:t>
+            </a:r>
+            <a:endParaRPr lang="en-US"/>
+          </a:p>
+        </p:txBody>
+      </p:sp>
+      <p:sp>
+        <p:nvSpPr>
+          <p:cNvPr id="5" name="Slide Number Placeholder 4"/>
+          <p:cNvSpPr>
+            <a:spLocks noGrp="1"/>
+          </p:cNvSpPr>
+          <p:nvPr>
+            <p:ph type="sldNum" sz="quarter" idx="11"/>
+          </p:nvPr>
+        </p:nvSpPr>
+        <p:spPr/>
+        <p:txBody>
+          <a:bodyPr/>
+          <a:lstStyle/>
+          <a:p>
+            <a:fld id="{F18F993B-D9A3-E546-AE3F-4D3986D8AE1D}" type="slidenum">
+              <a:rPr lang="en-US" smtClean="0"/>
+              <a:pPr/>
+              <a:t>10</a:t>
+            </a:fld>
+            <a:endParaRPr lang="en-US"/>
+          </a:p>
+        </p:txBody>
+      </p:sp>
+    </p:spTree>
+    <p:extLst>
+      <p:ext uri="{BB962C8B-B14F-4D97-AF65-F5344CB8AC3E}">
+        <p14:creationId xmlns:p14="http://schemas.microsoft.com/office/powerpoint/2010/main" val="1301141624"/>
+      </p:ext>
+    </p:extLst>
+  </p:cSld>
+  <p:clrMapOvr>
+    <a:masterClrMapping/>
+  </p:clrMapOvr>
+</p:notes>
+</file>
+
+<file path=ppt/notesSlides/notesSlide11.xml><?xml version="1.0" encoding="utf-8"?>
+<p:notes xmlns:a="http://schemas.openxmlformats.org/drawingml/2006/main" xmlns:r="http://schemas.openxmlformats.org/officeDocument/2006/relationships" xmlns:p="http://schemas.openxmlformats.org/presentationml/2006/main">
+  <p:cSld>
+    <p:spTree>
+      <p:nvGrpSpPr>
+        <p:cNvPr id="1" name=""/>
+        <p:cNvGrpSpPr/>
+        <p:nvPr/>
+      </p:nvGrpSpPr>
+      <p:grpSpPr>
+        <a:xfrm>
+          <a:off x="0" y="0"/>
+          <a:ext cx="0" cy="0"/>
+          <a:chOff x="0" y="0"/>
+          <a:chExt cx="0" cy="0"/>
+        </a:xfrm>
+      </p:grpSpPr>
+      <p:sp>
+        <p:nvSpPr>
+          <p:cNvPr id="2" name="Slide Image Placeholder 1"/>
+          <p:cNvSpPr>
+            <a:spLocks noGrp="1" noRot="1" noChangeAspect="1"/>
+          </p:cNvSpPr>
+          <p:nvPr>
+            <p:ph type="sldImg"/>
+          </p:nvPr>
+        </p:nvSpPr>
+        <p:spPr/>
+      </p:sp>
+      <p:sp>
+        <p:nvSpPr>
+          <p:cNvPr id="3" name="Notes Placeholder 2"/>
+          <p:cNvSpPr>
+            <a:spLocks noGrp="1"/>
+          </p:cNvSpPr>
+          <p:nvPr>
+            <p:ph type="body" idx="1"/>
+          </p:nvPr>
+        </p:nvSpPr>
+        <p:spPr/>
+        <p:txBody>
+          <a:bodyPr/>
+          <a:lstStyle/>
+          <a:p>
+            <a:endParaRPr lang="en-US" dirty="0"/>
+          </a:p>
+        </p:txBody>
+      </p:sp>
+      <p:sp>
+        <p:nvSpPr>
+          <p:cNvPr id="4" name="Footer Placeholder 3"/>
+          <p:cNvSpPr>
+            <a:spLocks noGrp="1"/>
+          </p:cNvSpPr>
+          <p:nvPr>
+            <p:ph type="ftr" sz="quarter" idx="10"/>
+          </p:nvPr>
+        </p:nvSpPr>
+        <p:spPr/>
+        <p:txBody>
+          <a:bodyPr/>
+          <a:lstStyle/>
+          <a:p>
+            <a:r>
+              <a:rPr lang="en-US" smtClean="0"/>
+              <a:t>Thomas Sibley - 21 May 2014</a:t>
+            </a:r>
+            <a:endParaRPr lang="en-US"/>
+          </a:p>
+        </p:txBody>
+      </p:sp>
+      <p:sp>
+        <p:nvSpPr>
+          <p:cNvPr id="5" name="Slide Number Placeholder 4"/>
+          <p:cNvSpPr>
+            <a:spLocks noGrp="1"/>
+          </p:cNvSpPr>
+          <p:nvPr>
+            <p:ph type="sldNum" sz="quarter" idx="11"/>
+          </p:nvPr>
+        </p:nvSpPr>
+        <p:spPr/>
+        <p:txBody>
+          <a:bodyPr/>
+          <a:lstStyle/>
+          <a:p>
+            <a:fld id="{F18F993B-D9A3-E546-AE3F-4D3986D8AE1D}" type="slidenum">
+              <a:rPr lang="en-US" smtClean="0"/>
+              <a:pPr/>
+              <a:t>13</a:t>
+            </a:fld>
+            <a:endParaRPr lang="en-US"/>
+          </a:p>
+        </p:txBody>
+      </p:sp>
+    </p:spTree>
+    <p:extLst>
+      <p:ext uri="{BB962C8B-B14F-4D97-AF65-F5344CB8AC3E}">
+        <p14:creationId xmlns:p14="http://schemas.microsoft.com/office/powerpoint/2010/main" val="1642713006"/>
+      </p:ext>
+    </p:extLst>
+  </p:cSld>
+  <p:clrMapOvr>
+    <a:masterClrMapping/>
+  </p:clrMapOvr>
+</p:notes>
+</file>
+
+<file path=ppt/notesSlides/notesSlide12.xml><?xml version="1.0" encoding="utf-8"?>
+<p:notes xmlns:a="http://schemas.openxmlformats.org/drawingml/2006/main" xmlns:r="http://schemas.openxmlformats.org/officeDocument/2006/relationships" xmlns:p="http://schemas.openxmlformats.org/presentationml/2006/main">
+  <p:cSld>
+    <p:spTree>
+      <p:nvGrpSpPr>
+        <p:cNvPr id="1" name=""/>
+        <p:cNvGrpSpPr/>
+        <p:nvPr/>
+      </p:nvGrpSpPr>
+      <p:grpSpPr>
+        <a:xfrm>
+          <a:off x="0" y="0"/>
+          <a:ext cx="0" cy="0"/>
+          <a:chOff x="0" y="0"/>
+          <a:chExt cx="0" cy="0"/>
+        </a:xfrm>
+      </p:grpSpPr>
+      <p:sp>
+        <p:nvSpPr>
+          <p:cNvPr id="2" name="Slide Image Placeholder 1"/>
+          <p:cNvSpPr>
+            <a:spLocks noGrp="1" noRot="1" noChangeAspect="1"/>
+          </p:cNvSpPr>
+          <p:nvPr>
+            <p:ph type="sldImg"/>
+          </p:nvPr>
+        </p:nvSpPr>
+        <p:spPr/>
+      </p:sp>
+      <p:sp>
+        <p:nvSpPr>
+          <p:cNvPr id="3" name="Notes Placeholder 2"/>
+          <p:cNvSpPr>
+            <a:spLocks noGrp="1"/>
+          </p:cNvSpPr>
+          <p:nvPr>
+            <p:ph type="body" idx="1"/>
+          </p:nvPr>
+        </p:nvSpPr>
+        <p:spPr/>
+        <p:txBody>
+          <a:bodyPr/>
+          <a:lstStyle/>
+          <a:p>
+            <a:r>
+              <a:rPr lang="en-US" dirty="0" smtClean="0"/>
+              <a:t>The raw call sets suggests a</a:t>
+            </a:r>
+            <a:r>
+              <a:rPr lang="en-US" baseline="0" dirty="0" smtClean="0"/>
+              <a:t> calling</a:t>
+            </a:r>
+            <a:r>
+              <a:rPr lang="en-US" dirty="0" smtClean="0"/>
+              <a:t> error every</a:t>
+            </a:r>
+            <a:r>
+              <a:rPr lang="en-US" baseline="0" dirty="0" smtClean="0"/>
+              <a:t> 10-15kb.  This is a “total error” estimate, which includes errors caused by PCR, sequencing, alignment, etc.  After filtering, it’s an order of magnitude better.  Their one concrete suggestion is to use the intersection of two raw </a:t>
+            </a:r>
+            <a:r>
+              <a:rPr lang="en-US" baseline="0" dirty="0" err="1" smtClean="0"/>
+              <a:t>callsets</a:t>
+            </a:r>
+            <a:r>
+              <a:rPr lang="en-US" baseline="0" dirty="0" smtClean="0"/>
+              <a:t> and then apply filtering to that shared subset.</a:t>
+            </a:r>
+          </a:p>
+          <a:p>
+            <a:endParaRPr lang="en-US" baseline="0" dirty="0" smtClean="0"/>
+          </a:p>
+          <a:p>
+            <a:r>
+              <a:rPr lang="en-US" baseline="0" dirty="0" smtClean="0"/>
+              <a:t>The methods Li uses in this paper are intriguing, and I was hoping for results that would help inform our look at variants in HIV.  Unfortunately the results mostly support what we already know or suspect, and they don’t contain much in the way of concretely usable findings, at least for us. Part of this is that some techniques are based on the well-studied human genome datasets used and aren’t applicable to viral sequencing.</a:t>
+            </a:r>
+            <a:endParaRPr lang="en-US" baseline="0" dirty="0" smtClean="0"/>
+          </a:p>
+        </p:txBody>
+      </p:sp>
+      <p:sp>
+        <p:nvSpPr>
+          <p:cNvPr id="4" name="Footer Placeholder 3"/>
+          <p:cNvSpPr>
+            <a:spLocks noGrp="1"/>
+          </p:cNvSpPr>
+          <p:nvPr>
+            <p:ph type="ftr" sz="quarter" idx="10"/>
+          </p:nvPr>
+        </p:nvSpPr>
+        <p:spPr/>
+        <p:txBody>
+          <a:bodyPr/>
+          <a:lstStyle/>
+          <a:p>
+            <a:r>
+              <a:rPr lang="en-US" smtClean="0"/>
+              <a:t>Thomas Sibley - 21 May 2014</a:t>
+            </a:r>
+            <a:endParaRPr lang="en-US"/>
+          </a:p>
+        </p:txBody>
+      </p:sp>
+      <p:sp>
+        <p:nvSpPr>
+          <p:cNvPr id="5" name="Slide Number Placeholder 4"/>
+          <p:cNvSpPr>
+            <a:spLocks noGrp="1"/>
+          </p:cNvSpPr>
+          <p:nvPr>
+            <p:ph type="sldNum" sz="quarter" idx="11"/>
+          </p:nvPr>
+        </p:nvSpPr>
+        <p:spPr/>
+        <p:txBody>
+          <a:bodyPr/>
+          <a:lstStyle/>
+          <a:p>
+            <a:fld id="{F18F993B-D9A3-E546-AE3F-4D3986D8AE1D}" type="slidenum">
+              <a:rPr lang="en-US" smtClean="0"/>
+              <a:pPr/>
+              <a:t>14</a:t>
+            </a:fld>
+            <a:endParaRPr lang="en-US"/>
+          </a:p>
+        </p:txBody>
+      </p:sp>
+    </p:spTree>
+    <p:extLst>
+      <p:ext uri="{BB962C8B-B14F-4D97-AF65-F5344CB8AC3E}">
+        <p14:creationId xmlns:p14="http://schemas.microsoft.com/office/powerpoint/2010/main" val="391091480"/>
       </p:ext>
     </p:extLst>
   </p:cSld>
@@ -853,7 +1272,7 @@
           <a:p>
             <a:r>
               <a:rPr lang="en-US" baseline="0" dirty="0" smtClean="0"/>
-              <a:t>That said, being able to detect low-level variation reliably is useful in innumerable contexts, so we try to do this anyway with all sorts of conservative filtering and </a:t>
+              <a:t>That said, being able to detect low-level variation reliably is useful in innumerable contexts, so we try to do this anyway with all sorts of modeling, filtering, and </a:t>
             </a:r>
             <a:r>
               <a:rPr lang="en-US" baseline="0" dirty="0" err="1" smtClean="0"/>
@@ -863,7 +1282,6 @@
               <a:rPr lang="en-US" baseline="0" dirty="0" smtClean="0"/>
               <a:t>.</a:t>
             </a:r>
-            <a:endParaRPr lang="en-US" dirty="0"/>
           </a:p>
         </p:txBody>
       </p:sp>
@@ -908,7 +1326,7 @@
             <a:fld id="{F18F993B-D9A3-E546-AE3F-4D3986D8AE1D}" type="slidenum">
               <a:rPr lang="en-US" smtClean="0"/>
               <a:pPr/>
-              <a:t>3</a:t>
+              <a:t>2</a:t>
             </a:fld>
             <a:endParaRPr lang="en-US"/>
           </a:p>
@@ -994,7 +1412,7 @@
           <a:p>
             <a:r>
               <a:rPr lang="en-US" baseline="0" dirty="0" smtClean="0"/>
-              <a:t>(Describe the problems, briefly.)</a:t>
+              <a:t>All of these factors affect or have the potential to affect variant calls, but they are also hard to simulate realistically.  If we try, do the results say more about the simulated data itself than the variant calling methods?  If we ignore them, we underestimate error rates.</a:t>
             </a:r>
           </a:p>
         </p:txBody>
@@ -1040,7 +1458,7 @@
             <a:fld id="{F18F993B-D9A3-E546-AE3F-4D3986D8AE1D}" type="slidenum">
               <a:rPr lang="en-US" smtClean="0"/>
               <a:pPr/>
-              <a:t>4</a:t>
+              <a:t>3</a:t>
             </a:fld>
             <a:endParaRPr lang="en-US"/>
           </a:p>
@@ -1109,7 +1527,7 @@
             </a:r>
             <a:r>
               <a:rPr lang="en-US" baseline="0" dirty="0" smtClean="0"/>
-              <a:t> improvement in terms of a calibration truth set, but it too has issues which are hard to resolve. Using real variant data hides systematic error. Comparison methods operating on real data, either via experimental genotyping of select sites or comparing against other tools/pipelines, only produces a relative accuracy without any grounding point.  False-negatives are hard to ascertain since they require some level of ground-truth, and comparison methods which only look at existing data don’t necessarily tell the full story on these type II errors.  Experimental validation using microarrays tends towards easier regions, and so doesn’t necessarily provide an unbiased look across all regions.</a:t>
+              <a:t> improvement in terms of a calibration truth set, but it too has issues which are hard to resolve. For example, using real variant data hides systematic errors which all callers make. Comparison methods operating on real data, either via experimental genotyping of select sites or comparing against other tools/pipelines, only produce a relative accuracy without any grounding point for overall accuracy.  False-negatives are usually hard to ascertain since they require some level of ground-truth, and comparison methods which only look at existing data don’t necessarily tell the full story on these type II errors.  Li notes that experimental validation using microarrays tends towards easier regions, and so doesn’t necessarily provide an unbiased look across all regions.</a:t>
             </a:r>
           </a:p>
           <a:p>
@@ -1161,7 +1579,7 @@
             <a:fld id="{F18F993B-D9A3-E546-AE3F-4D3986D8AE1D}" type="slidenum">
               <a:rPr lang="en-US" smtClean="0"/>
               <a:pPr/>
-              <a:t>5</a:t>
+              <a:t>4</a:t>
             </a:fld>
             <a:endParaRPr lang="en-US"/>
           </a:p>
@@ -1226,11 +1644,19 @@
           <a:p>
             <a:r>
               <a:rPr lang="en-US" dirty="0" smtClean="0"/>
-              <a:t>The basic idea is to use a haploid human cell line to call variants.</a:t>
+              <a:t>Li’s solution to these</a:t>
             </a:r>
             <a:r>
               <a:rPr lang="en-US" baseline="0" dirty="0" smtClean="0"/>
-              <a:t>  The “vast majority” of heterozygous calls should be errors of some sort.</a:t>
+              <a:t> problems with simulation and real variant data is to</a:t>
+            </a:r>
+            <a:r>
+              <a:rPr lang="en-US" dirty="0" smtClean="0"/>
+              <a:t> instead use a haploid human cell line to call variants</a:t>
+            </a:r>
+            <a:r>
+              <a:rPr lang="en-US" baseline="0" dirty="0" smtClean="0"/>
+              <a:t> using multiple mappers (aligners) and callers.  The hypothesis is that “vast majority” of heterozygous calls should be errors of some sort, and the affect of extent of the true heterozygous sites in the cell line (such as those via somatic mutations) should only put a lower bound on the error rate estimation.  Theoretically the fewer heterozygous variants called, the better the caller.  The haploid cell line is derived from a molar pregnancy where the egg was missing a nucleus.</a:t>
             </a:r>
           </a:p>
           <a:p>
@@ -1239,11 +1665,16 @@
           <a:p>
             <a:r>
               <a:rPr lang="en-US" baseline="0" dirty="0" smtClean="0"/>
-              <a:t>A control cell line is used to parse out some error types.  Unlike other studies, multiple mappers and callers are tested and compared providing relative accuracy in addition to </a:t>
-            </a:r>
-            <a:r>
-              <a:rPr lang="en-US" baseline="0" smtClean="0"/>
-              <a:t>absolute accuracy.</a:t>
+              <a:t>A positive control cell line is used to avoid overrating callers which simply aren’t as sensitive.  Using filters independent of any particular caller provides another level of control on the variant calls, and also hopefully suggests good overall filters regardless of the specific pipeline used.</a:t>
+            </a:r>
+          </a:p>
+          <a:p>
+            <a:endParaRPr lang="en-US" baseline="0" dirty="0" smtClean="0"/>
+          </a:p>
+          <a:p>
+            <a:r>
+              <a:rPr lang="en-US" baseline="0" dirty="0" smtClean="0"/>
+              <a:t>CHM1 is from a PCR library, the control is not.</a:t>
             </a:r>
             <a:endParaRPr lang="en-US" dirty="0"/>
           </a:p>
@@ -1290,7 +1721,7 @@
             <a:fld id="{F18F993B-D9A3-E546-AE3F-4D3986D8AE1D}" type="slidenum">
               <a:rPr lang="en-US" smtClean="0"/>
               <a:pPr/>
-              <a:t>6</a:t>
+              <a:t>5</a:t>
             </a:fld>
             <a:endParaRPr lang="en-US"/>
           </a:p>
@@ -1300,6 +1731,567 @@
     <p:extLst>
       <p:ext uri="{BB962C8B-B14F-4D97-AF65-F5344CB8AC3E}">
         <p14:creationId xmlns:p14="http://schemas.microsoft.com/office/powerpoint/2010/main" val="2242425991"/>
+      </p:ext>
+    </p:extLst>
+  </p:cSld>
+  <p:clrMapOvr>
+    <a:masterClrMapping/>
+  </p:clrMapOvr>
+</p:notes>
+</file>
+
+<file path=ppt/notesSlides/notesSlide6.xml><?xml version="1.0" encoding="utf-8"?>
+<p:notes xmlns:a="http://schemas.openxmlformats.org/drawingml/2006/main" xmlns:r="http://schemas.openxmlformats.org/officeDocument/2006/relationships" xmlns:p="http://schemas.openxmlformats.org/presentationml/2006/main">
+  <p:cSld>
+    <p:spTree>
+      <p:nvGrpSpPr>
+        <p:cNvPr id="1" name=""/>
+        <p:cNvGrpSpPr/>
+        <p:nvPr/>
+      </p:nvGrpSpPr>
+      <p:grpSpPr>
+        <a:xfrm>
+          <a:off x="0" y="0"/>
+          <a:ext cx="0" cy="0"/>
+          <a:chOff x="0" y="0"/>
+          <a:chExt cx="0" cy="0"/>
+        </a:xfrm>
+      </p:grpSpPr>
+      <p:sp>
+        <p:nvSpPr>
+          <p:cNvPr id="2" name="Slide Image Placeholder 1"/>
+          <p:cNvSpPr>
+            <a:spLocks noGrp="1" noRot="1" noChangeAspect="1"/>
+          </p:cNvSpPr>
+          <p:nvPr>
+            <p:ph type="sldImg"/>
+          </p:nvPr>
+        </p:nvSpPr>
+        <p:spPr/>
+      </p:sp>
+      <p:sp>
+        <p:nvSpPr>
+          <p:cNvPr id="3" name="Notes Placeholder 2"/>
+          <p:cNvSpPr>
+            <a:spLocks noGrp="1"/>
+          </p:cNvSpPr>
+          <p:nvPr>
+            <p:ph type="body" idx="1"/>
+          </p:nvPr>
+        </p:nvSpPr>
+        <p:spPr/>
+        <p:txBody>
+          <a:bodyPr/>
+          <a:lstStyle/>
+          <a:p>
+            <a:r>
+              <a:rPr lang="en-US" dirty="0" smtClean="0"/>
+              <a:t>The two primary mappers used were Bowtie2</a:t>
+            </a:r>
+            <a:r>
+              <a:rPr lang="en-US" baseline="0" dirty="0" smtClean="0"/>
+              <a:t> and BWA-MEM (maximal exact matches).  The callers are </a:t>
+            </a:r>
+            <a:r>
+              <a:rPr lang="en-US" baseline="0" dirty="0" err="1" smtClean="0"/>
+              <a:t>Freebayes</a:t>
+            </a:r>
+            <a:r>
+              <a:rPr lang="en-US" baseline="0" dirty="0" smtClean="0"/>
+              <a:t>, from the </a:t>
+            </a:r>
+            <a:r>
+              <a:rPr lang="en-US" baseline="0" dirty="0" err="1" smtClean="0"/>
+              <a:t>Marth</a:t>
+            </a:r>
+            <a:r>
+              <a:rPr lang="en-US" baseline="0" dirty="0" smtClean="0"/>
+              <a:t> lab at Boston College, </a:t>
+            </a:r>
+            <a:r>
+              <a:rPr lang="en-US" baseline="0" dirty="0" err="1" smtClean="0"/>
+              <a:t>samtools</a:t>
+            </a:r>
+            <a:r>
+              <a:rPr lang="en-US" baseline="0" dirty="0" smtClean="0"/>
+              <a:t>, two different ones from the Genome Analysis </a:t>
+            </a:r>
+            <a:r>
+              <a:rPr lang="en-US" baseline="0" dirty="0" err="1" smtClean="0"/>
+              <a:t>ToolKit</a:t>
+            </a:r>
+            <a:r>
+              <a:rPr lang="en-US" baseline="0" dirty="0" smtClean="0"/>
+              <a:t> (GATK) by the Broad Institute, and Platypus.</a:t>
+            </a:r>
+            <a:endParaRPr lang="en-US" dirty="0"/>
+          </a:p>
+        </p:txBody>
+      </p:sp>
+      <p:sp>
+        <p:nvSpPr>
+          <p:cNvPr id="4" name="Footer Placeholder 3"/>
+          <p:cNvSpPr>
+            <a:spLocks noGrp="1"/>
+          </p:cNvSpPr>
+          <p:nvPr>
+            <p:ph type="ftr" sz="quarter" idx="10"/>
+          </p:nvPr>
+        </p:nvSpPr>
+        <p:spPr/>
+        <p:txBody>
+          <a:bodyPr/>
+          <a:lstStyle/>
+          <a:p>
+            <a:r>
+              <a:rPr lang="en-US" smtClean="0"/>
+              <a:t>Thomas Sibley - 21 May 2014</a:t>
+            </a:r>
+            <a:endParaRPr lang="en-US"/>
+          </a:p>
+        </p:txBody>
+      </p:sp>
+      <p:sp>
+        <p:nvSpPr>
+          <p:cNvPr id="5" name="Slide Number Placeholder 4"/>
+          <p:cNvSpPr>
+            <a:spLocks noGrp="1"/>
+          </p:cNvSpPr>
+          <p:nvPr>
+            <p:ph type="sldNum" sz="quarter" idx="11"/>
+          </p:nvPr>
+        </p:nvSpPr>
+        <p:spPr/>
+        <p:txBody>
+          <a:bodyPr/>
+          <a:lstStyle/>
+          <a:p>
+            <a:fld id="{F18F993B-D9A3-E546-AE3F-4D3986D8AE1D}" type="slidenum">
+              <a:rPr lang="en-US" smtClean="0"/>
+              <a:pPr/>
+              <a:t>6</a:t>
+            </a:fld>
+            <a:endParaRPr lang="en-US"/>
+          </a:p>
+        </p:txBody>
+      </p:sp>
+    </p:spTree>
+    <p:extLst>
+      <p:ext uri="{BB962C8B-B14F-4D97-AF65-F5344CB8AC3E}">
+        <p14:creationId xmlns:p14="http://schemas.microsoft.com/office/powerpoint/2010/main" val="1710477605"/>
+      </p:ext>
+    </p:extLst>
+  </p:cSld>
+  <p:clrMapOvr>
+    <a:masterClrMapping/>
+  </p:clrMapOvr>
+</p:notes>
+</file>
+
+<file path=ppt/notesSlides/notesSlide7.xml><?xml version="1.0" encoding="utf-8"?>
+<p:notes xmlns:a="http://schemas.openxmlformats.org/drawingml/2006/main" xmlns:r="http://schemas.openxmlformats.org/officeDocument/2006/relationships" xmlns:p="http://schemas.openxmlformats.org/presentationml/2006/main">
+  <p:cSld>
+    <p:spTree>
+      <p:nvGrpSpPr>
+        <p:cNvPr id="1" name=""/>
+        <p:cNvGrpSpPr/>
+        <p:nvPr/>
+      </p:nvGrpSpPr>
+      <p:grpSpPr>
+        <a:xfrm>
+          <a:off x="0" y="0"/>
+          <a:ext cx="0" cy="0"/>
+          <a:chOff x="0" y="0"/>
+          <a:chExt cx="0" cy="0"/>
+        </a:xfrm>
+      </p:grpSpPr>
+      <p:sp>
+        <p:nvSpPr>
+          <p:cNvPr id="2" name="Slide Image Placeholder 1"/>
+          <p:cNvSpPr>
+            <a:spLocks noGrp="1" noRot="1" noChangeAspect="1"/>
+          </p:cNvSpPr>
+          <p:nvPr>
+            <p:ph type="sldImg"/>
+          </p:nvPr>
+        </p:nvSpPr>
+        <p:spPr/>
+      </p:sp>
+      <p:sp>
+        <p:nvSpPr>
+          <p:cNvPr id="3" name="Notes Placeholder 2"/>
+          <p:cNvSpPr>
+            <a:spLocks noGrp="1"/>
+          </p:cNvSpPr>
+          <p:nvPr>
+            <p:ph type="body" idx="1"/>
+          </p:nvPr>
+        </p:nvSpPr>
+        <p:spPr/>
+        <p:txBody>
+          <a:bodyPr/>
+          <a:lstStyle/>
+          <a:p>
+            <a:r>
+              <a:rPr lang="en-US" dirty="0" smtClean="0"/>
+              <a:t>Panel of filters, which</a:t>
+            </a:r>
+            <a:r>
+              <a:rPr lang="en-US" baseline="0" dirty="0" smtClean="0"/>
+              <a:t> are applied in order regardless of pipeline, so they’re cumulative.</a:t>
+            </a:r>
+            <a:endParaRPr lang="en-US" dirty="0"/>
+          </a:p>
+        </p:txBody>
+      </p:sp>
+      <p:sp>
+        <p:nvSpPr>
+          <p:cNvPr id="4" name="Footer Placeholder 3"/>
+          <p:cNvSpPr>
+            <a:spLocks noGrp="1"/>
+          </p:cNvSpPr>
+          <p:nvPr>
+            <p:ph type="ftr" sz="quarter" idx="10"/>
+          </p:nvPr>
+        </p:nvSpPr>
+        <p:spPr/>
+        <p:txBody>
+          <a:bodyPr/>
+          <a:lstStyle/>
+          <a:p>
+            <a:r>
+              <a:rPr lang="en-US" smtClean="0"/>
+              <a:t>Thomas Sibley - 21 May 2014</a:t>
+            </a:r>
+            <a:endParaRPr lang="en-US"/>
+          </a:p>
+        </p:txBody>
+      </p:sp>
+      <p:sp>
+        <p:nvSpPr>
+          <p:cNvPr id="5" name="Slide Number Placeholder 4"/>
+          <p:cNvSpPr>
+            <a:spLocks noGrp="1"/>
+          </p:cNvSpPr>
+          <p:nvPr>
+            <p:ph type="sldNum" sz="quarter" idx="11"/>
+          </p:nvPr>
+        </p:nvSpPr>
+        <p:spPr/>
+        <p:txBody>
+          <a:bodyPr/>
+          <a:lstStyle/>
+          <a:p>
+            <a:fld id="{F18F993B-D9A3-E546-AE3F-4D3986D8AE1D}" type="slidenum">
+              <a:rPr lang="en-US" smtClean="0"/>
+              <a:pPr/>
+              <a:t>7</a:t>
+            </a:fld>
+            <a:endParaRPr lang="en-US"/>
+          </a:p>
+        </p:txBody>
+      </p:sp>
+    </p:spTree>
+    <p:extLst>
+      <p:ext uri="{BB962C8B-B14F-4D97-AF65-F5344CB8AC3E}">
+        <p14:creationId xmlns:p14="http://schemas.microsoft.com/office/powerpoint/2010/main" val="3400720421"/>
+      </p:ext>
+    </p:extLst>
+  </p:cSld>
+  <p:clrMapOvr>
+    <a:masterClrMapping/>
+  </p:clrMapOvr>
+</p:notes>
+</file>
+
+<file path=ppt/notesSlides/notesSlide8.xml><?xml version="1.0" encoding="utf-8"?>
+<p:notes xmlns:a="http://schemas.openxmlformats.org/drawingml/2006/main" xmlns:r="http://schemas.openxmlformats.org/officeDocument/2006/relationships" xmlns:p="http://schemas.openxmlformats.org/presentationml/2006/main">
+  <p:cSld>
+    <p:spTree>
+      <p:nvGrpSpPr>
+        <p:cNvPr id="1" name=""/>
+        <p:cNvGrpSpPr/>
+        <p:nvPr/>
+      </p:nvGrpSpPr>
+      <p:grpSpPr>
+        <a:xfrm>
+          <a:off x="0" y="0"/>
+          <a:ext cx="0" cy="0"/>
+          <a:chOff x="0" y="0"/>
+          <a:chExt cx="0" cy="0"/>
+        </a:xfrm>
+      </p:grpSpPr>
+      <p:sp>
+        <p:nvSpPr>
+          <p:cNvPr id="2" name="Slide Image Placeholder 1"/>
+          <p:cNvSpPr>
+            <a:spLocks noGrp="1" noRot="1" noChangeAspect="1"/>
+          </p:cNvSpPr>
+          <p:nvPr>
+            <p:ph type="sldImg"/>
+          </p:nvPr>
+        </p:nvSpPr>
+        <p:spPr/>
+      </p:sp>
+      <p:sp>
+        <p:nvSpPr>
+          <p:cNvPr id="3" name="Notes Placeholder 2"/>
+          <p:cNvSpPr>
+            <a:spLocks noGrp="1"/>
+          </p:cNvSpPr>
+          <p:nvPr>
+            <p:ph type="body" idx="1"/>
+          </p:nvPr>
+        </p:nvSpPr>
+        <p:spPr/>
+        <p:txBody>
+          <a:bodyPr/>
+          <a:lstStyle/>
+          <a:p>
+            <a:r>
+              <a:rPr lang="en-US" dirty="0" smtClean="0"/>
+              <a:t>The paper asserts that the two sequence datasets are very</a:t>
+            </a:r>
+            <a:r>
+              <a:rPr lang="en-US" baseline="0" dirty="0" smtClean="0"/>
+              <a:t> similar.  For example, both are from 100bp </a:t>
+            </a:r>
+            <a:r>
+              <a:rPr lang="en-US" baseline="0" dirty="0" err="1" smtClean="0"/>
+              <a:t>Illumina</a:t>
+            </a:r>
+            <a:r>
+              <a:rPr lang="en-US" baseline="0" dirty="0" smtClean="0"/>
+              <a:t> reads, both have about the same coverage (after PCR duplicate removal from CHM1 data), and both have roughly the same number of called variants per haplotype.  Haplotypes in this case are alleles which are close to each other and statistically associated in the data, or more simply put, alleles which occur together.</a:t>
+            </a:r>
+          </a:p>
+          <a:p>
+            <a:endParaRPr lang="en-US" baseline="0" dirty="0" smtClean="0"/>
+          </a:p>
+          <a:p>
+            <a:r>
+              <a:rPr lang="en-US" baseline="0" dirty="0" smtClean="0"/>
+              <a:t>All right, so let’s look at the first figure.</a:t>
+            </a:r>
+          </a:p>
+        </p:txBody>
+      </p:sp>
+      <p:sp>
+        <p:nvSpPr>
+          <p:cNvPr id="4" name="Footer Placeholder 3"/>
+          <p:cNvSpPr>
+            <a:spLocks noGrp="1"/>
+          </p:cNvSpPr>
+          <p:nvPr>
+            <p:ph type="ftr" sz="quarter" idx="10"/>
+          </p:nvPr>
+        </p:nvSpPr>
+        <p:spPr/>
+        <p:txBody>
+          <a:bodyPr/>
+          <a:lstStyle/>
+          <a:p>
+            <a:r>
+              <a:rPr lang="en-US" smtClean="0"/>
+              <a:t>Thomas Sibley - 21 May 2014</a:t>
+            </a:r>
+            <a:endParaRPr lang="en-US"/>
+          </a:p>
+        </p:txBody>
+      </p:sp>
+      <p:sp>
+        <p:nvSpPr>
+          <p:cNvPr id="5" name="Slide Number Placeholder 4"/>
+          <p:cNvSpPr>
+            <a:spLocks noGrp="1"/>
+          </p:cNvSpPr>
+          <p:nvPr>
+            <p:ph type="sldNum" sz="quarter" idx="11"/>
+          </p:nvPr>
+        </p:nvSpPr>
+        <p:spPr/>
+        <p:txBody>
+          <a:bodyPr/>
+          <a:lstStyle/>
+          <a:p>
+            <a:fld id="{F18F993B-D9A3-E546-AE3F-4D3986D8AE1D}" type="slidenum">
+              <a:rPr lang="en-US" smtClean="0"/>
+              <a:pPr/>
+              <a:t>8</a:t>
+            </a:fld>
+            <a:endParaRPr lang="en-US"/>
+          </a:p>
+        </p:txBody>
+      </p:sp>
+    </p:spTree>
+    <p:extLst>
+      <p:ext uri="{BB962C8B-B14F-4D97-AF65-F5344CB8AC3E}">
+        <p14:creationId xmlns:p14="http://schemas.microsoft.com/office/powerpoint/2010/main" val="4272782603"/>
+      </p:ext>
+    </p:extLst>
+  </p:cSld>
+  <p:clrMapOvr>
+    <a:masterClrMapping/>
+  </p:clrMapOvr>
+</p:notes>
+</file>
+
+<file path=ppt/notesSlides/notesSlide9.xml><?xml version="1.0" encoding="utf-8"?>
+<p:notes xmlns:a="http://schemas.openxmlformats.org/drawingml/2006/main" xmlns:r="http://schemas.openxmlformats.org/officeDocument/2006/relationships" xmlns:p="http://schemas.openxmlformats.org/presentationml/2006/main">
+  <p:cSld>
+    <p:spTree>
+      <p:nvGrpSpPr>
+        <p:cNvPr id="1" name=""/>
+        <p:cNvGrpSpPr/>
+        <p:nvPr/>
+      </p:nvGrpSpPr>
+      <p:grpSpPr>
+        <a:xfrm>
+          <a:off x="0" y="0"/>
+          <a:ext cx="0" cy="0"/>
+          <a:chOff x="0" y="0"/>
+          <a:chExt cx="0" cy="0"/>
+        </a:xfrm>
+      </p:grpSpPr>
+      <p:sp>
+        <p:nvSpPr>
+          <p:cNvPr id="2" name="Slide Image Placeholder 1"/>
+          <p:cNvSpPr>
+            <a:spLocks noGrp="1" noRot="1" noChangeAspect="1"/>
+          </p:cNvSpPr>
+          <p:nvPr>
+            <p:ph type="sldImg"/>
+          </p:nvPr>
+        </p:nvSpPr>
+        <p:spPr/>
+      </p:sp>
+      <p:sp>
+        <p:nvSpPr>
+          <p:cNvPr id="3" name="Notes Placeholder 2"/>
+          <p:cNvSpPr>
+            <a:spLocks noGrp="1"/>
+          </p:cNvSpPr>
+          <p:nvPr>
+            <p:ph type="body" idx="1"/>
+          </p:nvPr>
+        </p:nvSpPr>
+        <p:spPr/>
+        <p:txBody>
+          <a:bodyPr/>
+          <a:lstStyle/>
+          <a:p>
+            <a:r>
+              <a:rPr lang="en-US" dirty="0" smtClean="0"/>
+              <a:t>Calls after filtering.  Columns alternate by mapper (bt2 then </a:t>
+            </a:r>
+            <a:r>
+              <a:rPr lang="en-US" dirty="0" err="1" smtClean="0"/>
+              <a:t>mem</a:t>
+            </a:r>
+            <a:r>
+              <a:rPr lang="en-US" dirty="0" smtClean="0"/>
+              <a:t>),</a:t>
+            </a:r>
+            <a:r>
+              <a:rPr lang="en-US" baseline="0" dirty="0" smtClean="0"/>
+              <a:t> grouped by caller.  Note that y axes are in thousands except the lower left, which is in millions, and the scales are different.</a:t>
+            </a:r>
+          </a:p>
+          <a:p>
+            <a:endParaRPr lang="en-US" baseline="0" dirty="0" smtClean="0"/>
+          </a:p>
+          <a:p>
+            <a:r>
+              <a:rPr lang="en-US" baseline="0" dirty="0" smtClean="0"/>
+              <a:t>80-90% of heterozygous </a:t>
+            </a:r>
+            <a:r>
+              <a:rPr lang="en-US" baseline="0" dirty="0" err="1" smtClean="0"/>
+              <a:t>indel</a:t>
+            </a:r>
+            <a:r>
+              <a:rPr lang="en-US" baseline="0" dirty="0" smtClean="0"/>
+              <a:t> calls in the haploid cell line fall within LCRs, while up to 60% of heterozygous SNP calls do.  False-positive rate for </a:t>
+            </a:r>
+            <a:r>
+              <a:rPr lang="en-US" baseline="0" dirty="0" err="1" smtClean="0"/>
+              <a:t>indels</a:t>
+            </a:r>
+            <a:r>
+              <a:rPr lang="en-US" baseline="0" dirty="0" smtClean="0"/>
+              <a:t> is calculated as 10-40% in LCRs, but only 1-8% outside.  If you assume that all calls in CHM1 are errors, then after filtering the error rate looks like about 15-30k per human genome (~3 billion </a:t>
+            </a:r>
+            <a:r>
+              <a:rPr lang="en-US" baseline="0" dirty="0" err="1" smtClean="0"/>
+              <a:t>bp</a:t>
+            </a:r>
+            <a:r>
+              <a:rPr lang="en-US" baseline="0" dirty="0" smtClean="0"/>
+              <a:t>), or 1 error per 100-200kbp.</a:t>
+            </a:r>
+          </a:p>
+          <a:p>
+            <a:endParaRPr lang="en-US" baseline="0" dirty="0" smtClean="0"/>
+          </a:p>
+          <a:p>
+            <a:r>
+              <a:rPr lang="en-US" baseline="0" dirty="0" smtClean="0"/>
+              <a:t>The question still remains: Is the haploid cell line actually haploid?  What fraction of heterozygous calls are true positives rather than false positives is important, and if it’s too high than it’s not a good negative control.  The paper tries to address that with the next two figures.</a:t>
+            </a:r>
+          </a:p>
+        </p:txBody>
+      </p:sp>
+      <p:sp>
+        <p:nvSpPr>
+          <p:cNvPr id="4" name="Footer Placeholder 3"/>
+          <p:cNvSpPr>
+            <a:spLocks noGrp="1"/>
+          </p:cNvSpPr>
+          <p:nvPr>
+            <p:ph type="ftr" sz="quarter" idx="10"/>
+          </p:nvPr>
+        </p:nvSpPr>
+        <p:spPr/>
+        <p:txBody>
+          <a:bodyPr/>
+          <a:lstStyle/>
+          <a:p>
+            <a:r>
+              <a:rPr lang="en-US" smtClean="0"/>
+              <a:t>Thomas Sibley - 21 May 2014</a:t>
+            </a:r>
+            <a:endParaRPr lang="en-US"/>
+          </a:p>
+        </p:txBody>
+      </p:sp>
+      <p:sp>
+        <p:nvSpPr>
+          <p:cNvPr id="5" name="Slide Number Placeholder 4"/>
+          <p:cNvSpPr>
+            <a:spLocks noGrp="1"/>
+          </p:cNvSpPr>
+          <p:nvPr>
+            <p:ph type="sldNum" sz="quarter" idx="11"/>
+          </p:nvPr>
+        </p:nvSpPr>
+        <p:spPr/>
+        <p:txBody>
+          <a:bodyPr/>
+          <a:lstStyle/>
+          <a:p>
+            <a:fld id="{F18F993B-D9A3-E546-AE3F-4D3986D8AE1D}" type="slidenum">
+              <a:rPr lang="en-US" smtClean="0"/>
+              <a:pPr/>
+              <a:t>9</a:t>
+            </a:fld>
+            <a:endParaRPr lang="en-US"/>
+          </a:p>
+        </p:txBody>
+      </p:sp>
+    </p:spTree>
+    <p:extLst>
+      <p:ext uri="{BB962C8B-B14F-4D97-AF65-F5344CB8AC3E}">
+        <p14:creationId xmlns:p14="http://schemas.microsoft.com/office/powerpoint/2010/main" val="1814022249"/>
       </p:ext>
     </p:extLst>
   </p:cSld>
@@ -4456,6 +5448,637 @@
 </p:sld>
 </file>
 
+<file path=ppt/slides/slide10.xml><?xml version="1.0" encoding="utf-8"?>
+<p:sld xmlns:a="http://schemas.openxmlformats.org/drawingml/2006/main" xmlns:r="http://schemas.openxmlformats.org/officeDocument/2006/relationships" xmlns:p="http://schemas.openxmlformats.org/presentationml/2006/main">
+  <p:cSld>
+    <p:spTree>
+      <p:nvGrpSpPr>
+        <p:cNvPr id="1" name=""/>
+        <p:cNvGrpSpPr/>
+        <p:nvPr/>
+      </p:nvGrpSpPr>
+      <p:grpSpPr>
+        <a:xfrm>
+          <a:off x="0" y="0"/>
+          <a:ext cx="0" cy="0"/>
+          <a:chOff x="0" y="0"/>
+          <a:chExt cx="0" cy="0"/>
+        </a:xfrm>
+      </p:grpSpPr>
+      <p:sp>
+        <p:nvSpPr>
+          <p:cNvPr id="4" name="Slide Number Placeholder 3"/>
+          <p:cNvSpPr>
+            <a:spLocks noGrp="1"/>
+          </p:cNvSpPr>
+          <p:nvPr>
+            <p:ph type="sldNum" sz="quarter" idx="12"/>
+          </p:nvPr>
+        </p:nvSpPr>
+        <p:spPr/>
+        <p:txBody>
+          <a:bodyPr/>
+          <a:lstStyle/>
+          <a:p>
+            <a:fld id="{0A1B865D-3DF9-0645-8011-9936F226B8ED}" type="slidenum">
+              <a:rPr lang="en-US" smtClean="0"/>
+              <a:pPr/>
+              <a:t>10</a:t>
+            </a:fld>
+            <a:endParaRPr lang="en-US"/>
+          </a:p>
+        </p:txBody>
+      </p:sp>
+      <p:pic>
+        <p:nvPicPr>
+          <p:cNvPr id="5" name="Picture 4" descr="figure-2-3.png"/>
+          <p:cNvPicPr>
+            <a:picLocks noChangeAspect="1"/>
+          </p:cNvPicPr>
+          <p:nvPr/>
+        </p:nvPicPr>
+        <p:blipFill>
+          <a:blip r:embed="rId3">
+            <a:extLst>
+              <a:ext uri="{28A0092B-C50C-407E-A947-70E740481C1C}">
+                <a14:useLocalDpi xmlns:a14="http://schemas.microsoft.com/office/drawing/2010/main" val="0"/>
+              </a:ext>
+            </a:extLst>
+          </a:blip>
+          <a:stretch>
+            <a:fillRect/>
+          </a:stretch>
+        </p:blipFill>
+        <p:spPr>
+          <a:xfrm>
+            <a:off x="-1" y="349823"/>
+            <a:ext cx="9152285" cy="4533849"/>
+          </a:xfrm>
+          <a:prstGeom prst="rect">
+            <a:avLst/>
+          </a:prstGeom>
+        </p:spPr>
+      </p:pic>
+      <p:sp>
+        <p:nvSpPr>
+          <p:cNvPr id="6" name="Rectangle 5"/>
+          <p:cNvSpPr/>
+          <p:nvPr/>
+        </p:nvSpPr>
+        <p:spPr>
+          <a:xfrm>
+            <a:off x="0" y="2599210"/>
+            <a:ext cx="4562772" cy="2791197"/>
+          </a:xfrm>
+          <a:prstGeom prst="rect">
+            <a:avLst/>
+          </a:prstGeom>
+          <a:solidFill>
+            <a:schemeClr val="bg1"/>
+          </a:solidFill>
+          <a:ln>
+            <a:noFill/>
+          </a:ln>
+          <a:effectLst/>
+        </p:spPr>
+        <p:style>
+          <a:lnRef idx="1">
+            <a:schemeClr val="accent1"/>
+          </a:lnRef>
+          <a:fillRef idx="3">
+            <a:schemeClr val="accent1"/>
+          </a:fillRef>
+          <a:effectRef idx="2">
+            <a:schemeClr val="accent1"/>
+          </a:effectRef>
+          <a:fontRef idx="minor">
+            <a:schemeClr val="lt1"/>
+          </a:fontRef>
+        </p:style>
+        <p:txBody>
+          <a:bodyPr rtlCol="0" anchor="ctr"/>
+          <a:lstStyle/>
+          <a:p>
+            <a:pPr algn="ctr"/>
+            <a:endParaRPr lang="en-US"/>
+          </a:p>
+        </p:txBody>
+      </p:sp>
+      <p:sp>
+        <p:nvSpPr>
+          <p:cNvPr id="7" name="Rectangle 6"/>
+          <p:cNvSpPr/>
+          <p:nvPr/>
+        </p:nvSpPr>
+        <p:spPr>
+          <a:xfrm>
+            <a:off x="3706327" y="2436655"/>
+            <a:ext cx="1447095" cy="236397"/>
+          </a:xfrm>
+          <a:prstGeom prst="rect">
+            <a:avLst/>
+          </a:prstGeom>
+          <a:solidFill>
+            <a:schemeClr val="bg1"/>
+          </a:solidFill>
+          <a:ln>
+            <a:noFill/>
+          </a:ln>
+          <a:effectLst/>
+        </p:spPr>
+        <p:style>
+          <a:lnRef idx="1">
+            <a:schemeClr val="accent1"/>
+          </a:lnRef>
+          <a:fillRef idx="3">
+            <a:schemeClr val="accent1"/>
+          </a:fillRef>
+          <a:effectRef idx="2">
+            <a:schemeClr val="accent1"/>
+          </a:effectRef>
+          <a:fontRef idx="minor">
+            <a:schemeClr val="lt1"/>
+          </a:fontRef>
+        </p:style>
+        <p:txBody>
+          <a:bodyPr rtlCol="0" anchor="ctr"/>
+          <a:lstStyle/>
+          <a:p>
+            <a:pPr algn="ctr"/>
+            <a:endParaRPr lang="en-US"/>
+          </a:p>
+        </p:txBody>
+      </p:sp>
+      <p:sp>
+        <p:nvSpPr>
+          <p:cNvPr id="8" name="TextBox 7"/>
+          <p:cNvSpPr txBox="1"/>
+          <p:nvPr/>
+        </p:nvSpPr>
+        <p:spPr>
+          <a:xfrm>
+            <a:off x="162429" y="3545906"/>
+            <a:ext cx="8989855" cy="2677656"/>
+          </a:xfrm>
+          <a:prstGeom prst="rect">
+            <a:avLst/>
+          </a:prstGeom>
+          <a:noFill/>
+        </p:spPr>
+        <p:txBody>
+          <a:bodyPr wrap="square" rtlCol="0">
+            <a:spAutoFit/>
+          </a:bodyPr>
+          <a:lstStyle/>
+          <a:p>
+            <a:r>
+              <a:rPr lang="en-US" sz="2800" dirty="0" smtClean="0"/>
+              <a:t>Sources of heterozygotes:</a:t>
+            </a:r>
+          </a:p>
+          <a:p>
+            <a:endParaRPr lang="en-US" sz="2800" dirty="0" smtClean="0"/>
+          </a:p>
+          <a:p>
+            <a:pPr marL="514350" indent="-514350">
+              <a:buFont typeface="+mj-lt"/>
+              <a:buAutoNum type="arabicPeriod"/>
+            </a:pPr>
+            <a:r>
+              <a:rPr lang="en-US" sz="2800" dirty="0" smtClean="0"/>
+              <a:t>not truly haploid</a:t>
+            </a:r>
+          </a:p>
+          <a:p>
+            <a:pPr marL="514350" indent="-514350">
+              <a:buFont typeface="+mj-lt"/>
+              <a:buAutoNum type="arabicPeriod"/>
+            </a:pPr>
+            <a:r>
+              <a:rPr lang="en-US" sz="2800" dirty="0" smtClean="0"/>
+              <a:t>somatic mutations</a:t>
+            </a:r>
+          </a:p>
+          <a:p>
+            <a:pPr marL="514350" indent="-514350">
+              <a:buFont typeface="+mj-lt"/>
+              <a:buAutoNum type="arabicPeriod"/>
+            </a:pPr>
+            <a:r>
+              <a:rPr lang="en-US" sz="2800" dirty="0" smtClean="0"/>
+              <a:t>library construction (i.e. PCR) and/or sequencing errors</a:t>
+            </a:r>
+          </a:p>
+          <a:p>
+            <a:pPr marL="514350" indent="-514350">
+              <a:buFont typeface="+mj-lt"/>
+              <a:buAutoNum type="arabicPeriod"/>
+            </a:pPr>
+            <a:r>
+              <a:rPr lang="en-US" sz="2800" dirty="0" smtClean="0"/>
+              <a:t>mapping and/or variant calling flaws</a:t>
+            </a:r>
+            <a:endParaRPr lang="en-US" sz="2800" dirty="0"/>
+          </a:p>
+        </p:txBody>
+      </p:sp>
+    </p:spTree>
+    <p:extLst>
+      <p:ext uri="{BB962C8B-B14F-4D97-AF65-F5344CB8AC3E}">
+        <p14:creationId xmlns:p14="http://schemas.microsoft.com/office/powerpoint/2010/main" val="2074354119"/>
+      </p:ext>
+    </p:extLst>
+  </p:cSld>
+  <p:clrMapOvr>
+    <a:masterClrMapping/>
+  </p:clrMapOvr>
+</p:sld>
+</file>
+
+<file path=ppt/slides/slide11.xml><?xml version="1.0" encoding="utf-8"?>
+<p:sld xmlns:a="http://schemas.openxmlformats.org/drawingml/2006/main" xmlns:r="http://schemas.openxmlformats.org/officeDocument/2006/relationships" xmlns:p="http://schemas.openxmlformats.org/presentationml/2006/main">
+  <p:cSld>
+    <p:spTree>
+      <p:nvGrpSpPr>
+        <p:cNvPr id="1" name=""/>
+        <p:cNvGrpSpPr/>
+        <p:nvPr/>
+      </p:nvGrpSpPr>
+      <p:grpSpPr>
+        <a:xfrm>
+          <a:off x="0" y="0"/>
+          <a:ext cx="0" cy="0"/>
+          <a:chOff x="0" y="0"/>
+          <a:chExt cx="0" cy="0"/>
+        </a:xfrm>
+      </p:grpSpPr>
+      <p:sp>
+        <p:nvSpPr>
+          <p:cNvPr id="2" name="Slide Number Placeholder 1"/>
+          <p:cNvSpPr>
+            <a:spLocks noGrp="1"/>
+          </p:cNvSpPr>
+          <p:nvPr>
+            <p:ph type="sldNum" sz="quarter" idx="12"/>
+          </p:nvPr>
+        </p:nvSpPr>
+        <p:spPr/>
+        <p:txBody>
+          <a:bodyPr/>
+          <a:lstStyle/>
+          <a:p>
+            <a:fld id="{0A1B865D-3DF9-0645-8011-9936F226B8ED}" type="slidenum">
+              <a:rPr lang="en-US" smtClean="0"/>
+              <a:pPr/>
+              <a:t>11</a:t>
+            </a:fld>
+            <a:endParaRPr lang="en-US"/>
+          </a:p>
+        </p:txBody>
+      </p:sp>
+      <p:pic>
+        <p:nvPicPr>
+          <p:cNvPr id="3" name="Picture 2" descr="figure-4.png"/>
+          <p:cNvPicPr>
+            <a:picLocks noChangeAspect="1"/>
+          </p:cNvPicPr>
+          <p:nvPr/>
+        </p:nvPicPr>
+        <p:blipFill>
+          <a:blip r:embed="rId2">
+            <a:extLst>
+              <a:ext uri="{28A0092B-C50C-407E-A947-70E740481C1C}">
+                <a14:useLocalDpi xmlns:a14="http://schemas.microsoft.com/office/drawing/2010/main" val="0"/>
+              </a:ext>
+            </a:extLst>
+          </a:blip>
+          <a:stretch>
+            <a:fillRect/>
+          </a:stretch>
+        </p:blipFill>
+        <p:spPr>
+          <a:xfrm>
+            <a:off x="-1" y="1137154"/>
+            <a:ext cx="9141161" cy="3012720"/>
+          </a:xfrm>
+          <a:prstGeom prst="rect">
+            <a:avLst/>
+          </a:prstGeom>
+        </p:spPr>
+      </p:pic>
+    </p:spTree>
+    <p:extLst>
+      <p:ext uri="{BB962C8B-B14F-4D97-AF65-F5344CB8AC3E}">
+        <p14:creationId xmlns:p14="http://schemas.microsoft.com/office/powerpoint/2010/main" val="659354276"/>
+      </p:ext>
+    </p:extLst>
+  </p:cSld>
+  <p:clrMapOvr>
+    <a:masterClrMapping/>
+  </p:clrMapOvr>
+</p:sld>
+</file>
+
+<file path=ppt/slides/slide12.xml><?xml version="1.0" encoding="utf-8"?>
+<p:sld xmlns:a="http://schemas.openxmlformats.org/drawingml/2006/main" xmlns:r="http://schemas.openxmlformats.org/officeDocument/2006/relationships" xmlns:p="http://schemas.openxmlformats.org/presentationml/2006/main">
+  <p:cSld>
+    <p:spTree>
+      <p:nvGrpSpPr>
+        <p:cNvPr id="1" name=""/>
+        <p:cNvGrpSpPr/>
+        <p:nvPr/>
+      </p:nvGrpSpPr>
+      <p:grpSpPr>
+        <a:xfrm>
+          <a:off x="0" y="0"/>
+          <a:ext cx="0" cy="0"/>
+          <a:chOff x="0" y="0"/>
+          <a:chExt cx="0" cy="0"/>
+        </a:xfrm>
+      </p:grpSpPr>
+      <p:sp>
+        <p:nvSpPr>
+          <p:cNvPr id="2" name="Slide Number Placeholder 1"/>
+          <p:cNvSpPr>
+            <a:spLocks noGrp="1"/>
+          </p:cNvSpPr>
+          <p:nvPr>
+            <p:ph type="sldNum" sz="quarter" idx="12"/>
+          </p:nvPr>
+        </p:nvSpPr>
+        <p:spPr/>
+        <p:txBody>
+          <a:bodyPr/>
+          <a:lstStyle/>
+          <a:p>
+            <a:fld id="{0A1B865D-3DF9-0645-8011-9936F226B8ED}" type="slidenum">
+              <a:rPr lang="en-US" smtClean="0"/>
+              <a:pPr/>
+              <a:t>12</a:t>
+            </a:fld>
+            <a:endParaRPr lang="en-US"/>
+          </a:p>
+        </p:txBody>
+      </p:sp>
+      <p:pic>
+        <p:nvPicPr>
+          <p:cNvPr id="3" name="Picture 2" descr="figure-5.png"/>
+          <p:cNvPicPr>
+            <a:picLocks noChangeAspect="1"/>
+          </p:cNvPicPr>
+          <p:nvPr/>
+        </p:nvPicPr>
+        <p:blipFill rotWithShape="1">
+          <a:blip r:embed="rId2">
+            <a:extLst>
+              <a:ext uri="{28A0092B-C50C-407E-A947-70E740481C1C}">
+                <a14:useLocalDpi xmlns:a14="http://schemas.microsoft.com/office/drawing/2010/main" val="0"/>
+              </a:ext>
+            </a:extLst>
+          </a:blip>
+          <a:srcRect b="29199"/>
+          <a:stretch/>
+        </p:blipFill>
+        <p:spPr>
+          <a:xfrm>
+            <a:off x="1124626" y="0"/>
+            <a:ext cx="6894749" cy="6356349"/>
+          </a:xfrm>
+          <a:prstGeom prst="rect">
+            <a:avLst/>
+          </a:prstGeom>
+        </p:spPr>
+      </p:pic>
+    </p:spTree>
+    <p:extLst>
+      <p:ext uri="{BB962C8B-B14F-4D97-AF65-F5344CB8AC3E}">
+        <p14:creationId xmlns:p14="http://schemas.microsoft.com/office/powerpoint/2010/main" val="1551710943"/>
+      </p:ext>
+    </p:extLst>
+  </p:cSld>
+  <p:clrMapOvr>
+    <a:masterClrMapping/>
+  </p:clrMapOvr>
+</p:sld>
+</file>
+
+<file path=ppt/slides/slide13.xml><?xml version="1.0" encoding="utf-8"?>
+<p:sld xmlns:a="http://schemas.openxmlformats.org/drawingml/2006/main" xmlns:r="http://schemas.openxmlformats.org/officeDocument/2006/relationships" xmlns:p="http://schemas.openxmlformats.org/presentationml/2006/main">
+  <p:cSld>
+    <p:spTree>
+      <p:nvGrpSpPr>
+        <p:cNvPr id="1" name=""/>
+        <p:cNvGrpSpPr/>
+        <p:nvPr/>
+      </p:nvGrpSpPr>
+      <p:grpSpPr>
+        <a:xfrm>
+          <a:off x="0" y="0"/>
+          <a:ext cx="0" cy="0"/>
+          <a:chOff x="0" y="0"/>
+          <a:chExt cx="0" cy="0"/>
+        </a:xfrm>
+      </p:grpSpPr>
+      <p:sp>
+        <p:nvSpPr>
+          <p:cNvPr id="2" name="Slide Number Placeholder 1"/>
+          <p:cNvSpPr>
+            <a:spLocks noGrp="1"/>
+          </p:cNvSpPr>
+          <p:nvPr>
+            <p:ph type="sldNum" sz="quarter" idx="12"/>
+          </p:nvPr>
+        </p:nvSpPr>
+        <p:spPr/>
+        <p:txBody>
+          <a:bodyPr/>
+          <a:lstStyle/>
+          <a:p>
+            <a:fld id="{0A1B865D-3DF9-0645-8011-9936F226B8ED}" type="slidenum">
+              <a:rPr lang="en-US" smtClean="0"/>
+              <a:pPr/>
+              <a:t>13</a:t>
+            </a:fld>
+            <a:endParaRPr lang="en-US"/>
+          </a:p>
+        </p:txBody>
+      </p:sp>
+      <p:pic>
+        <p:nvPicPr>
+          <p:cNvPr id="3" name="Picture 2" descr="figure-6.png"/>
+          <p:cNvPicPr>
+            <a:picLocks noChangeAspect="1"/>
+          </p:cNvPicPr>
+          <p:nvPr/>
+        </p:nvPicPr>
+        <p:blipFill rotWithShape="1">
+          <a:blip r:embed="rId3">
+            <a:extLst>
+              <a:ext uri="{28A0092B-C50C-407E-A947-70E740481C1C}">
+                <a14:useLocalDpi xmlns:a14="http://schemas.microsoft.com/office/drawing/2010/main" val="0"/>
+              </a:ext>
+            </a:extLst>
+          </a:blip>
+          <a:srcRect/>
+          <a:stretch/>
+        </p:blipFill>
+        <p:spPr>
+          <a:xfrm>
+            <a:off x="924737" y="0"/>
+            <a:ext cx="7294527" cy="6203111"/>
+          </a:xfrm>
+          <a:prstGeom prst="rect">
+            <a:avLst/>
+          </a:prstGeom>
+        </p:spPr>
+      </p:pic>
+    </p:spTree>
+    <p:extLst>
+      <p:ext uri="{BB962C8B-B14F-4D97-AF65-F5344CB8AC3E}">
+        <p14:creationId xmlns:p14="http://schemas.microsoft.com/office/powerpoint/2010/main" val="2246954750"/>
+      </p:ext>
+    </p:extLst>
+  </p:cSld>
+  <p:clrMapOvr>
+    <a:masterClrMapping/>
+  </p:clrMapOvr>
+</p:sld>
+</file>
+
+<file path=ppt/slides/slide14.xml><?xml version="1.0" encoding="utf-8"?>
+<p:sld xmlns:a="http://schemas.openxmlformats.org/drawingml/2006/main" xmlns:r="http://schemas.openxmlformats.org/officeDocument/2006/relationships" xmlns:p="http://schemas.openxmlformats.org/presentationml/2006/main">
+  <p:cSld>
+    <p:spTree>
+      <p:nvGrpSpPr>
+        <p:cNvPr id="1" name=""/>
+        <p:cNvGrpSpPr/>
+        <p:nvPr/>
+      </p:nvGrpSpPr>
+      <p:grpSpPr>
+        <a:xfrm>
+          <a:off x="0" y="0"/>
+          <a:ext cx="0" cy="0"/>
+          <a:chOff x="0" y="0"/>
+          <a:chExt cx="0" cy="0"/>
+        </a:xfrm>
+      </p:grpSpPr>
+      <p:sp>
+        <p:nvSpPr>
+          <p:cNvPr id="4" name="Title 3"/>
+          <p:cNvSpPr>
+            <a:spLocks noGrp="1"/>
+          </p:cNvSpPr>
+          <p:nvPr>
+            <p:ph type="title"/>
+          </p:nvPr>
+        </p:nvSpPr>
+        <p:spPr/>
+        <p:txBody>
+          <a:bodyPr/>
+          <a:lstStyle/>
+          <a:p>
+            <a:r>
+              <a:rPr lang="en-US" dirty="0" smtClean="0"/>
+              <a:t>Conclusions and Questions</a:t>
+            </a:r>
+            <a:endParaRPr lang="en-US" dirty="0"/>
+          </a:p>
+        </p:txBody>
+      </p:sp>
+      <p:sp>
+        <p:nvSpPr>
+          <p:cNvPr id="5" name="Content Placeholder 4"/>
+          <p:cNvSpPr>
+            <a:spLocks noGrp="1"/>
+          </p:cNvSpPr>
+          <p:nvPr>
+            <p:ph idx="1"/>
+          </p:nvPr>
+        </p:nvSpPr>
+        <p:spPr/>
+        <p:txBody>
+          <a:bodyPr>
+            <a:normAutofit/>
+          </a:bodyPr>
+          <a:lstStyle/>
+          <a:p>
+            <a:r>
+              <a:rPr lang="en-US" dirty="0" smtClean="0"/>
+              <a:t>Raw: 1 error per 10-15kb</a:t>
+            </a:r>
+          </a:p>
+          <a:p>
+            <a:r>
+              <a:rPr lang="en-US" dirty="0" smtClean="0"/>
+              <a:t>Filtered: 1 error per 100-200kb</a:t>
+            </a:r>
+          </a:p>
+          <a:p>
+            <a:r>
+              <a:rPr lang="en-US" dirty="0" smtClean="0"/>
+              <a:t>Low-complexity filter is best against false pos.</a:t>
+            </a:r>
+          </a:p>
+          <a:p>
+            <a:r>
+              <a:rPr lang="en-US" dirty="0" smtClean="0"/>
+              <a:t>Use intersection of two pipelines + filter</a:t>
+            </a:r>
+          </a:p>
+          <a:p>
+            <a:endParaRPr lang="en-US" dirty="0"/>
+          </a:p>
+          <a:p>
+            <a:endParaRPr lang="en-US" dirty="0" smtClean="0"/>
+          </a:p>
+          <a:p>
+            <a:r>
+              <a:rPr lang="en-US" dirty="0" smtClean="0"/>
+              <a:t>Is CHM1 actually haploid?</a:t>
+            </a:r>
+          </a:p>
+          <a:p>
+            <a:endParaRPr lang="en-US" dirty="0"/>
+          </a:p>
+        </p:txBody>
+      </p:sp>
+      <p:sp>
+        <p:nvSpPr>
+          <p:cNvPr id="2" name="Slide Number Placeholder 1"/>
+          <p:cNvSpPr>
+            <a:spLocks noGrp="1"/>
+          </p:cNvSpPr>
+          <p:nvPr>
+            <p:ph type="sldNum" sz="quarter" idx="12"/>
+          </p:nvPr>
+        </p:nvSpPr>
+        <p:spPr/>
+        <p:txBody>
+          <a:bodyPr/>
+          <a:lstStyle/>
+          <a:p>
+            <a:fld id="{0A1B865D-3DF9-0645-8011-9936F226B8ED}" type="slidenum">
+              <a:rPr lang="en-US" smtClean="0"/>
+              <a:pPr/>
+              <a:t>14</a:t>
+            </a:fld>
+            <a:endParaRPr lang="en-US"/>
+          </a:p>
+        </p:txBody>
+      </p:sp>
+    </p:spTree>
+    <p:extLst>
+      <p:ext uri="{BB962C8B-B14F-4D97-AF65-F5344CB8AC3E}">
+        <p14:creationId xmlns:p14="http://schemas.microsoft.com/office/powerpoint/2010/main" val="1626975789"/>
+      </p:ext>
+    </p:extLst>
+  </p:cSld>
+  <p:clrMapOvr>
+    <a:masterClrMapping/>
+  </p:clrMapOvr>
+</p:sld>
+</file>
+
 <file path=ppt/slides/slide2.xml><?xml version="1.0" encoding="utf-8"?>
 <p:sld xmlns:a="http://schemas.openxmlformats.org/drawingml/2006/main" xmlns:r="http://schemas.openxmlformats.org/officeDocument/2006/relationships" xmlns:p="http://schemas.openxmlformats.org/presentationml/2006/main">
   <p:cSld>
@@ -4490,7 +6113,7 @@
           <a:p>
             <a:r>
               <a:rPr lang="en-US" dirty="0" smtClean="0"/>
-              <a:t>Background</a:t>
+              <a:t>Sanger vs. NGS</a:t>
             </a:r>
             <a:endParaRPr lang="en-US" dirty="0"/>
           </a:p>
@@ -4498,20 +6121,72 @@
       </p:sp>
       <p:sp>
         <p:nvSpPr>
-          <p:cNvPr id="3" name="Text Placeholder 2"/>
-          <p:cNvSpPr>
-            <a:spLocks noGrp="1"/>
-          </p:cNvSpPr>
-          <p:nvPr>
-            <p:ph type="body" idx="1"/>
-          </p:nvPr>
-        </p:nvSpPr>
-        <p:spPr/>
-        <p:txBody>
-          <a:bodyPr/>
-          <a:lstStyle/>
-          <a:p>
-            <a:endParaRPr lang="en-US"/>
+          <p:cNvPr id="3" name="Content Placeholder 2"/>
+          <p:cNvSpPr>
+            <a:spLocks noGrp="1"/>
+          </p:cNvSpPr>
+          <p:nvPr>
+            <p:ph idx="1"/>
+          </p:nvPr>
+        </p:nvSpPr>
+        <p:spPr/>
+        <p:txBody>
+          <a:bodyPr/>
+          <a:lstStyle/>
+          <a:p>
+            <a:r>
+              <a:rPr lang="en-US" dirty="0" smtClean="0"/>
+              <a:t>Sanger is easier</a:t>
+            </a:r>
+          </a:p>
+          <a:p>
+            <a:pPr lvl="1"/>
+            <a:r>
+              <a:rPr lang="en-US" dirty="0" smtClean="0"/>
+              <a:t>Less data</a:t>
+            </a:r>
+          </a:p>
+          <a:p>
+            <a:pPr lvl="1"/>
+            <a:r>
+              <a:rPr lang="en-US" dirty="0" smtClean="0"/>
+              <a:t>More confidence in sequence alignment</a:t>
+            </a:r>
+          </a:p>
+          <a:p>
+            <a:pPr lvl="1"/>
+            <a:r>
+              <a:rPr lang="en-US" dirty="0" smtClean="0"/>
+              <a:t>Higher variant levels</a:t>
+            </a:r>
+          </a:p>
+          <a:p>
+            <a:r>
+              <a:rPr lang="en-US" dirty="0" smtClean="0"/>
+              <a:t>NGS promises more</a:t>
+            </a:r>
+          </a:p>
+          <a:p>
+            <a:pPr lvl="1"/>
+            <a:r>
+              <a:rPr lang="en-US" dirty="0" smtClean="0"/>
+              <a:t>More data</a:t>
+            </a:r>
+          </a:p>
+          <a:p>
+            <a:pPr lvl="1"/>
+            <a:r>
+              <a:rPr lang="en-US" dirty="0" smtClean="0"/>
+              <a:t>Less confidence in read mapping</a:t>
+            </a:r>
+          </a:p>
+          <a:p>
+            <a:pPr lvl="1"/>
+            <a:r>
+              <a:rPr lang="en-US" dirty="0" smtClean="0"/>
+              <a:t>Lower variant levels</a:t>
+            </a:r>
+            <a:endParaRPr lang="en-US" dirty="0"/>
           </a:p>
         </p:txBody>
       </p:sp>
@@ -4542,7 +6217,7 @@
     </p:spTree>
     <p:extLst>
       <p:ext uri="{BB962C8B-B14F-4D97-AF65-F5344CB8AC3E}">
-        <p14:creationId xmlns:p14="http://schemas.microsoft.com/office/powerpoint/2010/main" val="2778723650"/>
+        <p14:creationId xmlns:p14="http://schemas.microsoft.com/office/powerpoint/2010/main" val="1842995472"/>
       </p:ext>
     </p:extLst>
   </p:cSld>
@@ -4586,7 +6261,7 @@
           <a:p>
             <a:r>
               <a:rPr lang="en-US" dirty="0" smtClean="0"/>
-              <a:t>Sanger vs. NGS</a:t>
+              <a:t>Problems with Simulation</a:t>
             </a:r>
             <a:endParaRPr lang="en-US" dirty="0"/>
           </a:p>
@@ -4607,59 +6282,55 @@
           <a:bodyPr/>
           <a:lstStyle/>
           <a:p>
+            <a:pPr marL="0" indent="0">
+              <a:buNone/>
+            </a:pPr>
             <a:r>
               <a:rPr lang="en-US" dirty="0" smtClean="0"/>
-              <a:t>Sanger is easier</a:t>
-            </a:r>
+              <a:t>Modeling the affect of:</a:t>
+            </a:r>
+            <a:endParaRPr lang="en-US" baseline="0" dirty="0" smtClean="0"/>
           </a:p>
           <a:p>
             <a:pPr lvl="1"/>
             <a:r>
               <a:rPr lang="en-US" dirty="0" smtClean="0"/>
-              <a:t>Less data</a:t>
+              <a:t>non</a:t>
+            </a:r>
+            <a:r>
+              <a:rPr lang="en-US" dirty="0" smtClean="0"/>
+              <a:t>-random distribution</a:t>
             </a:r>
           </a:p>
           <a:p>
             <a:pPr lvl="1"/>
             <a:r>
               <a:rPr lang="en-US" dirty="0" smtClean="0"/>
-              <a:t>More confidence in sequence alignment</a:t>
-            </a:r>
+              <a:t>dependent errors</a:t>
+            </a:r>
+            <a:endParaRPr lang="en-US" dirty="0" smtClean="0"/>
           </a:p>
           <a:p>
             <a:pPr lvl="1"/>
             <a:r>
               <a:rPr lang="en-US" dirty="0" smtClean="0"/>
-              <a:t>Higher variant levels</a:t>
-            </a:r>
-          </a:p>
-          <a:p>
+              <a:t>imperfect references</a:t>
+            </a:r>
+            <a:endParaRPr lang="en-US" dirty="0" smtClean="0"/>
+          </a:p>
+          <a:p>
+            <a:pPr lvl="1"/>
             <a:r>
               <a:rPr lang="en-US" dirty="0" smtClean="0"/>
-              <a:t>NGS promises more</a:t>
-            </a:r>
-          </a:p>
-          <a:p>
-            <a:pPr lvl="1"/>
+              <a:t>copy number </a:t>
+            </a:r>
             <a:r>
               <a:rPr lang="en-US" dirty="0" smtClean="0"/>
-              <a:t>More data</a:t>
-            </a:r>
-          </a:p>
-          <a:p>
-            <a:pPr lvl="1"/>
-            <a:r>
-              <a:rPr lang="en-US" dirty="0" smtClean="0"/>
-              <a:t>Less confidence in read mapping</a:t>
-            </a:r>
-          </a:p>
-          <a:p>
-            <a:pPr lvl="1"/>
-            <a:r>
-              <a:rPr lang="en-US" dirty="0" smtClean="0"/>
-              <a:t>Lower variant levels</a:t>
-            </a:r>
-            <a:endParaRPr lang="en-US" dirty="0"/>
+              <a:t>variation</a:t>
+            </a:r>
+          </a:p>
+          <a:p>
+            <a:endParaRPr lang="en-US" dirty="0" smtClean="0"/>
           </a:p>
         </p:txBody>
       </p:sp>
@@ -4690,7 +6361,7 @@
     </p:spTree>
     <p:extLst>
       <p:ext uri="{BB962C8B-B14F-4D97-AF65-F5344CB8AC3E}">
-        <p14:creationId xmlns:p14="http://schemas.microsoft.com/office/powerpoint/2010/main" val="1842995472"/>
+        <p14:creationId xmlns:p14="http://schemas.microsoft.com/office/powerpoint/2010/main" val="1794851016"/>
       </p:ext>
     </p:extLst>
   </p:cSld>
@@ -4734,7 +6405,7 @@
           <a:p>
             <a:r>
               <a:rPr lang="en-US" dirty="0" smtClean="0"/>
-              <a:t>Simulation?</a:t>
+              <a:t>Problems with real data</a:t>
             </a:r>
             <a:endParaRPr lang="en-US" dirty="0"/>
           </a:p>
@@ -4757,46 +6428,19 @@
           <a:p>
             <a:r>
               <a:rPr lang="en-US" dirty="0" smtClean="0"/>
-              <a:t>Problems modeling:</a:t>
-            </a:r>
-            <a:endParaRPr lang="en-US" baseline="0" dirty="0" smtClean="0"/>
-          </a:p>
-          <a:p>
-            <a:pPr lvl="1"/>
+              <a:t>Can’t see large-scale systematic errors</a:t>
+            </a:r>
+          </a:p>
+          <a:p>
             <a:r>
               <a:rPr lang="en-US" dirty="0" smtClean="0"/>
-              <a:t>non</a:t>
-            </a:r>
+              <a:t>“Relative accuracy”</a:t>
+            </a:r>
+          </a:p>
+          <a:p>
             <a:r>
               <a:rPr lang="en-US" dirty="0" smtClean="0"/>
-              <a:t>-random distribution</a:t>
-            </a:r>
-          </a:p>
-          <a:p>
-            <a:pPr lvl="1"/>
-            <a:r>
-              <a:rPr lang="en-US" dirty="0" smtClean="0"/>
-              <a:t>dependent errors</a:t>
-            </a:r>
-            <a:endParaRPr lang="en-US" dirty="0" smtClean="0"/>
-          </a:p>
-          <a:p>
-            <a:pPr lvl="1"/>
-            <a:r>
-              <a:rPr lang="en-US" dirty="0" smtClean="0"/>
-              <a:t>incomplete references</a:t>
-            </a:r>
-            <a:endParaRPr lang="en-US" dirty="0" smtClean="0"/>
-          </a:p>
-          <a:p>
-            <a:pPr lvl="1"/>
-            <a:r>
-              <a:rPr lang="en-US" dirty="0" smtClean="0"/>
-              <a:t>copy number </a:t>
-            </a:r>
-            <a:r>
-              <a:rPr lang="en-US" dirty="0" smtClean="0"/>
-              <a:t>variation</a:t>
+              <a:t>Often ignores false-negatives (type II)</a:t>
             </a:r>
           </a:p>
           <a:p>
@@ -4831,7 +6475,7 @@
     </p:spTree>
     <p:extLst>
       <p:ext uri="{BB962C8B-B14F-4D97-AF65-F5344CB8AC3E}">
-        <p14:creationId xmlns:p14="http://schemas.microsoft.com/office/powerpoint/2010/main" val="1794851016"/>
+        <p14:creationId xmlns:p14="http://schemas.microsoft.com/office/powerpoint/2010/main" val="3531654883"/>
       </p:ext>
     </p:extLst>
   </p:cSld>
@@ -4875,7 +6519,7 @@
           <a:p>
             <a:r>
               <a:rPr lang="en-US" dirty="0" smtClean="0"/>
-              <a:t>Real data?</a:t>
+              <a:t>Instead, compare:</a:t>
             </a:r>
             <a:endParaRPr lang="en-US" dirty="0"/>
           </a:p>
@@ -4896,25 +6540,48 @@
           <a:bodyPr/>
           <a:lstStyle/>
           <a:p>
+            <a:pPr marL="0" indent="0">
+              <a:buNone/>
+            </a:pPr>
             <a:r>
               <a:rPr lang="en-US" dirty="0" smtClean="0"/>
-              <a:t>Can’t see large-scale systematic errors</a:t>
-            </a:r>
-          </a:p>
-          <a:p>
+              <a:t>Multiple </a:t>
+            </a:r>
+            <a:r>
+              <a:rPr lang="en-US" dirty="0"/>
+              <a:t>mappers and </a:t>
+            </a:r>
             <a:r>
               <a:rPr lang="en-US" dirty="0" smtClean="0"/>
-              <a:t>“Relative accuracy”</a:t>
-            </a:r>
-          </a:p>
-          <a:p>
+              <a:t>callers, on…</a:t>
+            </a:r>
+          </a:p>
+          <a:p>
+            <a:pPr marL="0" indent="0">
+              <a:buNone/>
+            </a:pPr>
             <a:r>
               <a:rPr lang="en-US" dirty="0" smtClean="0"/>
-              <a:t>Often ignores false-negatives (type II)</a:t>
-            </a:r>
-          </a:p>
-          <a:p>
-            <a:endParaRPr lang="en-US" dirty="0" smtClean="0"/>
+              <a:t>… a haploid human cell line (CHM1hTERT), and</a:t>
+            </a:r>
+          </a:p>
+          <a:p>
+            <a:pPr marL="0" indent="0">
+              <a:buNone/>
+            </a:pPr>
+            <a:r>
+              <a:rPr lang="en-US" dirty="0" smtClean="0"/>
+              <a:t>… a control cell line (NA12878)</a:t>
+            </a:r>
+          </a:p>
+          <a:p>
+            <a:pPr marL="0" indent="0">
+              <a:buNone/>
+            </a:pPr>
+            <a:r>
+              <a:rPr lang="en-US" dirty="0" smtClean="0"/>
+              <a:t>... using filters independent of any one caller.</a:t>
+            </a:r>
           </a:p>
         </p:txBody>
       </p:sp>
@@ -4945,7 +6612,7 @@
     </p:spTree>
     <p:extLst>
       <p:ext uri="{BB962C8B-B14F-4D97-AF65-F5344CB8AC3E}">
-        <p14:creationId xmlns:p14="http://schemas.microsoft.com/office/powerpoint/2010/main" val="3531654883"/>
+        <p14:creationId xmlns:p14="http://schemas.microsoft.com/office/powerpoint/2010/main" val="2206626270"/>
       </p:ext>
     </p:extLst>
   </p:cSld>
@@ -4974,69 +6641,6 @@
       </p:grpSpPr>
       <p:sp>
         <p:nvSpPr>
-          <p:cNvPr id="2" name="Title 1"/>
-          <p:cNvSpPr>
-            <a:spLocks noGrp="1"/>
-          </p:cNvSpPr>
-          <p:nvPr>
-            <p:ph type="title"/>
-          </p:nvPr>
-        </p:nvSpPr>
-        <p:spPr/>
-        <p:txBody>
-          <a:bodyPr/>
-          <a:lstStyle/>
-          <a:p>
-            <a:r>
-              <a:rPr lang="en-US" dirty="0" smtClean="0"/>
-              <a:t>Solution</a:t>
-            </a:r>
-            <a:endParaRPr lang="en-US" dirty="0"/>
-          </a:p>
-        </p:txBody>
-      </p:sp>
-      <p:sp>
-        <p:nvSpPr>
-          <p:cNvPr id="3" name="Content Placeholder 2"/>
-          <p:cNvSpPr>
-            <a:spLocks noGrp="1"/>
-          </p:cNvSpPr>
-          <p:nvPr>
-            <p:ph idx="1"/>
-          </p:nvPr>
-        </p:nvSpPr>
-        <p:spPr/>
-        <p:txBody>
-          <a:bodyPr/>
-          <a:lstStyle/>
-          <a:p>
-            <a:r>
-              <a:rPr lang="en-US" dirty="0" smtClean="0"/>
-              <a:t>A haploid human cell line (CHM1hTERT)</a:t>
-            </a:r>
-          </a:p>
-          <a:p>
-            <a:r>
-              <a:rPr lang="en-US" dirty="0" smtClean="0"/>
-              <a:t>A control cell line (NA12878)</a:t>
-            </a:r>
-          </a:p>
-          <a:p>
-            <a:r>
-              <a:rPr lang="en-US" dirty="0" smtClean="0"/>
-              <a:t>Test and compare multiple mappers and callers</a:t>
-            </a:r>
-          </a:p>
-          <a:p>
-            <a:r>
-              <a:rPr lang="en-US" dirty="0" smtClean="0"/>
-              <a:t>Independent filtering</a:t>
-            </a:r>
-          </a:p>
-        </p:txBody>
-      </p:sp>
-      <p:sp>
-        <p:nvSpPr>
           <p:cNvPr id="4" name="Slide Number Placeholder 3"/>
           <p:cNvSpPr>
             <a:spLocks noGrp="1"/>
@@ -5059,10 +6663,414 @@
           </a:p>
         </p:txBody>
       </p:sp>
+      <p:pic>
+        <p:nvPicPr>
+          <p:cNvPr id="8" name="Picture 7" descr="table-1.png"/>
+          <p:cNvPicPr>
+            <a:picLocks noChangeAspect="1"/>
+          </p:cNvPicPr>
+          <p:nvPr/>
+        </p:nvPicPr>
+        <p:blipFill rotWithShape="1">
+          <a:blip r:embed="rId3">
+            <a:extLst>
+              <a:ext uri="{28A0092B-C50C-407E-A947-70E740481C1C}">
+                <a14:useLocalDpi xmlns:a14="http://schemas.microsoft.com/office/drawing/2010/main" val="0"/>
+              </a:ext>
+            </a:extLst>
+          </a:blip>
+          <a:srcRect r="38818"/>
+          <a:stretch/>
+        </p:blipFill>
+        <p:spPr>
+          <a:xfrm>
+            <a:off x="166479" y="626258"/>
+            <a:ext cx="8811043" cy="4442723"/>
+          </a:xfrm>
+          <a:prstGeom prst="rect">
+            <a:avLst/>
+          </a:prstGeom>
+        </p:spPr>
+      </p:pic>
     </p:spTree>
     <p:extLst>
       <p:ext uri="{BB962C8B-B14F-4D97-AF65-F5344CB8AC3E}">
-        <p14:creationId xmlns:p14="http://schemas.microsoft.com/office/powerpoint/2010/main" val="2206626270"/>
+        <p14:creationId xmlns:p14="http://schemas.microsoft.com/office/powerpoint/2010/main" val="1368684558"/>
+      </p:ext>
+    </p:extLst>
+  </p:cSld>
+  <p:clrMapOvr>
+    <a:masterClrMapping/>
+  </p:clrMapOvr>
+</p:sld>
+</file>
+
+<file path=ppt/slides/slide7.xml><?xml version="1.0" encoding="utf-8"?>
+<p:sld xmlns:a="http://schemas.openxmlformats.org/drawingml/2006/main" xmlns:r="http://schemas.openxmlformats.org/officeDocument/2006/relationships" xmlns:p="http://schemas.openxmlformats.org/presentationml/2006/main">
+  <p:cSld>
+    <p:spTree>
+      <p:nvGrpSpPr>
+        <p:cNvPr id="1" name=""/>
+        <p:cNvGrpSpPr/>
+        <p:nvPr/>
+      </p:nvGrpSpPr>
+      <p:grpSpPr>
+        <a:xfrm>
+          <a:off x="0" y="0"/>
+          <a:ext cx="0" cy="0"/>
+          <a:chOff x="0" y="0"/>
+          <a:chExt cx="0" cy="0"/>
+        </a:xfrm>
+      </p:grpSpPr>
+      <p:sp>
+        <p:nvSpPr>
+          <p:cNvPr id="2" name="Title 1"/>
+          <p:cNvSpPr>
+            <a:spLocks noGrp="1"/>
+          </p:cNvSpPr>
+          <p:nvPr>
+            <p:ph type="title"/>
+          </p:nvPr>
+        </p:nvSpPr>
+        <p:spPr/>
+        <p:txBody>
+          <a:bodyPr/>
+          <a:lstStyle/>
+          <a:p>
+            <a:r>
+              <a:rPr lang="en-US" dirty="0" smtClean="0"/>
+              <a:t>Filters</a:t>
+            </a:r>
+            <a:endParaRPr lang="en-US" dirty="0"/>
+          </a:p>
+        </p:txBody>
+      </p:sp>
+      <p:sp>
+        <p:nvSpPr>
+          <p:cNvPr id="4" name="Content Placeholder 3"/>
+          <p:cNvSpPr>
+            <a:spLocks noGrp="1"/>
+          </p:cNvSpPr>
+          <p:nvPr>
+            <p:ph idx="1"/>
+          </p:nvPr>
+        </p:nvSpPr>
+        <p:spPr/>
+        <p:txBody>
+          <a:bodyPr/>
+          <a:lstStyle/>
+          <a:p>
+            <a:r>
+              <a:rPr lang="en-US" dirty="0" smtClean="0"/>
+              <a:t>Low-complexity (LC)</a:t>
+            </a:r>
+          </a:p>
+          <a:p>
+            <a:r>
+              <a:rPr lang="en-US" dirty="0" smtClean="0"/>
+              <a:t>Maximum-depth (MD)</a:t>
+            </a:r>
+          </a:p>
+          <a:p>
+            <a:r>
+              <a:rPr lang="en-US" dirty="0" smtClean="0"/>
+              <a:t>Allele balance (AB)</a:t>
+            </a:r>
+          </a:p>
+          <a:p>
+            <a:r>
+              <a:rPr lang="en-US" dirty="0" smtClean="0"/>
+              <a:t>Double strand (DS)</a:t>
+            </a:r>
+          </a:p>
+          <a:p>
+            <a:r>
+              <a:rPr lang="en-US" dirty="0" smtClean="0"/>
+              <a:t>Fischer strand (FS)</a:t>
+            </a:r>
+          </a:p>
+          <a:p>
+            <a:r>
+              <a:rPr lang="en-US" dirty="0" smtClean="0"/>
+              <a:t>Variant quality (QU)</a:t>
+            </a:r>
+            <a:endParaRPr lang="en-US" dirty="0"/>
+          </a:p>
+        </p:txBody>
+      </p:sp>
+      <p:sp>
+        <p:nvSpPr>
+          <p:cNvPr id="3" name="Slide Number Placeholder 2"/>
+          <p:cNvSpPr>
+            <a:spLocks noGrp="1"/>
+          </p:cNvSpPr>
+          <p:nvPr>
+            <p:ph type="sldNum" sz="quarter" idx="12"/>
+          </p:nvPr>
+        </p:nvSpPr>
+        <p:spPr/>
+        <p:txBody>
+          <a:bodyPr/>
+          <a:lstStyle/>
+          <a:p>
+            <a:fld id="{0A1B865D-3DF9-0645-8011-9936F226B8ED}" type="slidenum">
+              <a:rPr lang="en-US" smtClean="0"/>
+              <a:pPr/>
+              <a:t>7</a:t>
+            </a:fld>
+            <a:endParaRPr lang="en-US"/>
+          </a:p>
+        </p:txBody>
+      </p:sp>
+    </p:spTree>
+    <p:extLst>
+      <p:ext uri="{BB962C8B-B14F-4D97-AF65-F5344CB8AC3E}">
+        <p14:creationId xmlns:p14="http://schemas.microsoft.com/office/powerpoint/2010/main" val="488509052"/>
+      </p:ext>
+    </p:extLst>
+  </p:cSld>
+  <p:clrMapOvr>
+    <a:masterClrMapping/>
+  </p:clrMapOvr>
+</p:sld>
+</file>
+
+<file path=ppt/slides/slide8.xml><?xml version="1.0" encoding="utf-8"?>
+<p:sld xmlns:a="http://schemas.openxmlformats.org/drawingml/2006/main" xmlns:r="http://schemas.openxmlformats.org/officeDocument/2006/relationships" xmlns:p="http://schemas.openxmlformats.org/presentationml/2006/main">
+  <p:cSld>
+    <p:spTree>
+      <p:nvGrpSpPr>
+        <p:cNvPr id="1" name=""/>
+        <p:cNvGrpSpPr/>
+        <p:nvPr/>
+      </p:nvGrpSpPr>
+      <p:grpSpPr>
+        <a:xfrm>
+          <a:off x="0" y="0"/>
+          <a:ext cx="0" cy="0"/>
+          <a:chOff x="0" y="0"/>
+          <a:chExt cx="0" cy="0"/>
+        </a:xfrm>
+      </p:grpSpPr>
+      <p:sp>
+        <p:nvSpPr>
+          <p:cNvPr id="2" name="Title 1"/>
+          <p:cNvSpPr>
+            <a:spLocks noGrp="1"/>
+          </p:cNvSpPr>
+          <p:nvPr>
+            <p:ph type="title"/>
+          </p:nvPr>
+        </p:nvSpPr>
+        <p:spPr/>
+        <p:txBody>
+          <a:bodyPr/>
+          <a:lstStyle/>
+          <a:p>
+            <a:r>
+              <a:rPr lang="en-US" dirty="0" smtClean="0"/>
+              <a:t>Measuring accuracy</a:t>
+            </a:r>
+            <a:endParaRPr lang="en-US" dirty="0"/>
+          </a:p>
+        </p:txBody>
+      </p:sp>
+      <p:sp>
+        <p:nvSpPr>
+          <p:cNvPr id="3" name="Content Placeholder 2"/>
+          <p:cNvSpPr>
+            <a:spLocks noGrp="1"/>
+          </p:cNvSpPr>
+          <p:nvPr>
+            <p:ph idx="1"/>
+          </p:nvPr>
+        </p:nvSpPr>
+        <p:spPr/>
+        <p:txBody>
+          <a:bodyPr/>
+          <a:lstStyle/>
+          <a:p>
+            <a:r>
+              <a:rPr lang="en-US" dirty="0" smtClean="0"/>
+              <a:t>Estimate false-positive rate using </a:t>
+            </a:r>
+            <a:r>
+              <a:rPr lang="en-US" dirty="0" err="1" smtClean="0"/>
+              <a:t>N</a:t>
+            </a:r>
+            <a:r>
+              <a:rPr lang="en-US" baseline="-25000" dirty="0" err="1" smtClean="0"/>
+              <a:t>h</a:t>
+            </a:r>
+            <a:r>
+              <a:rPr lang="en-US" dirty="0" smtClean="0"/>
+              <a:t>/</a:t>
+            </a:r>
+            <a:r>
+              <a:rPr lang="en-US" dirty="0" err="1" smtClean="0"/>
+              <a:t>N</a:t>
+            </a:r>
+            <a:r>
+              <a:rPr lang="en-US" baseline="-25000" dirty="0" err="1" smtClean="0"/>
+              <a:t>d</a:t>
+            </a:r>
+            <a:endParaRPr lang="en-US" dirty="0" smtClean="0"/>
+          </a:p>
+          <a:p>
+            <a:pPr lvl="1"/>
+            <a:r>
+              <a:rPr lang="en-US" dirty="0" smtClean="0"/>
+              <a:t># of heterozygote calls in haploid vs. control</a:t>
+            </a:r>
+          </a:p>
+          <a:p>
+            <a:pPr lvl="1"/>
+            <a:r>
+              <a:rPr lang="en-US" dirty="0" smtClean="0"/>
+              <a:t>assumes the call errors in control approximated by all calls in haploid</a:t>
+            </a:r>
+          </a:p>
+          <a:p>
+            <a:r>
+              <a:rPr lang="en-US" dirty="0" smtClean="0"/>
+              <a:t>Sensitivity proxy as </a:t>
+            </a:r>
+            <a:r>
+              <a:rPr lang="en-US" dirty="0" err="1" smtClean="0"/>
+              <a:t>N</a:t>
+            </a:r>
+            <a:r>
+              <a:rPr lang="en-US" baseline="-25000" dirty="0" err="1" smtClean="0"/>
+              <a:t>d</a:t>
+            </a:r>
+            <a:r>
+              <a:rPr lang="en-US" dirty="0" smtClean="0"/>
+              <a:t> - </a:t>
+            </a:r>
+            <a:r>
+              <a:rPr lang="en-US" dirty="0" err="1" smtClean="0"/>
+              <a:t>N</a:t>
+            </a:r>
+            <a:r>
+              <a:rPr lang="en-US" baseline="-25000" dirty="0" err="1" smtClean="0"/>
+              <a:t>h</a:t>
+            </a:r>
+            <a:endParaRPr lang="en-US" dirty="0" smtClean="0"/>
+          </a:p>
+        </p:txBody>
+      </p:sp>
+      <p:sp>
+        <p:nvSpPr>
+          <p:cNvPr id="4" name="Slide Number Placeholder 3"/>
+          <p:cNvSpPr>
+            <a:spLocks noGrp="1"/>
+          </p:cNvSpPr>
+          <p:nvPr>
+            <p:ph type="sldNum" sz="quarter" idx="12"/>
+          </p:nvPr>
+        </p:nvSpPr>
+        <p:spPr/>
+        <p:txBody>
+          <a:bodyPr/>
+          <a:lstStyle/>
+          <a:p>
+            <a:fld id="{0A1B865D-3DF9-0645-8011-9936F226B8ED}" type="slidenum">
+              <a:rPr lang="en-US" smtClean="0"/>
+              <a:pPr/>
+              <a:t>8</a:t>
+            </a:fld>
+            <a:endParaRPr lang="en-US"/>
+          </a:p>
+        </p:txBody>
+      </p:sp>
+    </p:spTree>
+    <p:extLst>
+      <p:ext uri="{BB962C8B-B14F-4D97-AF65-F5344CB8AC3E}">
+        <p14:creationId xmlns:p14="http://schemas.microsoft.com/office/powerpoint/2010/main" val="3019477867"/>
+      </p:ext>
+    </p:extLst>
+  </p:cSld>
+  <p:clrMapOvr>
+    <a:masterClrMapping/>
+  </p:clrMapOvr>
+</p:sld>
+</file>
+
+<file path=ppt/slides/slide9.xml><?xml version="1.0" encoding="utf-8"?>
+<p:sld xmlns:a="http://schemas.openxmlformats.org/drawingml/2006/main" xmlns:r="http://schemas.openxmlformats.org/officeDocument/2006/relationships" xmlns:p="http://schemas.openxmlformats.org/presentationml/2006/main">
+  <p:cSld>
+    <p:spTree>
+      <p:nvGrpSpPr>
+        <p:cNvPr id="1" name=""/>
+        <p:cNvGrpSpPr/>
+        <p:nvPr/>
+      </p:nvGrpSpPr>
+      <p:grpSpPr>
+        <a:xfrm>
+          <a:off x="0" y="0"/>
+          <a:ext cx="0" cy="0"/>
+          <a:chOff x="0" y="0"/>
+          <a:chExt cx="0" cy="0"/>
+        </a:xfrm>
+      </p:grpSpPr>
+      <p:sp>
+        <p:nvSpPr>
+          <p:cNvPr id="2" name="Slide Number Placeholder 1"/>
+          <p:cNvSpPr>
+            <a:spLocks noGrp="1"/>
+          </p:cNvSpPr>
+          <p:nvPr>
+            <p:ph type="sldNum" sz="quarter" idx="12"/>
+          </p:nvPr>
+        </p:nvSpPr>
+        <p:spPr/>
+        <p:txBody>
+          <a:bodyPr/>
+          <a:lstStyle/>
+          <a:p>
+            <a:fld id="{0A1B865D-3DF9-0645-8011-9936F226B8ED}" type="slidenum">
+              <a:rPr lang="en-US" smtClean="0"/>
+              <a:pPr/>
+              <a:t>9</a:t>
+            </a:fld>
+            <a:endParaRPr lang="en-US"/>
+          </a:p>
+        </p:txBody>
+      </p:sp>
+      <p:pic>
+        <p:nvPicPr>
+          <p:cNvPr id="3" name="Picture 2" descr="figure-1.png"/>
+          <p:cNvPicPr>
+            <a:picLocks noChangeAspect="1"/>
+          </p:cNvPicPr>
+          <p:nvPr/>
+        </p:nvPicPr>
+        <p:blipFill>
+          <a:blip r:embed="rId3">
+            <a:extLst>
+              <a:ext uri="{28A0092B-C50C-407E-A947-70E740481C1C}">
+                <a14:useLocalDpi xmlns:a14="http://schemas.microsoft.com/office/drawing/2010/main" val="0"/>
+              </a:ext>
+            </a:extLst>
+          </a:blip>
+          <a:stretch>
+            <a:fillRect/>
+          </a:stretch>
+        </p:blipFill>
+        <p:spPr>
+          <a:xfrm>
+            <a:off x="181177" y="2922"/>
+            <a:ext cx="8781646" cy="6852157"/>
+          </a:xfrm>
+          <a:prstGeom prst="rect">
+            <a:avLst/>
+          </a:prstGeom>
+        </p:spPr>
+      </p:pic>
+    </p:spTree>
+    <p:extLst>
+      <p:ext uri="{BB962C8B-B14F-4D97-AF65-F5344CB8AC3E}">
+        <p14:creationId xmlns:p14="http://schemas.microsoft.com/office/powerpoint/2010/main" val="951165254"/>
       </p:ext>
     </p:extLst>
   </p:cSld>

--- a/Journal-Club-2015-01-20.pptx
+++ b/Journal-Club-2015-01-20.pptx
@@ -5,10 +5,10 @@
     <p:sldMasterId id="2147483648" r:id="rId1"/>
   </p:sldMasterIdLst>
   <p:notesMasterIdLst>
-    <p:notesMasterId r:id="rId16"/>
+    <p:notesMasterId r:id="rId18"/>
   </p:notesMasterIdLst>
   <p:handoutMasterIdLst>
-    <p:handoutMasterId r:id="rId17"/>
+    <p:handoutMasterId r:id="rId19"/>
   </p:handoutMasterIdLst>
   <p:sldIdLst>
     <p:sldId id="256" r:id="rId2"/>
@@ -21,10 +21,12 @@
     <p:sldId id="268" r:id="rId9"/>
     <p:sldId id="269" r:id="rId10"/>
     <p:sldId id="270" r:id="rId11"/>
-    <p:sldId id="271" r:id="rId12"/>
-    <p:sldId id="272" r:id="rId13"/>
-    <p:sldId id="273" r:id="rId14"/>
+    <p:sldId id="275" r:id="rId12"/>
+    <p:sldId id="271" r:id="rId13"/>
+    <p:sldId id="272" r:id="rId14"/>
     <p:sldId id="274" r:id="rId15"/>
+    <p:sldId id="276" r:id="rId16"/>
+    <p:sldId id="273" r:id="rId17"/>
   </p:sldIdLst>
   <p:sldSz cx="9144000" cy="6858000" type="screen4x3"/>
   <p:notesSz cx="6858000" cy="9144000"/>
@@ -886,11 +888,15 @@
             </a:r>
             <a:r>
               <a:rPr lang="en-US" baseline="0" dirty="0" smtClean="0"/>
-              <a:t> of figure 2 are treated as real heterozygotes, then it only places a lower bound of error rate estimation at 17.7k per genome, or about 1 per 170k.  The rest of the heterozygous calls made in CHM1 by callers can be used to calculate an error rate at least above that lower bound </a:t>
-            </a:r>
-            <a:r>
-              <a:rPr lang="en-US" baseline="0" smtClean="0"/>
-              <a:t>of accuracy.</a:t>
+              <a:t> of figure 2 are treated as real heterozygotes, then it only places a lower bound of error rate estimation at 17.7k per genome, or about 1 per 170k.  The rest of the heterozygous calls made in CHM1 by callers can be used to calculate an error rate at least above that lower bound of accuracy.  Assuming all that, the best caller post-filtering seems to be </a:t>
+            </a:r>
+            <a:r>
+              <a:rPr lang="en-US" baseline="0" dirty="0" err="1" smtClean="0"/>
+              <a:t>mem:hc</a:t>
+            </a:r>
+            <a:r>
+              <a:rPr lang="en-US" baseline="0" dirty="0" smtClean="0"/>
+              <a:t>, which has an error rate of 2-3 per 170k.</a:t>
             </a:r>
             <a:endParaRPr lang="en-US" dirty="0"/>
           </a:p>
@@ -1000,7 +1006,85 @@
           <a:bodyPr/>
           <a:lstStyle/>
           <a:p>
-            <a:endParaRPr lang="en-US" dirty="0"/>
+            <a:r>
+              <a:rPr lang="en-US" dirty="0" smtClean="0"/>
+              <a:t>Now this it the</a:t>
+            </a:r>
+            <a:r>
+              <a:rPr lang="en-US" baseline="0" dirty="0" smtClean="0"/>
+              <a:t> positive control data, split by SNP vs. </a:t>
+            </a:r>
+            <a:r>
+              <a:rPr lang="en-US" baseline="0" dirty="0" err="1" smtClean="0"/>
+              <a:t>indel</a:t>
+            </a:r>
+            <a:r>
+              <a:rPr lang="en-US" baseline="0" dirty="0" smtClean="0"/>
+              <a:t> and LC vs. non-LC.</a:t>
+            </a:r>
+            <a:endParaRPr lang="en-US" dirty="0" smtClean="0"/>
+          </a:p>
+          <a:p>
+            <a:endParaRPr lang="en-US" dirty="0" smtClean="0"/>
+          </a:p>
+          <a:p>
+            <a:r>
+              <a:rPr lang="en-US" dirty="0" smtClean="0"/>
+              <a:t>Post-filtering, the callers all had very high agreement on the positive control dataset,</a:t>
+            </a:r>
+            <a:r>
+              <a:rPr lang="en-US" baseline="0" dirty="0" smtClean="0"/>
+              <a:t> and </a:t>
+            </a:r>
+            <a:r>
+              <a:rPr lang="en-US" baseline="0" dirty="0" err="1" smtClean="0"/>
+              <a:t>indel</a:t>
+            </a:r>
+            <a:r>
+              <a:rPr lang="en-US" baseline="0" dirty="0" smtClean="0"/>
+              <a:t> false-positive rates are reported in LCRs as 10-40% depending on the </a:t>
+            </a:r>
+            <a:r>
+              <a:rPr lang="en-US" baseline="0" dirty="0" err="1" smtClean="0"/>
+              <a:t>callset</a:t>
+            </a:r>
+            <a:r>
+              <a:rPr lang="en-US" baseline="0" dirty="0" smtClean="0"/>
+              <a:t>.  Outside LCRs, </a:t>
+            </a:r>
+            <a:r>
+              <a:rPr lang="en-US" baseline="0" dirty="0" err="1" smtClean="0"/>
+              <a:t>indel</a:t>
+            </a:r>
+            <a:r>
+              <a:rPr lang="en-US" baseline="0" dirty="0" smtClean="0"/>
+              <a:t> false positive rates range from 1-8%.  </a:t>
+            </a:r>
+          </a:p>
+          <a:p>
+            <a:endParaRPr lang="en-US" baseline="0" dirty="0" smtClean="0"/>
+          </a:p>
+          <a:p>
+            <a:r>
+              <a:rPr lang="en-US" baseline="0" dirty="0" smtClean="0"/>
+              <a:t>The noticeably smaller 3-way overlap in LCRs reconfirms that there’s a lot to be said for good local alignments around </a:t>
+            </a:r>
+            <a:r>
+              <a:rPr lang="en-US" baseline="0" dirty="0" err="1" smtClean="0"/>
+              <a:t>indels</a:t>
+            </a:r>
+            <a:r>
+              <a:rPr lang="en-US" baseline="0" dirty="0" smtClean="0"/>
+              <a:t>.  PCR error is ruled out as the primary cause due to the similar rates of LC filtering of 1bp </a:t>
+            </a:r>
+            <a:r>
+              <a:rPr lang="en-US" baseline="0" dirty="0" err="1" smtClean="0"/>
+              <a:t>indels</a:t>
+            </a:r>
+            <a:r>
+              <a:rPr lang="en-US" baseline="0" dirty="0" smtClean="0"/>
+              <a:t> seen in figure 1 between both data sets, even though the positive control was not prepped with PCR.  This leaves the mapping and alignment as a source.  For example…</a:t>
+            </a:r>
           </a:p>
         </p:txBody>
       </p:sp>
@@ -1045,7 +1129,7 @@
             <a:fld id="{F18F993B-D9A3-E546-AE3F-4D3986D8AE1D}" type="slidenum">
               <a:rPr lang="en-US" smtClean="0"/>
               <a:pPr/>
-              <a:t>13</a:t>
+              <a:t>11</a:t>
             </a:fld>
             <a:endParaRPr lang="en-US"/>
           </a:p>
@@ -1054,7 +1138,7 @@
     </p:spTree>
     <p:extLst>
       <p:ext uri="{BB962C8B-B14F-4D97-AF65-F5344CB8AC3E}">
-        <p14:creationId xmlns:p14="http://schemas.microsoft.com/office/powerpoint/2010/main" val="1642713006"/>
+        <p14:creationId xmlns:p14="http://schemas.microsoft.com/office/powerpoint/2010/main" val="2833296042"/>
       </p:ext>
     </p:extLst>
   </p:cSld>
@@ -1110,6 +1194,287 @@
           <a:p>
             <a:r>
               <a:rPr lang="en-US" dirty="0" smtClean="0"/>
+              <a:t>Most of you have probably stared at troublesome regions like this,</a:t>
+            </a:r>
+            <a:r>
+              <a:rPr lang="en-US" baseline="0" dirty="0" smtClean="0"/>
+              <a:t> although perhaps not with reads as short.  Local alignment cleared it up, but it demonstrates the large effect that bad mapping can have because it’s done independent of other reads.</a:t>
+            </a:r>
+          </a:p>
+        </p:txBody>
+      </p:sp>
+      <p:sp>
+        <p:nvSpPr>
+          <p:cNvPr id="4" name="Footer Placeholder 3"/>
+          <p:cNvSpPr>
+            <a:spLocks noGrp="1"/>
+          </p:cNvSpPr>
+          <p:nvPr>
+            <p:ph type="ftr" sz="quarter" idx="10"/>
+          </p:nvPr>
+        </p:nvSpPr>
+        <p:spPr/>
+        <p:txBody>
+          <a:bodyPr/>
+          <a:lstStyle/>
+          <a:p>
+            <a:r>
+              <a:rPr lang="en-US" smtClean="0"/>
+              <a:t>Thomas Sibley - 21 May 2014</a:t>
+            </a:r>
+            <a:endParaRPr lang="en-US"/>
+          </a:p>
+        </p:txBody>
+      </p:sp>
+      <p:sp>
+        <p:nvSpPr>
+          <p:cNvPr id="5" name="Slide Number Placeholder 4"/>
+          <p:cNvSpPr>
+            <a:spLocks noGrp="1"/>
+          </p:cNvSpPr>
+          <p:nvPr>
+            <p:ph type="sldNum" sz="quarter" idx="11"/>
+          </p:nvPr>
+        </p:nvSpPr>
+        <p:spPr/>
+        <p:txBody>
+          <a:bodyPr/>
+          <a:lstStyle/>
+          <a:p>
+            <a:fld id="{F18F993B-D9A3-E546-AE3F-4D3986D8AE1D}" type="slidenum">
+              <a:rPr lang="en-US" smtClean="0"/>
+              <a:pPr/>
+              <a:t>12</a:t>
+            </a:fld>
+            <a:endParaRPr lang="en-US"/>
+          </a:p>
+        </p:txBody>
+      </p:sp>
+    </p:spTree>
+    <p:extLst>
+      <p:ext uri="{BB962C8B-B14F-4D97-AF65-F5344CB8AC3E}">
+        <p14:creationId xmlns:p14="http://schemas.microsoft.com/office/powerpoint/2010/main" val="2045562291"/>
+      </p:ext>
+    </p:extLst>
+  </p:cSld>
+  <p:clrMapOvr>
+    <a:masterClrMapping/>
+  </p:clrMapOvr>
+</p:notes>
+</file>
+
+<file path=ppt/notesSlides/notesSlide13.xml><?xml version="1.0" encoding="utf-8"?>
+<p:notes xmlns:a="http://schemas.openxmlformats.org/drawingml/2006/main" xmlns:r="http://schemas.openxmlformats.org/officeDocument/2006/relationships" xmlns:p="http://schemas.openxmlformats.org/presentationml/2006/main">
+  <p:cSld>
+    <p:spTree>
+      <p:nvGrpSpPr>
+        <p:cNvPr id="1" name=""/>
+        <p:cNvGrpSpPr/>
+        <p:nvPr/>
+      </p:nvGrpSpPr>
+      <p:grpSpPr>
+        <a:xfrm>
+          <a:off x="0" y="0"/>
+          <a:ext cx="0" cy="0"/>
+          <a:chOff x="0" y="0"/>
+          <a:chExt cx="0" cy="0"/>
+        </a:xfrm>
+      </p:grpSpPr>
+      <p:sp>
+        <p:nvSpPr>
+          <p:cNvPr id="2" name="Slide Image Placeholder 1"/>
+          <p:cNvSpPr>
+            <a:spLocks noGrp="1" noRot="1" noChangeAspect="1"/>
+          </p:cNvSpPr>
+          <p:nvPr>
+            <p:ph type="sldImg"/>
+          </p:nvPr>
+        </p:nvSpPr>
+        <p:spPr/>
+      </p:sp>
+      <p:sp>
+        <p:nvSpPr>
+          <p:cNvPr id="3" name="Notes Placeholder 2"/>
+          <p:cNvSpPr>
+            <a:spLocks noGrp="1"/>
+          </p:cNvSpPr>
+          <p:nvPr>
+            <p:ph type="body" idx="1"/>
+          </p:nvPr>
+        </p:nvSpPr>
+        <p:spPr/>
+        <p:txBody>
+          <a:bodyPr/>
+          <a:lstStyle/>
+          <a:p>
+            <a:r>
+              <a:rPr lang="en-US" dirty="0" smtClean="0"/>
+              <a:t>These are</a:t>
+            </a:r>
+            <a:r>
+              <a:rPr lang="en-US" baseline="0" dirty="0" smtClean="0"/>
+              <a:t> similar to</a:t>
+            </a:r>
+            <a:r>
+              <a:rPr lang="en-US" dirty="0" smtClean="0"/>
+              <a:t> receiver operating</a:t>
+            </a:r>
+            <a:r>
+              <a:rPr lang="en-US" baseline="0" dirty="0" smtClean="0"/>
+              <a:t> characteristic (ROC) plots, which show the various filters (after LC filter) performing at various thresholds (each point) on the false positive vs. true positive axes.</a:t>
+            </a:r>
+          </a:p>
+          <a:p>
+            <a:endParaRPr lang="en-US" baseline="0" dirty="0" smtClean="0"/>
+          </a:p>
+          <a:p>
+            <a:r>
+              <a:rPr lang="en-US" baseline="0" dirty="0" smtClean="0"/>
+              <a:t>Steeper = better and </a:t>
+            </a:r>
+            <a:r>
+              <a:rPr lang="en-US" baseline="0" dirty="0" err="1" smtClean="0"/>
+              <a:t>lefter</a:t>
+            </a:r>
+            <a:r>
+              <a:rPr lang="en-US" baseline="0" dirty="0" smtClean="0"/>
+              <a:t> = better, so curves in the upper left of the plots are good thresholds to use.  In this case, the maximum depth filter is most effective, which they interpret filtering out erroneous calls from copy number variations.  Their data had an average depth of 50 and a threshold between d+3sqrt(d) and d+4sqrt(d).  </a:t>
+            </a:r>
+            <a:r>
+              <a:rPr lang="en-US" baseline="0" dirty="0" err="1" smtClean="0"/>
+              <a:t>bwa</a:t>
+            </a:r>
+            <a:r>
+              <a:rPr lang="en-US" baseline="0" dirty="0" smtClean="0"/>
+              <a:t> </a:t>
+            </a:r>
+            <a:r>
+              <a:rPr lang="en-US" baseline="0" dirty="0" err="1" smtClean="0"/>
+              <a:t>mem</a:t>
+            </a:r>
+            <a:r>
+              <a:rPr lang="en-US" baseline="0" dirty="0" smtClean="0"/>
+              <a:t> seems to perform the best.  It’s hard to know how this would fare on data without mostly uniform read depth.</a:t>
+            </a:r>
+          </a:p>
+          <a:p>
+            <a:endParaRPr lang="en-US" baseline="0" dirty="0" smtClean="0"/>
+          </a:p>
+          <a:p>
+            <a:r>
+              <a:rPr lang="en-US" baseline="0" dirty="0" smtClean="0"/>
+              <a:t>The other filters stand out less and don’t offer any obvious optimal thresholds.</a:t>
+            </a:r>
+            <a:endParaRPr lang="en-US" dirty="0"/>
+          </a:p>
+        </p:txBody>
+      </p:sp>
+      <p:sp>
+        <p:nvSpPr>
+          <p:cNvPr id="4" name="Footer Placeholder 3"/>
+          <p:cNvSpPr>
+            <a:spLocks noGrp="1"/>
+          </p:cNvSpPr>
+          <p:nvPr>
+            <p:ph type="ftr" sz="quarter" idx="10"/>
+          </p:nvPr>
+        </p:nvSpPr>
+        <p:spPr/>
+        <p:txBody>
+          <a:bodyPr/>
+          <a:lstStyle/>
+          <a:p>
+            <a:r>
+              <a:rPr lang="en-US" smtClean="0"/>
+              <a:t>Thomas Sibley - 21 May 2014</a:t>
+            </a:r>
+            <a:endParaRPr lang="en-US"/>
+          </a:p>
+        </p:txBody>
+      </p:sp>
+      <p:sp>
+        <p:nvSpPr>
+          <p:cNvPr id="5" name="Slide Number Placeholder 4"/>
+          <p:cNvSpPr>
+            <a:spLocks noGrp="1"/>
+          </p:cNvSpPr>
+          <p:nvPr>
+            <p:ph type="sldNum" sz="quarter" idx="11"/>
+          </p:nvPr>
+        </p:nvSpPr>
+        <p:spPr/>
+        <p:txBody>
+          <a:bodyPr/>
+          <a:lstStyle/>
+          <a:p>
+            <a:fld id="{F18F993B-D9A3-E546-AE3F-4D3986D8AE1D}" type="slidenum">
+              <a:rPr lang="en-US" smtClean="0"/>
+              <a:pPr/>
+              <a:t>13</a:t>
+            </a:fld>
+            <a:endParaRPr lang="en-US"/>
+          </a:p>
+        </p:txBody>
+      </p:sp>
+    </p:spTree>
+    <p:extLst>
+      <p:ext uri="{BB962C8B-B14F-4D97-AF65-F5344CB8AC3E}">
+        <p14:creationId xmlns:p14="http://schemas.microsoft.com/office/powerpoint/2010/main" val="1921683619"/>
+      </p:ext>
+    </p:extLst>
+  </p:cSld>
+  <p:clrMapOvr>
+    <a:masterClrMapping/>
+  </p:clrMapOvr>
+</p:notes>
+</file>
+
+<file path=ppt/notesSlides/notesSlide14.xml><?xml version="1.0" encoding="utf-8"?>
+<p:notes xmlns:a="http://schemas.openxmlformats.org/drawingml/2006/main" xmlns:r="http://schemas.openxmlformats.org/officeDocument/2006/relationships" xmlns:p="http://schemas.openxmlformats.org/presentationml/2006/main">
+  <p:cSld>
+    <p:spTree>
+      <p:nvGrpSpPr>
+        <p:cNvPr id="1" name=""/>
+        <p:cNvGrpSpPr/>
+        <p:nvPr/>
+      </p:nvGrpSpPr>
+      <p:grpSpPr>
+        <a:xfrm>
+          <a:off x="0" y="0"/>
+          <a:ext cx="0" cy="0"/>
+          <a:chOff x="0" y="0"/>
+          <a:chExt cx="0" cy="0"/>
+        </a:xfrm>
+      </p:grpSpPr>
+      <p:sp>
+        <p:nvSpPr>
+          <p:cNvPr id="2" name="Slide Image Placeholder 1"/>
+          <p:cNvSpPr>
+            <a:spLocks noGrp="1" noRot="1" noChangeAspect="1"/>
+          </p:cNvSpPr>
+          <p:nvPr>
+            <p:ph type="sldImg"/>
+          </p:nvPr>
+        </p:nvSpPr>
+        <p:spPr/>
+      </p:sp>
+      <p:sp>
+        <p:nvSpPr>
+          <p:cNvPr id="3" name="Notes Placeholder 2"/>
+          <p:cNvSpPr>
+            <a:spLocks noGrp="1"/>
+          </p:cNvSpPr>
+          <p:nvPr>
+            <p:ph type="body" idx="1"/>
+          </p:nvPr>
+        </p:nvSpPr>
+        <p:spPr/>
+        <p:txBody>
+          <a:bodyPr/>
+          <a:lstStyle/>
+          <a:p>
+            <a:r>
+              <a:rPr lang="en-US" dirty="0" smtClean="0"/>
               <a:t>The raw call sets suggests a</a:t>
             </a:r>
             <a:r>
@@ -1139,8 +1504,13 @@
           <a:p>
             <a:r>
               <a:rPr lang="en-US" baseline="0" dirty="0" smtClean="0"/>
-              <a:t>The methods Li uses in this paper are intriguing, and I was hoping for results that would help inform our look at variants in HIV.  Unfortunately the results mostly support what we already know or suspect, and they don’t contain much in the way of concretely usable findings, at least for us. Part of this is that some techniques are based on the well-studied human genome datasets used and aren’t applicable to viral sequencing.</a:t>
-            </a:r>
+              <a:t>The methods Li uses in this paper are intriguing, and I was hoping for results that would help inform our look at variants in HIV.  Unfortunately the results mostly support what we already know or suspect, and they don’t contain much in the way of concretely usable findings, at least for us. Part of this is that some techniques are based on the well-studied human genome datasets used and aren’t applicable to all viral sequencing.</a:t>
+            </a:r>
+          </a:p>
+          <a:p>
+            <a:endParaRPr lang="en-US" baseline="0" dirty="0" smtClean="0"/>
+          </a:p>
+          <a:p>
             <a:endParaRPr lang="en-US" baseline="0" dirty="0" smtClean="0"/>
           </a:p>
         </p:txBody>
@@ -1196,6 +1566,122 @@
     <p:extLst>
       <p:ext uri="{BB962C8B-B14F-4D97-AF65-F5344CB8AC3E}">
         <p14:creationId xmlns:p14="http://schemas.microsoft.com/office/powerpoint/2010/main" val="391091480"/>
+      </p:ext>
+    </p:extLst>
+  </p:cSld>
+  <p:clrMapOvr>
+    <a:masterClrMapping/>
+  </p:clrMapOvr>
+</p:notes>
+</file>
+
+<file path=ppt/notesSlides/notesSlide15.xml><?xml version="1.0" encoding="utf-8"?>
+<p:notes xmlns:a="http://schemas.openxmlformats.org/drawingml/2006/main" xmlns:r="http://schemas.openxmlformats.org/officeDocument/2006/relationships" xmlns:p="http://schemas.openxmlformats.org/presentationml/2006/main">
+  <p:cSld>
+    <p:spTree>
+      <p:nvGrpSpPr>
+        <p:cNvPr id="1" name=""/>
+        <p:cNvGrpSpPr/>
+        <p:nvPr/>
+      </p:nvGrpSpPr>
+      <p:grpSpPr>
+        <a:xfrm>
+          <a:off x="0" y="0"/>
+          <a:ext cx="0" cy="0"/>
+          <a:chOff x="0" y="0"/>
+          <a:chExt cx="0" cy="0"/>
+        </a:xfrm>
+      </p:grpSpPr>
+      <p:sp>
+        <p:nvSpPr>
+          <p:cNvPr id="2" name="Slide Image Placeholder 1"/>
+          <p:cNvSpPr>
+            <a:spLocks noGrp="1" noRot="1" noChangeAspect="1"/>
+          </p:cNvSpPr>
+          <p:nvPr>
+            <p:ph type="sldImg"/>
+          </p:nvPr>
+        </p:nvSpPr>
+        <p:spPr/>
+      </p:sp>
+      <p:sp>
+        <p:nvSpPr>
+          <p:cNvPr id="3" name="Notes Placeholder 2"/>
+          <p:cNvSpPr>
+            <a:spLocks noGrp="1"/>
+          </p:cNvSpPr>
+          <p:nvPr>
+            <p:ph type="body" idx="1"/>
+          </p:nvPr>
+        </p:nvSpPr>
+        <p:spPr/>
+        <p:txBody>
+          <a:bodyPr/>
+          <a:lstStyle/>
+          <a:p>
+            <a:r>
+              <a:rPr lang="en-US" dirty="0" smtClean="0"/>
+              <a:t>Finally, the</a:t>
+            </a:r>
+            <a:r>
+              <a:rPr lang="en-US" baseline="0" dirty="0" smtClean="0"/>
+              <a:t> paper also considered the effects of the reference genome, in this case the </a:t>
+            </a:r>
+            <a:endParaRPr lang="en-US" dirty="0"/>
+          </a:p>
+        </p:txBody>
+      </p:sp>
+      <p:sp>
+        <p:nvSpPr>
+          <p:cNvPr id="4" name="Footer Placeholder 3"/>
+          <p:cNvSpPr>
+            <a:spLocks noGrp="1"/>
+          </p:cNvSpPr>
+          <p:nvPr>
+            <p:ph type="ftr" sz="quarter" idx="10"/>
+          </p:nvPr>
+        </p:nvSpPr>
+        <p:spPr/>
+        <p:txBody>
+          <a:bodyPr/>
+          <a:lstStyle/>
+          <a:p>
+            <a:r>
+              <a:rPr lang="en-US" smtClean="0"/>
+              <a:t>Thomas Sibley - 21 May 2014</a:t>
+            </a:r>
+            <a:endParaRPr lang="en-US"/>
+          </a:p>
+        </p:txBody>
+      </p:sp>
+      <p:sp>
+        <p:nvSpPr>
+          <p:cNvPr id="5" name="Slide Number Placeholder 4"/>
+          <p:cNvSpPr>
+            <a:spLocks noGrp="1"/>
+          </p:cNvSpPr>
+          <p:nvPr>
+            <p:ph type="sldNum" sz="quarter" idx="11"/>
+          </p:nvPr>
+        </p:nvSpPr>
+        <p:spPr/>
+        <p:txBody>
+          <a:bodyPr/>
+          <a:lstStyle/>
+          <a:p>
+            <a:fld id="{F18F993B-D9A3-E546-AE3F-4D3986D8AE1D}" type="slidenum">
+              <a:rPr lang="en-US" smtClean="0"/>
+              <a:pPr/>
+              <a:t>16</a:t>
+            </a:fld>
+            <a:endParaRPr lang="en-US"/>
+          </a:p>
+        </p:txBody>
+      </p:sp>
+    </p:spTree>
+    <p:extLst>
+      <p:ext uri="{BB962C8B-B14F-4D97-AF65-F5344CB8AC3E}">
+        <p14:creationId xmlns:p14="http://schemas.microsoft.com/office/powerpoint/2010/main" val="1642713006"/>
       </p:ext>
     </p:extLst>
   </p:cSld>
@@ -2194,7 +2680,15 @@
             </a:r>
             <a:r>
               <a:rPr lang="en-US" baseline="0" dirty="0" smtClean="0"/>
-              <a:t> grouped by caller.  Note that y axes are in thousands except the lower left, which is in millions, and the scales are different.</a:t>
+              <a:t> grouped by caller.  Note that y axes are in thousands except the lower left, which is in millions, and the scales are different.  Note lots of 1bp </a:t>
+            </a:r>
+            <a:r>
+              <a:rPr lang="en-US" baseline="0" dirty="0" err="1" smtClean="0"/>
+              <a:t>indels</a:t>
+            </a:r>
+            <a:r>
+              <a:rPr lang="en-US" baseline="0" dirty="0" smtClean="0"/>
+              <a:t> filtered by LC, in both data sets, which implies it’s not just PCR error.</a:t>
             </a:r>
           </a:p>
           <a:p>
@@ -5489,9 +5983,82 @@
           </a:p>
         </p:txBody>
       </p:sp>
+      <p:sp>
+        <p:nvSpPr>
+          <p:cNvPr id="8" name="TextBox 7"/>
+          <p:cNvSpPr txBox="1"/>
+          <p:nvPr/>
+        </p:nvSpPr>
+        <p:spPr>
+          <a:xfrm>
+            <a:off x="162429" y="3729133"/>
+            <a:ext cx="8989855" cy="2677656"/>
+          </a:xfrm>
+          <a:prstGeom prst="rect">
+            <a:avLst/>
+          </a:prstGeom>
+          <a:noFill/>
+        </p:spPr>
+        <p:txBody>
+          <a:bodyPr wrap="square" rtlCol="0">
+            <a:spAutoFit/>
+          </a:bodyPr>
+          <a:lstStyle/>
+          <a:p>
+            <a:r>
+              <a:rPr lang="en-US" sz="2800" dirty="0" smtClean="0"/>
+              <a:t>Sources of heterozygotes:</a:t>
+            </a:r>
+          </a:p>
+          <a:p>
+            <a:endParaRPr lang="en-US" sz="2800" dirty="0" smtClean="0"/>
+          </a:p>
+          <a:p>
+            <a:pPr marL="514350" indent="-514350">
+              <a:buFont typeface="+mj-lt"/>
+              <a:buAutoNum type="arabicPeriod"/>
+            </a:pPr>
+            <a:r>
+              <a:rPr lang="en-US" sz="2800" dirty="0" smtClean="0"/>
+              <a:t>not truly haploid</a:t>
+            </a:r>
+          </a:p>
+          <a:p>
+            <a:pPr marL="514350" indent="-514350">
+              <a:buFont typeface="+mj-lt"/>
+              <a:buAutoNum type="arabicPeriod"/>
+            </a:pPr>
+            <a:r>
+              <a:rPr lang="en-US" sz="2800" dirty="0" smtClean="0"/>
+              <a:t>somatic mutations</a:t>
+            </a:r>
+          </a:p>
+          <a:p>
+            <a:pPr marL="514350" indent="-514350">
+              <a:buFont typeface="+mj-lt"/>
+              <a:buAutoNum type="arabicPeriod"/>
+            </a:pPr>
+            <a:r>
+              <a:rPr lang="en-US" sz="2800" dirty="0" smtClean="0"/>
+              <a:t>library construction (i.e. PCR) and/or sequencing errors</a:t>
+            </a:r>
+          </a:p>
+          <a:p>
+            <a:pPr marL="514350" indent="-514350">
+              <a:buFont typeface="+mj-lt"/>
+              <a:buAutoNum type="arabicPeriod"/>
+            </a:pPr>
+            <a:r>
+              <a:rPr lang="en-US" sz="2800" dirty="0" smtClean="0"/>
+              <a:t>mapping and/or variant calling flaws</a:t>
+            </a:r>
+            <a:endParaRPr lang="en-US" sz="2800" dirty="0"/>
+          </a:p>
+        </p:txBody>
+      </p:sp>
       <p:pic>
         <p:nvPicPr>
-          <p:cNvPr id="5" name="Picture 4" descr="figure-2-3.png"/>
+          <p:cNvPr id="9" name="Picture 8" descr="figure-2.png"/>
           <p:cNvPicPr>
             <a:picLocks noChangeAspect="1"/>
           </p:cNvPicPr>
@@ -5511,177 +6078,14 @@
         </p:blipFill>
         <p:spPr>
           <a:xfrm>
-            <a:off x="-1" y="349823"/>
-            <a:ext cx="9152285" cy="4533849"/>
+            <a:off x="1041649" y="0"/>
+            <a:ext cx="7104992" cy="3545906"/>
           </a:xfrm>
           <a:prstGeom prst="rect">
             <a:avLst/>
           </a:prstGeom>
         </p:spPr>
       </p:pic>
-      <p:sp>
-        <p:nvSpPr>
-          <p:cNvPr id="6" name="Rectangle 5"/>
-          <p:cNvSpPr/>
-          <p:nvPr/>
-        </p:nvSpPr>
-        <p:spPr>
-          <a:xfrm>
-            <a:off x="0" y="2599210"/>
-            <a:ext cx="4562772" cy="2791197"/>
-          </a:xfrm>
-          <a:prstGeom prst="rect">
-            <a:avLst/>
-          </a:prstGeom>
-          <a:solidFill>
-            <a:schemeClr val="bg1"/>
-          </a:solidFill>
-          <a:ln>
-            <a:noFill/>
-          </a:ln>
-          <a:effectLst/>
-        </p:spPr>
-        <p:style>
-          <a:lnRef idx="1">
-            <a:schemeClr val="accent1"/>
-          </a:lnRef>
-          <a:fillRef idx="3">
-            <a:schemeClr val="accent1"/>
-          </a:fillRef>
-          <a:effectRef idx="2">
-            <a:schemeClr val="accent1"/>
-          </a:effectRef>
-          <a:fontRef idx="minor">
-            <a:schemeClr val="lt1"/>
-          </a:fontRef>
-        </p:style>
-        <p:txBody>
-          <a:bodyPr rtlCol="0" anchor="ctr"/>
-          <a:lstStyle/>
-          <a:p>
-            <a:pPr algn="ctr"/>
-            <a:endParaRPr lang="en-US"/>
-          </a:p>
-        </p:txBody>
-      </p:sp>
-      <p:sp>
-        <p:nvSpPr>
-          <p:cNvPr id="7" name="Rectangle 6"/>
-          <p:cNvSpPr/>
-          <p:nvPr/>
-        </p:nvSpPr>
-        <p:spPr>
-          <a:xfrm>
-            <a:off x="3706327" y="2436655"/>
-            <a:ext cx="1447095" cy="236397"/>
-          </a:xfrm>
-          <a:prstGeom prst="rect">
-            <a:avLst/>
-          </a:prstGeom>
-          <a:solidFill>
-            <a:schemeClr val="bg1"/>
-          </a:solidFill>
-          <a:ln>
-            <a:noFill/>
-          </a:ln>
-          <a:effectLst/>
-        </p:spPr>
-        <p:style>
-          <a:lnRef idx="1">
-            <a:schemeClr val="accent1"/>
-          </a:lnRef>
-          <a:fillRef idx="3">
-            <a:schemeClr val="accent1"/>
-          </a:fillRef>
-          <a:effectRef idx="2">
-            <a:schemeClr val="accent1"/>
-          </a:effectRef>
-          <a:fontRef idx="minor">
-            <a:schemeClr val="lt1"/>
-          </a:fontRef>
-        </p:style>
-        <p:txBody>
-          <a:bodyPr rtlCol="0" anchor="ctr"/>
-          <a:lstStyle/>
-          <a:p>
-            <a:pPr algn="ctr"/>
-            <a:endParaRPr lang="en-US"/>
-          </a:p>
-        </p:txBody>
-      </p:sp>
-      <p:sp>
-        <p:nvSpPr>
-          <p:cNvPr id="8" name="TextBox 7"/>
-          <p:cNvSpPr txBox="1"/>
-          <p:nvPr/>
-        </p:nvSpPr>
-        <p:spPr>
-          <a:xfrm>
-            <a:off x="162429" y="3545906"/>
-            <a:ext cx="8989855" cy="2677656"/>
-          </a:xfrm>
-          <a:prstGeom prst="rect">
-            <a:avLst/>
-          </a:prstGeom>
-          <a:noFill/>
-        </p:spPr>
-        <p:txBody>
-          <a:bodyPr wrap="square" rtlCol="0">
-            <a:spAutoFit/>
-          </a:bodyPr>
-          <a:lstStyle/>
-          <a:p>
-            <a:r>
-              <a:rPr lang="en-US" sz="2800" dirty="0" smtClean="0"/>
-              <a:t>Sources of heterozygotes:</a:t>
-            </a:r>
-          </a:p>
-          <a:p>
-            <a:endParaRPr lang="en-US" sz="2800" dirty="0" smtClean="0"/>
-          </a:p>
-          <a:p>
-            <a:pPr marL="514350" indent="-514350">
-              <a:buFont typeface="+mj-lt"/>
-              <a:buAutoNum type="arabicPeriod"/>
-            </a:pPr>
-            <a:r>
-              <a:rPr lang="en-US" sz="2800" dirty="0" smtClean="0"/>
-              <a:t>not truly haploid</a:t>
-            </a:r>
-          </a:p>
-          <a:p>
-            <a:pPr marL="514350" indent="-514350">
-              <a:buFont typeface="+mj-lt"/>
-              <a:buAutoNum type="arabicPeriod"/>
-            </a:pPr>
-            <a:r>
-              <a:rPr lang="en-US" sz="2800" dirty="0" smtClean="0"/>
-              <a:t>somatic mutations</a:t>
-            </a:r>
-          </a:p>
-          <a:p>
-            <a:pPr marL="514350" indent="-514350">
-              <a:buFont typeface="+mj-lt"/>
-              <a:buAutoNum type="arabicPeriod"/>
-            </a:pPr>
-            <a:r>
-              <a:rPr lang="en-US" sz="2800" dirty="0" smtClean="0"/>
-              <a:t>library construction (i.e. PCR) and/or sequencing errors</a:t>
-            </a:r>
-          </a:p>
-          <a:p>
-            <a:pPr marL="514350" indent="-514350">
-              <a:buFont typeface="+mj-lt"/>
-              <a:buAutoNum type="arabicPeriod"/>
-            </a:pPr>
-            <a:r>
-              <a:rPr lang="en-US" sz="2800" dirty="0" smtClean="0"/>
-              <a:t>mapping and/or variant calling flaws</a:t>
-            </a:r>
-            <a:endParaRPr lang="en-US" sz="2800" dirty="0"/>
-          </a:p>
-        </p:txBody>
-      </p:sp>
     </p:spTree>
     <p:extLst>
       <p:ext uri="{BB962C8B-B14F-4D97-AF65-F5344CB8AC3E}">
@@ -5738,6 +6142,90 @@
       </p:sp>
       <p:pic>
         <p:nvPicPr>
+          <p:cNvPr id="3" name="Picture 2" descr="figure-3.png"/>
+          <p:cNvPicPr>
+            <a:picLocks noChangeAspect="1"/>
+          </p:cNvPicPr>
+          <p:nvPr/>
+        </p:nvPicPr>
+        <p:blipFill>
+          <a:blip r:embed="rId3">
+            <a:extLst>
+              <a:ext uri="{28A0092B-C50C-407E-A947-70E740481C1C}">
+                <a14:useLocalDpi xmlns:a14="http://schemas.microsoft.com/office/drawing/2010/main" val="0"/>
+              </a:ext>
+            </a:extLst>
+          </a:blip>
+          <a:stretch>
+            <a:fillRect/>
+          </a:stretch>
+        </p:blipFill>
+        <p:spPr>
+          <a:xfrm>
+            <a:off x="1198723" y="-1"/>
+            <a:ext cx="6746555" cy="6721477"/>
+          </a:xfrm>
+          <a:prstGeom prst="rect">
+            <a:avLst/>
+          </a:prstGeom>
+        </p:spPr>
+      </p:pic>
+    </p:spTree>
+    <p:extLst>
+      <p:ext uri="{BB962C8B-B14F-4D97-AF65-F5344CB8AC3E}">
+        <p14:creationId xmlns:p14="http://schemas.microsoft.com/office/powerpoint/2010/main" val="260727557"/>
+      </p:ext>
+    </p:extLst>
+  </p:cSld>
+  <p:clrMapOvr>
+    <a:masterClrMapping/>
+  </p:clrMapOvr>
+</p:sld>
+</file>
+
+<file path=ppt/slides/slide12.xml><?xml version="1.0" encoding="utf-8"?>
+<p:sld xmlns:a="http://schemas.openxmlformats.org/drawingml/2006/main" xmlns:r="http://schemas.openxmlformats.org/officeDocument/2006/relationships" xmlns:p="http://schemas.openxmlformats.org/presentationml/2006/main">
+  <p:cSld>
+    <p:spTree>
+      <p:nvGrpSpPr>
+        <p:cNvPr id="1" name=""/>
+        <p:cNvGrpSpPr/>
+        <p:nvPr/>
+      </p:nvGrpSpPr>
+      <p:grpSpPr>
+        <a:xfrm>
+          <a:off x="0" y="0"/>
+          <a:ext cx="0" cy="0"/>
+          <a:chOff x="0" y="0"/>
+          <a:chExt cx="0" cy="0"/>
+        </a:xfrm>
+      </p:grpSpPr>
+      <p:sp>
+        <p:nvSpPr>
+          <p:cNvPr id="2" name="Slide Number Placeholder 1"/>
+          <p:cNvSpPr>
+            <a:spLocks noGrp="1"/>
+          </p:cNvSpPr>
+          <p:nvPr>
+            <p:ph type="sldNum" sz="quarter" idx="12"/>
+          </p:nvPr>
+        </p:nvSpPr>
+        <p:spPr/>
+        <p:txBody>
+          <a:bodyPr/>
+          <a:lstStyle/>
+          <a:p>
+            <a:fld id="{0A1B865D-3DF9-0645-8011-9936F226B8ED}" type="slidenum">
+              <a:rPr lang="en-US" smtClean="0"/>
+              <a:pPr/>
+              <a:t>12</a:t>
+            </a:fld>
+            <a:endParaRPr lang="en-US"/>
+          </a:p>
+        </p:txBody>
+      </p:sp>
+      <p:pic>
+        <p:nvPicPr>
           <p:cNvPr id="3" name="Picture 2" descr="figure-4.png"/>
           <p:cNvPicPr>
             <a:picLocks noChangeAspect="1"/>
@@ -5745,7 +6233,7 @@
           <p:nvPr/>
         </p:nvPicPr>
         <p:blipFill>
-          <a:blip r:embed="rId2">
+          <a:blip r:embed="rId3">
             <a:extLst>
               <a:ext uri="{28A0092B-C50C-407E-A947-70E740481C1C}">
                 <a14:useLocalDpi xmlns:a14="http://schemas.microsoft.com/office/drawing/2010/main" val="0"/>
@@ -5779,7 +6267,7 @@
 </p:sld>
 </file>
 
-<file path=ppt/slides/slide12.xml><?xml version="1.0" encoding="utf-8"?>
+<file path=ppt/slides/slide13.xml><?xml version="1.0" encoding="utf-8"?>
 <p:sld xmlns:a="http://schemas.openxmlformats.org/drawingml/2006/main" xmlns:r="http://schemas.openxmlformats.org/officeDocument/2006/relationships" xmlns:p="http://schemas.openxmlformats.org/presentationml/2006/main">
   <p:cSld>
     <p:spTree>
@@ -5814,7 +6302,7 @@
             <a:fld id="{0A1B865D-3DF9-0645-8011-9936F226B8ED}" type="slidenum">
               <a:rPr lang="en-US" smtClean="0"/>
               <a:pPr/>
-              <a:t>12</a:t>
+              <a:t>13</a:t>
             </a:fld>
             <a:endParaRPr lang="en-US"/>
           </a:p>
@@ -5829,7 +6317,7 @@
           <p:nvPr/>
         </p:nvPicPr>
         <p:blipFill rotWithShape="1">
-          <a:blip r:embed="rId2">
+          <a:blip r:embed="rId3">
             <a:extLst>
               <a:ext uri="{28A0092B-C50C-407E-A947-70E740481C1C}">
                 <a14:useLocalDpi xmlns:a14="http://schemas.microsoft.com/office/drawing/2010/main" val="0"/>
@@ -5862,7 +6350,7 @@
 </p:sld>
 </file>
 
-<file path=ppt/slides/slide13.xml><?xml version="1.0" encoding="utf-8"?>
+<file path=ppt/slides/slide14.xml><?xml version="1.0" encoding="utf-8"?>
 <p:sld xmlns:a="http://schemas.openxmlformats.org/drawingml/2006/main" xmlns:r="http://schemas.openxmlformats.org/officeDocument/2006/relationships" xmlns:p="http://schemas.openxmlformats.org/presentationml/2006/main">
   <p:cSld>
     <p:spTree>
@@ -5881,6 +6369,119 @@
       </p:grpSpPr>
       <p:sp>
         <p:nvSpPr>
+          <p:cNvPr id="4" name="Title 3"/>
+          <p:cNvSpPr>
+            <a:spLocks noGrp="1"/>
+          </p:cNvSpPr>
+          <p:nvPr>
+            <p:ph type="title"/>
+          </p:nvPr>
+        </p:nvSpPr>
+        <p:spPr/>
+        <p:txBody>
+          <a:bodyPr/>
+          <a:lstStyle/>
+          <a:p>
+            <a:r>
+              <a:rPr lang="en-US" dirty="0" smtClean="0"/>
+              <a:t>Conclusions and Questions</a:t>
+            </a:r>
+            <a:endParaRPr lang="en-US" dirty="0"/>
+          </a:p>
+        </p:txBody>
+      </p:sp>
+      <p:sp>
+        <p:nvSpPr>
+          <p:cNvPr id="5" name="Content Placeholder 4"/>
+          <p:cNvSpPr>
+            <a:spLocks noGrp="1"/>
+          </p:cNvSpPr>
+          <p:nvPr>
+            <p:ph idx="1"/>
+          </p:nvPr>
+        </p:nvSpPr>
+        <p:spPr>
+          <a:xfrm>
+            <a:off x="457200" y="1600200"/>
+            <a:ext cx="8686800" cy="5001202"/>
+          </a:xfrm>
+        </p:spPr>
+        <p:txBody>
+          <a:bodyPr>
+            <a:normAutofit fontScale="92500" lnSpcReduction="10000"/>
+          </a:bodyPr>
+          <a:lstStyle/>
+          <a:p>
+            <a:r>
+              <a:rPr lang="en-US" dirty="0" smtClean="0"/>
+              <a:t>Raw: 1 error per 10-15kb</a:t>
+            </a:r>
+          </a:p>
+          <a:p>
+            <a:r>
+              <a:rPr lang="en-US" dirty="0" smtClean="0"/>
+              <a:t>Filtered: 1 error per 100-200kb</a:t>
+            </a:r>
+          </a:p>
+          <a:p>
+            <a:r>
+              <a:rPr lang="en-US" dirty="0" smtClean="0"/>
+              <a:t>Low-complexity filter is best against false pos.</a:t>
+            </a:r>
+          </a:p>
+          <a:p>
+            <a:r>
+              <a:rPr lang="en-US" dirty="0" smtClean="0"/>
+              <a:t>Use intersection of two pipelines + filter</a:t>
+            </a:r>
+          </a:p>
+          <a:p>
+            <a:r>
+              <a:rPr lang="en-US" dirty="0" smtClean="0"/>
+              <a:t>Mapping is the method </a:t>
+            </a:r>
+            <a:r>
+              <a:rPr lang="en-US" i="1" dirty="0" smtClean="0"/>
+              <a:t>du jour</a:t>
+            </a:r>
+            <a:r>
+              <a:rPr lang="en-US" dirty="0" smtClean="0"/>
+              <a:t>, but </a:t>
+            </a:r>
+            <a:r>
+              <a:rPr lang="en-US" i="1" dirty="0" smtClean="0"/>
+              <a:t>de novo </a:t>
+            </a:r>
+            <a:r>
+              <a:rPr lang="en-US" dirty="0" smtClean="0"/>
+              <a:t>assembly may be better again in the future</a:t>
+            </a:r>
+          </a:p>
+          <a:p>
+            <a:endParaRPr lang="en-US" dirty="0"/>
+          </a:p>
+          <a:p>
+            <a:endParaRPr lang="en-US" dirty="0" smtClean="0"/>
+          </a:p>
+          <a:p>
+            <a:r>
+              <a:rPr lang="en-US" dirty="0" smtClean="0"/>
+              <a:t>Is CHM1 actually haploid?</a:t>
+            </a:r>
+          </a:p>
+          <a:p>
+            <a:r>
+              <a:rPr lang="en-US" dirty="0" smtClean="0"/>
+              <a:t>How much manual checking of data was done?</a:t>
+            </a:r>
+          </a:p>
+          <a:p>
+            <a:endParaRPr lang="en-US" dirty="0"/>
+          </a:p>
+        </p:txBody>
+      </p:sp>
+      <p:sp>
+        <p:nvSpPr>
           <p:cNvPr id="2" name="Slide Number Placeholder 1"/>
           <p:cNvSpPr>
             <a:spLocks noGrp="1"/>
@@ -5897,7 +6498,157 @@
             <a:fld id="{0A1B865D-3DF9-0645-8011-9936F226B8ED}" type="slidenum">
               <a:rPr lang="en-US" smtClean="0"/>
               <a:pPr/>
-              <a:t>13</a:t>
+              <a:t>14</a:t>
+            </a:fld>
+            <a:endParaRPr lang="en-US"/>
+          </a:p>
+        </p:txBody>
+      </p:sp>
+    </p:spTree>
+    <p:extLst>
+      <p:ext uri="{BB962C8B-B14F-4D97-AF65-F5344CB8AC3E}">
+        <p14:creationId xmlns:p14="http://schemas.microsoft.com/office/powerpoint/2010/main" val="1626975789"/>
+      </p:ext>
+    </p:extLst>
+  </p:cSld>
+  <p:clrMapOvr>
+    <a:masterClrMapping/>
+  </p:clrMapOvr>
+</p:sld>
+</file>
+
+<file path=ppt/slides/slide15.xml><?xml version="1.0" encoding="utf-8"?>
+<p:sld xmlns:a="http://schemas.openxmlformats.org/drawingml/2006/main" xmlns:r="http://schemas.openxmlformats.org/officeDocument/2006/relationships" xmlns:p="http://schemas.openxmlformats.org/presentationml/2006/main">
+  <p:cSld>
+    <p:spTree>
+      <p:nvGrpSpPr>
+        <p:cNvPr id="1" name=""/>
+        <p:cNvGrpSpPr/>
+        <p:nvPr/>
+      </p:nvGrpSpPr>
+      <p:grpSpPr>
+        <a:xfrm>
+          <a:off x="0" y="0"/>
+          <a:ext cx="0" cy="0"/>
+          <a:chOff x="0" y="0"/>
+          <a:chExt cx="0" cy="0"/>
+        </a:xfrm>
+      </p:grpSpPr>
+      <p:sp>
+        <p:nvSpPr>
+          <p:cNvPr id="6" name="Title 5"/>
+          <p:cNvSpPr>
+            <a:spLocks noGrp="1"/>
+          </p:cNvSpPr>
+          <p:nvPr>
+            <p:ph type="ctrTitle"/>
+          </p:nvPr>
+        </p:nvSpPr>
+        <p:spPr/>
+        <p:txBody>
+          <a:bodyPr/>
+          <a:lstStyle/>
+          <a:p>
+            <a:r>
+              <a:rPr lang="en-US" dirty="0" smtClean="0"/>
+              <a:t>Thanks!</a:t>
+            </a:r>
+            <a:endParaRPr lang="en-US" dirty="0"/>
+          </a:p>
+        </p:txBody>
+      </p:sp>
+      <p:sp>
+        <p:nvSpPr>
+          <p:cNvPr id="7" name="Subtitle 6"/>
+          <p:cNvSpPr>
+            <a:spLocks noGrp="1"/>
+          </p:cNvSpPr>
+          <p:nvPr>
+            <p:ph type="subTitle" idx="1"/>
+          </p:nvPr>
+        </p:nvSpPr>
+        <p:spPr/>
+        <p:txBody>
+          <a:bodyPr/>
+          <a:lstStyle/>
+          <a:p>
+            <a:endParaRPr lang="en-US"/>
+          </a:p>
+        </p:txBody>
+      </p:sp>
+      <p:sp>
+        <p:nvSpPr>
+          <p:cNvPr id="4" name="Slide Number Placeholder 3"/>
+          <p:cNvSpPr>
+            <a:spLocks noGrp="1"/>
+          </p:cNvSpPr>
+          <p:nvPr>
+            <p:ph type="sldNum" sz="quarter" idx="12"/>
+          </p:nvPr>
+        </p:nvSpPr>
+        <p:spPr/>
+        <p:txBody>
+          <a:bodyPr/>
+          <a:lstStyle/>
+          <a:p>
+            <a:fld id="{0A1B865D-3DF9-0645-8011-9936F226B8ED}" type="slidenum">
+              <a:rPr lang="en-US" smtClean="0"/>
+              <a:pPr/>
+              <a:t>15</a:t>
+            </a:fld>
+            <a:endParaRPr lang="en-US"/>
+          </a:p>
+        </p:txBody>
+      </p:sp>
+    </p:spTree>
+    <p:extLst>
+      <p:ext uri="{BB962C8B-B14F-4D97-AF65-F5344CB8AC3E}">
+        <p14:creationId xmlns:p14="http://schemas.microsoft.com/office/powerpoint/2010/main" val="1200088884"/>
+      </p:ext>
+    </p:extLst>
+  </p:cSld>
+  <p:clrMapOvr>
+    <a:masterClrMapping/>
+  </p:clrMapOvr>
+</p:sld>
+</file>
+
+<file path=ppt/slides/slide16.xml><?xml version="1.0" encoding="utf-8"?>
+<p:sld xmlns:a="http://schemas.openxmlformats.org/drawingml/2006/main" xmlns:r="http://schemas.openxmlformats.org/officeDocument/2006/relationships" xmlns:p="http://schemas.openxmlformats.org/presentationml/2006/main">
+  <p:cSld>
+    <p:spTree>
+      <p:nvGrpSpPr>
+        <p:cNvPr id="1" name=""/>
+        <p:cNvGrpSpPr/>
+        <p:nvPr/>
+      </p:nvGrpSpPr>
+      <p:grpSpPr>
+        <a:xfrm>
+          <a:off x="0" y="0"/>
+          <a:ext cx="0" cy="0"/>
+          <a:chOff x="0" y="0"/>
+          <a:chExt cx="0" cy="0"/>
+        </a:xfrm>
+      </p:grpSpPr>
+      <p:sp>
+        <p:nvSpPr>
+          <p:cNvPr id="2" name="Slide Number Placeholder 1"/>
+          <p:cNvSpPr>
+            <a:spLocks noGrp="1"/>
+          </p:cNvSpPr>
+          <p:nvPr>
+            <p:ph type="sldNum" sz="quarter" idx="12"/>
+          </p:nvPr>
+        </p:nvSpPr>
+        <p:spPr/>
+        <p:txBody>
+          <a:bodyPr/>
+          <a:lstStyle/>
+          <a:p>
+            <a:fld id="{0A1B865D-3DF9-0645-8011-9936F226B8ED}" type="slidenum">
+              <a:rPr lang="en-US" smtClean="0"/>
+              <a:pPr/>
+              <a:t>16</a:t>
             </a:fld>
             <a:endParaRPr lang="en-US"/>
           </a:p>
@@ -5936,140 +6687,6 @@
     <p:extLst>
       <p:ext uri="{BB962C8B-B14F-4D97-AF65-F5344CB8AC3E}">
         <p14:creationId xmlns:p14="http://schemas.microsoft.com/office/powerpoint/2010/main" val="2246954750"/>
-      </p:ext>
-    </p:extLst>
-  </p:cSld>
-  <p:clrMapOvr>
-    <a:masterClrMapping/>
-  </p:clrMapOvr>
-</p:sld>
-</file>
-
-<file path=ppt/slides/slide14.xml><?xml version="1.0" encoding="utf-8"?>
-<p:sld xmlns:a="http://schemas.openxmlformats.org/drawingml/2006/main" xmlns:r="http://schemas.openxmlformats.org/officeDocument/2006/relationships" xmlns:p="http://schemas.openxmlformats.org/presentationml/2006/main">
-  <p:cSld>
-    <p:spTree>
-      <p:nvGrpSpPr>
-        <p:cNvPr id="1" name=""/>
-        <p:cNvGrpSpPr/>
-        <p:nvPr/>
-      </p:nvGrpSpPr>
-      <p:grpSpPr>
-        <a:xfrm>
-          <a:off x="0" y="0"/>
-          <a:ext cx="0" cy="0"/>
-          <a:chOff x="0" y="0"/>
-          <a:chExt cx="0" cy="0"/>
-        </a:xfrm>
-      </p:grpSpPr>
-      <p:sp>
-        <p:nvSpPr>
-          <p:cNvPr id="4" name="Title 3"/>
-          <p:cNvSpPr>
-            <a:spLocks noGrp="1"/>
-          </p:cNvSpPr>
-          <p:nvPr>
-            <p:ph type="title"/>
-          </p:nvPr>
-        </p:nvSpPr>
-        <p:spPr/>
-        <p:txBody>
-          <a:bodyPr/>
-          <a:lstStyle/>
-          <a:p>
-            <a:r>
-              <a:rPr lang="en-US" dirty="0" smtClean="0"/>
-              <a:t>Conclusions and Questions</a:t>
-            </a:r>
-            <a:endParaRPr lang="en-US" dirty="0"/>
-          </a:p>
-        </p:txBody>
-      </p:sp>
-      <p:sp>
-        <p:nvSpPr>
-          <p:cNvPr id="5" name="Content Placeholder 4"/>
-          <p:cNvSpPr>
-            <a:spLocks noGrp="1"/>
-          </p:cNvSpPr>
-          <p:nvPr>
-            <p:ph idx="1"/>
-          </p:nvPr>
-        </p:nvSpPr>
-        <p:spPr/>
-        <p:txBody>
-          <a:bodyPr>
-            <a:normAutofit/>
-          </a:bodyPr>
-          <a:lstStyle/>
-          <a:p>
-            <a:r>
-              <a:rPr lang="en-US" dirty="0" smtClean="0"/>
-              <a:t>Raw: 1 error per 10-15kb</a:t>
-            </a:r>
-          </a:p>
-          <a:p>
-            <a:r>
-              <a:rPr lang="en-US" dirty="0" smtClean="0"/>
-              <a:t>Filtered: 1 error per 100-200kb</a:t>
-            </a:r>
-          </a:p>
-          <a:p>
-            <a:r>
-              <a:rPr lang="en-US" dirty="0" smtClean="0"/>
-              <a:t>Low-complexity filter is best against false pos.</a:t>
-            </a:r>
-          </a:p>
-          <a:p>
-            <a:r>
-              <a:rPr lang="en-US" dirty="0" smtClean="0"/>
-              <a:t>Use intersection of two pipelines + filter</a:t>
-            </a:r>
-          </a:p>
-          <a:p>
-            <a:endParaRPr lang="en-US" dirty="0"/>
-          </a:p>
-          <a:p>
-            <a:endParaRPr lang="en-US" dirty="0" smtClean="0"/>
-          </a:p>
-          <a:p>
-            <a:r>
-              <a:rPr lang="en-US" dirty="0" smtClean="0"/>
-              <a:t>Is CHM1 actually haploid?</a:t>
-            </a:r>
-          </a:p>
-          <a:p>
-            <a:endParaRPr lang="en-US" dirty="0"/>
-          </a:p>
-        </p:txBody>
-      </p:sp>
-      <p:sp>
-        <p:nvSpPr>
-          <p:cNvPr id="2" name="Slide Number Placeholder 1"/>
-          <p:cNvSpPr>
-            <a:spLocks noGrp="1"/>
-          </p:cNvSpPr>
-          <p:nvPr>
-            <p:ph type="sldNum" sz="quarter" idx="12"/>
-          </p:nvPr>
-        </p:nvSpPr>
-        <p:spPr/>
-        <p:txBody>
-          <a:bodyPr/>
-          <a:lstStyle/>
-          <a:p>
-            <a:fld id="{0A1B865D-3DF9-0645-8011-9936F226B8ED}" type="slidenum">
-              <a:rPr lang="en-US" smtClean="0"/>
-              <a:pPr/>
-              <a:t>14</a:t>
-            </a:fld>
-            <a:endParaRPr lang="en-US"/>
-          </a:p>
-        </p:txBody>
-      </p:sp>
-    </p:spTree>
-    <p:extLst>
-      <p:ext uri="{BB962C8B-B14F-4D97-AF65-F5344CB8AC3E}">
-        <p14:creationId xmlns:p14="http://schemas.microsoft.com/office/powerpoint/2010/main" val="1626975789"/>
       </p:ext>
     </p:extLst>
   </p:cSld>
